--- a/documentum/건축심화세미나/2022/최종발표/4. 동적문서를 활용한 구조프로그램 작성 - 장만규 매니저, 황재승 매니저/추가발표자료.pptx
+++ b/documentum/건축심화세미나/2022/최종발표/4. 동적문서를 활용한 구조프로그램 작성 - 장만규 매니저, 황재승 매니저/추가발표자료.pptx
@@ -199,10 +199,9 @@
           </a:lstStyle>
           <a:p>
             <a:r>
-              <a:rPr lang="ko-KR" altLang="en-US" smtClean="0"/>
+              <a:rPr lang="ko-KR" altLang="en-US"/>
               <a:t>마스터 제목 스타일 편집</a:t>
             </a:r>
-            <a:endParaRPr lang="ko-KR" altLang="en-US"/>
           </a:p>
         </p:txBody>
       </p:sp>
@@ -264,10 +263,9 @@
           </a:lstStyle>
           <a:p>
             <a:r>
-              <a:rPr lang="ko-KR" altLang="en-US" smtClean="0"/>
+              <a:rPr lang="ko-KR" altLang="en-US"/>
               <a:t>클릭하여 마스터 부제목 스타일 편집</a:t>
             </a:r>
-            <a:endParaRPr lang="ko-KR" altLang="en-US"/>
           </a:p>
         </p:txBody>
       </p:sp>
@@ -288,7 +286,7 @@
           <a:p>
             <a:fld id="{9D75D61A-B957-4D33-A9F3-3984F00EC9FA}" type="datetimeFigureOut">
               <a:rPr lang="ko-KR" altLang="en-US" smtClean="0"/>
-              <a:t>2022-11-16</a:t>
+              <a:t>2024-01-04</a:t>
             </a:fld>
             <a:endParaRPr lang="ko-KR" altLang="en-US"/>
           </a:p>
@@ -382,10 +380,9 @@
           <a:lstStyle/>
           <a:p>
             <a:r>
-              <a:rPr lang="ko-KR" altLang="en-US" smtClean="0"/>
+              <a:rPr lang="ko-KR" altLang="en-US"/>
               <a:t>마스터 제목 스타일 편집</a:t>
             </a:r>
-            <a:endParaRPr lang="ko-KR" altLang="en-US"/>
           </a:p>
         </p:txBody>
       </p:sp>
@@ -406,38 +403,37 @@
           <a:p>
             <a:pPr lvl="0"/>
             <a:r>
-              <a:rPr lang="ko-KR" altLang="en-US" smtClean="0"/>
+              <a:rPr lang="ko-KR" altLang="en-US"/>
               <a:t>마스터 텍스트 스타일 편집</a:t>
             </a:r>
           </a:p>
           <a:p>
             <a:pPr lvl="1"/>
             <a:r>
-              <a:rPr lang="ko-KR" altLang="en-US" smtClean="0"/>
+              <a:rPr lang="ko-KR" altLang="en-US"/>
               <a:t>둘째 수준</a:t>
             </a:r>
           </a:p>
           <a:p>
             <a:pPr lvl="2"/>
             <a:r>
-              <a:rPr lang="ko-KR" altLang="en-US" smtClean="0"/>
+              <a:rPr lang="ko-KR" altLang="en-US"/>
               <a:t>셋째 수준</a:t>
             </a:r>
           </a:p>
           <a:p>
             <a:pPr lvl="3"/>
             <a:r>
-              <a:rPr lang="ko-KR" altLang="en-US" smtClean="0"/>
+              <a:rPr lang="ko-KR" altLang="en-US"/>
               <a:t>넷째 수준</a:t>
             </a:r>
           </a:p>
           <a:p>
             <a:pPr lvl="4"/>
             <a:r>
-              <a:rPr lang="ko-KR" altLang="en-US" smtClean="0"/>
+              <a:rPr lang="ko-KR" altLang="en-US"/>
               <a:t>다섯째 수준</a:t>
             </a:r>
-            <a:endParaRPr lang="ko-KR" altLang="en-US"/>
           </a:p>
         </p:txBody>
       </p:sp>
@@ -458,7 +454,7 @@
           <a:p>
             <a:fld id="{9D75D61A-B957-4D33-A9F3-3984F00EC9FA}" type="datetimeFigureOut">
               <a:rPr lang="ko-KR" altLang="en-US" smtClean="0"/>
-              <a:t>2022-11-16</a:t>
+              <a:t>2024-01-04</a:t>
             </a:fld>
             <a:endParaRPr lang="ko-KR" altLang="en-US"/>
           </a:p>
@@ -557,10 +553,9 @@
           <a:lstStyle/>
           <a:p>
             <a:r>
-              <a:rPr lang="ko-KR" altLang="en-US" smtClean="0"/>
+              <a:rPr lang="ko-KR" altLang="en-US"/>
               <a:t>마스터 제목 스타일 편집</a:t>
             </a:r>
-            <a:endParaRPr lang="ko-KR" altLang="en-US"/>
           </a:p>
         </p:txBody>
       </p:sp>
@@ -586,38 +581,37 @@
           <a:p>
             <a:pPr lvl="0"/>
             <a:r>
-              <a:rPr lang="ko-KR" altLang="en-US" smtClean="0"/>
+              <a:rPr lang="ko-KR" altLang="en-US"/>
               <a:t>마스터 텍스트 스타일 편집</a:t>
             </a:r>
           </a:p>
           <a:p>
             <a:pPr lvl="1"/>
             <a:r>
-              <a:rPr lang="ko-KR" altLang="en-US" smtClean="0"/>
+              <a:rPr lang="ko-KR" altLang="en-US"/>
               <a:t>둘째 수준</a:t>
             </a:r>
           </a:p>
           <a:p>
             <a:pPr lvl="2"/>
             <a:r>
-              <a:rPr lang="ko-KR" altLang="en-US" smtClean="0"/>
+              <a:rPr lang="ko-KR" altLang="en-US"/>
               <a:t>셋째 수준</a:t>
             </a:r>
           </a:p>
           <a:p>
             <a:pPr lvl="3"/>
             <a:r>
-              <a:rPr lang="ko-KR" altLang="en-US" smtClean="0"/>
+              <a:rPr lang="ko-KR" altLang="en-US"/>
               <a:t>넷째 수준</a:t>
             </a:r>
           </a:p>
           <a:p>
             <a:pPr lvl="4"/>
             <a:r>
-              <a:rPr lang="ko-KR" altLang="en-US" smtClean="0"/>
+              <a:rPr lang="ko-KR" altLang="en-US"/>
               <a:t>다섯째 수준</a:t>
             </a:r>
-            <a:endParaRPr lang="ko-KR" altLang="en-US"/>
           </a:p>
         </p:txBody>
       </p:sp>
@@ -638,7 +632,7 @@
           <a:p>
             <a:fld id="{9D75D61A-B957-4D33-A9F3-3984F00EC9FA}" type="datetimeFigureOut">
               <a:rPr lang="ko-KR" altLang="en-US" smtClean="0"/>
-              <a:t>2022-11-16</a:t>
+              <a:t>2024-01-04</a:t>
             </a:fld>
             <a:endParaRPr lang="ko-KR" altLang="en-US"/>
           </a:p>
@@ -732,10 +726,9 @@
           <a:lstStyle/>
           <a:p>
             <a:r>
-              <a:rPr lang="ko-KR" altLang="en-US" smtClean="0"/>
+              <a:rPr lang="ko-KR" altLang="en-US"/>
               <a:t>마스터 제목 스타일 편집</a:t>
             </a:r>
-            <a:endParaRPr lang="ko-KR" altLang="en-US"/>
           </a:p>
         </p:txBody>
       </p:sp>
@@ -756,38 +749,37 @@
           <a:p>
             <a:pPr lvl="0"/>
             <a:r>
-              <a:rPr lang="ko-KR" altLang="en-US" smtClean="0"/>
+              <a:rPr lang="ko-KR" altLang="en-US"/>
               <a:t>마스터 텍스트 스타일 편집</a:t>
             </a:r>
           </a:p>
           <a:p>
             <a:pPr lvl="1"/>
             <a:r>
-              <a:rPr lang="ko-KR" altLang="en-US" smtClean="0"/>
+              <a:rPr lang="ko-KR" altLang="en-US"/>
               <a:t>둘째 수준</a:t>
             </a:r>
           </a:p>
           <a:p>
             <a:pPr lvl="2"/>
             <a:r>
-              <a:rPr lang="ko-KR" altLang="en-US" smtClean="0"/>
+              <a:rPr lang="ko-KR" altLang="en-US"/>
               <a:t>셋째 수준</a:t>
             </a:r>
           </a:p>
           <a:p>
             <a:pPr lvl="3"/>
             <a:r>
-              <a:rPr lang="ko-KR" altLang="en-US" smtClean="0"/>
+              <a:rPr lang="ko-KR" altLang="en-US"/>
               <a:t>넷째 수준</a:t>
             </a:r>
           </a:p>
           <a:p>
             <a:pPr lvl="4"/>
             <a:r>
-              <a:rPr lang="ko-KR" altLang="en-US" smtClean="0"/>
+              <a:rPr lang="ko-KR" altLang="en-US"/>
               <a:t>다섯째 수준</a:t>
             </a:r>
-            <a:endParaRPr lang="ko-KR" altLang="en-US"/>
           </a:p>
         </p:txBody>
       </p:sp>
@@ -808,7 +800,7 @@
           <a:p>
             <a:fld id="{9D75D61A-B957-4D33-A9F3-3984F00EC9FA}" type="datetimeFigureOut">
               <a:rPr lang="ko-KR" altLang="en-US" smtClean="0"/>
-              <a:t>2022-11-16</a:t>
+              <a:t>2024-01-04</a:t>
             </a:fld>
             <a:endParaRPr lang="ko-KR" altLang="en-US"/>
           </a:p>
@@ -911,10 +903,9 @@
           </a:lstStyle>
           <a:p>
             <a:r>
-              <a:rPr lang="ko-KR" altLang="en-US" smtClean="0"/>
+              <a:rPr lang="ko-KR" altLang="en-US"/>
               <a:t>마스터 제목 스타일 편집</a:t>
             </a:r>
-            <a:endParaRPr lang="ko-KR" altLang="en-US"/>
           </a:p>
         </p:txBody>
       </p:sp>
@@ -1031,7 +1022,7 @@
           <a:p>
             <a:pPr lvl="0"/>
             <a:r>
-              <a:rPr lang="ko-KR" altLang="en-US" smtClean="0"/>
+              <a:rPr lang="ko-KR" altLang="en-US"/>
               <a:t>마스터 텍스트 스타일 편집</a:t>
             </a:r>
           </a:p>
@@ -1054,7 +1045,7 @@
           <a:p>
             <a:fld id="{9D75D61A-B957-4D33-A9F3-3984F00EC9FA}" type="datetimeFigureOut">
               <a:rPr lang="ko-KR" altLang="en-US" smtClean="0"/>
-              <a:t>2022-11-16</a:t>
+              <a:t>2024-01-04</a:t>
             </a:fld>
             <a:endParaRPr lang="ko-KR" altLang="en-US"/>
           </a:p>
@@ -1148,10 +1139,9 @@
           <a:lstStyle/>
           <a:p>
             <a:r>
-              <a:rPr lang="ko-KR" altLang="en-US" smtClean="0"/>
+              <a:rPr lang="ko-KR" altLang="en-US"/>
               <a:t>마스터 제목 스타일 편집</a:t>
             </a:r>
-            <a:endParaRPr lang="ko-KR" altLang="en-US"/>
           </a:p>
         </p:txBody>
       </p:sp>
@@ -1177,38 +1167,37 @@
           <a:p>
             <a:pPr lvl="0"/>
             <a:r>
-              <a:rPr lang="ko-KR" altLang="en-US" smtClean="0"/>
+              <a:rPr lang="ko-KR" altLang="en-US"/>
               <a:t>마스터 텍스트 스타일 편집</a:t>
             </a:r>
           </a:p>
           <a:p>
             <a:pPr lvl="1"/>
             <a:r>
-              <a:rPr lang="ko-KR" altLang="en-US" smtClean="0"/>
+              <a:rPr lang="ko-KR" altLang="en-US"/>
               <a:t>둘째 수준</a:t>
             </a:r>
           </a:p>
           <a:p>
             <a:pPr lvl="2"/>
             <a:r>
-              <a:rPr lang="ko-KR" altLang="en-US" smtClean="0"/>
+              <a:rPr lang="ko-KR" altLang="en-US"/>
               <a:t>셋째 수준</a:t>
             </a:r>
           </a:p>
           <a:p>
             <a:pPr lvl="3"/>
             <a:r>
-              <a:rPr lang="ko-KR" altLang="en-US" smtClean="0"/>
+              <a:rPr lang="ko-KR" altLang="en-US"/>
               <a:t>넷째 수준</a:t>
             </a:r>
           </a:p>
           <a:p>
             <a:pPr lvl="4"/>
             <a:r>
-              <a:rPr lang="ko-KR" altLang="en-US" smtClean="0"/>
+              <a:rPr lang="ko-KR" altLang="en-US"/>
               <a:t>다섯째 수준</a:t>
             </a:r>
-            <a:endParaRPr lang="ko-KR" altLang="en-US"/>
           </a:p>
         </p:txBody>
       </p:sp>
@@ -1234,38 +1223,37 @@
           <a:p>
             <a:pPr lvl="0"/>
             <a:r>
-              <a:rPr lang="ko-KR" altLang="en-US" smtClean="0"/>
+              <a:rPr lang="ko-KR" altLang="en-US"/>
               <a:t>마스터 텍스트 스타일 편집</a:t>
             </a:r>
           </a:p>
           <a:p>
             <a:pPr lvl="1"/>
             <a:r>
-              <a:rPr lang="ko-KR" altLang="en-US" smtClean="0"/>
+              <a:rPr lang="ko-KR" altLang="en-US"/>
               <a:t>둘째 수준</a:t>
             </a:r>
           </a:p>
           <a:p>
             <a:pPr lvl="2"/>
             <a:r>
-              <a:rPr lang="ko-KR" altLang="en-US" smtClean="0"/>
+              <a:rPr lang="ko-KR" altLang="en-US"/>
               <a:t>셋째 수준</a:t>
             </a:r>
           </a:p>
           <a:p>
             <a:pPr lvl="3"/>
             <a:r>
-              <a:rPr lang="ko-KR" altLang="en-US" smtClean="0"/>
+              <a:rPr lang="ko-KR" altLang="en-US"/>
               <a:t>넷째 수준</a:t>
             </a:r>
           </a:p>
           <a:p>
             <a:pPr lvl="4"/>
             <a:r>
-              <a:rPr lang="ko-KR" altLang="en-US" smtClean="0"/>
+              <a:rPr lang="ko-KR" altLang="en-US"/>
               <a:t>다섯째 수준</a:t>
             </a:r>
-            <a:endParaRPr lang="ko-KR" altLang="en-US"/>
           </a:p>
         </p:txBody>
       </p:sp>
@@ -1286,7 +1274,7 @@
           <a:p>
             <a:fld id="{9D75D61A-B957-4D33-A9F3-3984F00EC9FA}" type="datetimeFigureOut">
               <a:rPr lang="ko-KR" altLang="en-US" smtClean="0"/>
-              <a:t>2022-11-16</a:t>
+              <a:t>2024-01-04</a:t>
             </a:fld>
             <a:endParaRPr lang="ko-KR" altLang="en-US"/>
           </a:p>
@@ -1385,10 +1373,9 @@
           <a:lstStyle/>
           <a:p>
             <a:r>
-              <a:rPr lang="ko-KR" altLang="en-US" smtClean="0"/>
+              <a:rPr lang="ko-KR" altLang="en-US"/>
               <a:t>마스터 제목 스타일 편집</a:t>
             </a:r>
-            <a:endParaRPr lang="ko-KR" altLang="en-US"/>
           </a:p>
         </p:txBody>
       </p:sp>
@@ -1451,7 +1438,7 @@
           <a:p>
             <a:pPr lvl="0"/>
             <a:r>
-              <a:rPr lang="ko-KR" altLang="en-US" smtClean="0"/>
+              <a:rPr lang="ko-KR" altLang="en-US"/>
               <a:t>마스터 텍스트 스타일 편집</a:t>
             </a:r>
           </a:p>
@@ -1479,38 +1466,37 @@
           <a:p>
             <a:pPr lvl="0"/>
             <a:r>
-              <a:rPr lang="ko-KR" altLang="en-US" smtClean="0"/>
+              <a:rPr lang="ko-KR" altLang="en-US"/>
               <a:t>마스터 텍스트 스타일 편집</a:t>
             </a:r>
           </a:p>
           <a:p>
             <a:pPr lvl="1"/>
             <a:r>
-              <a:rPr lang="ko-KR" altLang="en-US" smtClean="0"/>
+              <a:rPr lang="ko-KR" altLang="en-US"/>
               <a:t>둘째 수준</a:t>
             </a:r>
           </a:p>
           <a:p>
             <a:pPr lvl="2"/>
             <a:r>
-              <a:rPr lang="ko-KR" altLang="en-US" smtClean="0"/>
+              <a:rPr lang="ko-KR" altLang="en-US"/>
               <a:t>셋째 수준</a:t>
             </a:r>
           </a:p>
           <a:p>
             <a:pPr lvl="3"/>
             <a:r>
-              <a:rPr lang="ko-KR" altLang="en-US" smtClean="0"/>
+              <a:rPr lang="ko-KR" altLang="en-US"/>
               <a:t>넷째 수준</a:t>
             </a:r>
           </a:p>
           <a:p>
             <a:pPr lvl="4"/>
             <a:r>
-              <a:rPr lang="ko-KR" altLang="en-US" smtClean="0"/>
+              <a:rPr lang="ko-KR" altLang="en-US"/>
               <a:t>다섯째 수준</a:t>
             </a:r>
-            <a:endParaRPr lang="ko-KR" altLang="en-US"/>
           </a:p>
         </p:txBody>
       </p:sp>
@@ -1573,7 +1559,7 @@
           <a:p>
             <a:pPr lvl="0"/>
             <a:r>
-              <a:rPr lang="ko-KR" altLang="en-US" smtClean="0"/>
+              <a:rPr lang="ko-KR" altLang="en-US"/>
               <a:t>마스터 텍스트 스타일 편집</a:t>
             </a:r>
           </a:p>
@@ -1601,38 +1587,37 @@
           <a:p>
             <a:pPr lvl="0"/>
             <a:r>
-              <a:rPr lang="ko-KR" altLang="en-US" smtClean="0"/>
+              <a:rPr lang="ko-KR" altLang="en-US"/>
               <a:t>마스터 텍스트 스타일 편집</a:t>
             </a:r>
           </a:p>
           <a:p>
             <a:pPr lvl="1"/>
             <a:r>
-              <a:rPr lang="ko-KR" altLang="en-US" smtClean="0"/>
+              <a:rPr lang="ko-KR" altLang="en-US"/>
               <a:t>둘째 수준</a:t>
             </a:r>
           </a:p>
           <a:p>
             <a:pPr lvl="2"/>
             <a:r>
-              <a:rPr lang="ko-KR" altLang="en-US" smtClean="0"/>
+              <a:rPr lang="ko-KR" altLang="en-US"/>
               <a:t>셋째 수준</a:t>
             </a:r>
           </a:p>
           <a:p>
             <a:pPr lvl="3"/>
             <a:r>
-              <a:rPr lang="ko-KR" altLang="en-US" smtClean="0"/>
+              <a:rPr lang="ko-KR" altLang="en-US"/>
               <a:t>넷째 수준</a:t>
             </a:r>
           </a:p>
           <a:p>
             <a:pPr lvl="4"/>
             <a:r>
-              <a:rPr lang="ko-KR" altLang="en-US" smtClean="0"/>
+              <a:rPr lang="ko-KR" altLang="en-US"/>
               <a:t>다섯째 수준</a:t>
             </a:r>
-            <a:endParaRPr lang="ko-KR" altLang="en-US"/>
           </a:p>
         </p:txBody>
       </p:sp>
@@ -1653,7 +1638,7 @@
           <a:p>
             <a:fld id="{9D75D61A-B957-4D33-A9F3-3984F00EC9FA}" type="datetimeFigureOut">
               <a:rPr lang="ko-KR" altLang="en-US" smtClean="0"/>
-              <a:t>2022-11-16</a:t>
+              <a:t>2024-01-04</a:t>
             </a:fld>
             <a:endParaRPr lang="ko-KR" altLang="en-US"/>
           </a:p>
@@ -1747,10 +1732,9 @@
           <a:lstStyle/>
           <a:p>
             <a:r>
-              <a:rPr lang="ko-KR" altLang="en-US" smtClean="0"/>
+              <a:rPr lang="ko-KR" altLang="en-US"/>
               <a:t>마스터 제목 스타일 편집</a:t>
             </a:r>
-            <a:endParaRPr lang="ko-KR" altLang="en-US"/>
           </a:p>
         </p:txBody>
       </p:sp>
@@ -1771,7 +1755,7 @@
           <a:p>
             <a:fld id="{9D75D61A-B957-4D33-A9F3-3984F00EC9FA}" type="datetimeFigureOut">
               <a:rPr lang="ko-KR" altLang="en-US" smtClean="0"/>
-              <a:t>2022-11-16</a:t>
+              <a:t>2024-01-04</a:t>
             </a:fld>
             <a:endParaRPr lang="ko-KR" altLang="en-US"/>
           </a:p>
@@ -1866,7 +1850,7 @@
           <a:p>
             <a:fld id="{9D75D61A-B957-4D33-A9F3-3984F00EC9FA}" type="datetimeFigureOut">
               <a:rPr lang="ko-KR" altLang="en-US" smtClean="0"/>
-              <a:t>2022-11-16</a:t>
+              <a:t>2024-01-04</a:t>
             </a:fld>
             <a:endParaRPr lang="ko-KR" altLang="en-US"/>
           </a:p>
@@ -1969,10 +1953,9 @@
           </a:lstStyle>
           <a:p>
             <a:r>
-              <a:rPr lang="ko-KR" altLang="en-US" smtClean="0"/>
+              <a:rPr lang="ko-KR" altLang="en-US"/>
               <a:t>마스터 제목 스타일 편집</a:t>
             </a:r>
-            <a:endParaRPr lang="ko-KR" altLang="en-US"/>
           </a:p>
         </p:txBody>
       </p:sp>
@@ -2026,38 +2009,37 @@
           <a:p>
             <a:pPr lvl="0"/>
             <a:r>
-              <a:rPr lang="ko-KR" altLang="en-US" smtClean="0"/>
+              <a:rPr lang="ko-KR" altLang="en-US"/>
               <a:t>마스터 텍스트 스타일 편집</a:t>
             </a:r>
           </a:p>
           <a:p>
             <a:pPr lvl="1"/>
             <a:r>
-              <a:rPr lang="ko-KR" altLang="en-US" smtClean="0"/>
+              <a:rPr lang="ko-KR" altLang="en-US"/>
               <a:t>둘째 수준</a:t>
             </a:r>
           </a:p>
           <a:p>
             <a:pPr lvl="2"/>
             <a:r>
-              <a:rPr lang="ko-KR" altLang="en-US" smtClean="0"/>
+              <a:rPr lang="ko-KR" altLang="en-US"/>
               <a:t>셋째 수준</a:t>
             </a:r>
           </a:p>
           <a:p>
             <a:pPr lvl="3"/>
             <a:r>
-              <a:rPr lang="ko-KR" altLang="en-US" smtClean="0"/>
+              <a:rPr lang="ko-KR" altLang="en-US"/>
               <a:t>넷째 수준</a:t>
             </a:r>
           </a:p>
           <a:p>
             <a:pPr lvl="4"/>
             <a:r>
-              <a:rPr lang="ko-KR" altLang="en-US" smtClean="0"/>
+              <a:rPr lang="ko-KR" altLang="en-US"/>
               <a:t>다섯째 수준</a:t>
             </a:r>
-            <a:endParaRPr lang="ko-KR" altLang="en-US"/>
           </a:p>
         </p:txBody>
       </p:sp>
@@ -2120,7 +2102,7 @@
           <a:p>
             <a:pPr lvl="0"/>
             <a:r>
-              <a:rPr lang="ko-KR" altLang="en-US" smtClean="0"/>
+              <a:rPr lang="ko-KR" altLang="en-US"/>
               <a:t>마스터 텍스트 스타일 편집</a:t>
             </a:r>
           </a:p>
@@ -2143,7 +2125,7 @@
           <a:p>
             <a:fld id="{9D75D61A-B957-4D33-A9F3-3984F00EC9FA}" type="datetimeFigureOut">
               <a:rPr lang="ko-KR" altLang="en-US" smtClean="0"/>
-              <a:t>2022-11-16</a:t>
+              <a:t>2024-01-04</a:t>
             </a:fld>
             <a:endParaRPr lang="ko-KR" altLang="en-US"/>
           </a:p>
@@ -2246,10 +2228,9 @@
           </a:lstStyle>
           <a:p>
             <a:r>
-              <a:rPr lang="ko-KR" altLang="en-US" smtClean="0"/>
+              <a:rPr lang="ko-KR" altLang="en-US"/>
               <a:t>마스터 제목 스타일 편집</a:t>
             </a:r>
-            <a:endParaRPr lang="ko-KR" altLang="en-US"/>
           </a:p>
         </p:txBody>
       </p:sp>
@@ -2373,7 +2354,7 @@
           <a:p>
             <a:pPr lvl="0"/>
             <a:r>
-              <a:rPr lang="ko-KR" altLang="en-US" smtClean="0"/>
+              <a:rPr lang="ko-KR" altLang="en-US"/>
               <a:t>마스터 텍스트 스타일 편집</a:t>
             </a:r>
           </a:p>
@@ -2396,7 +2377,7 @@
           <a:p>
             <a:fld id="{9D75D61A-B957-4D33-A9F3-3984F00EC9FA}" type="datetimeFigureOut">
               <a:rPr lang="ko-KR" altLang="en-US" smtClean="0"/>
-              <a:t>2022-11-16</a:t>
+              <a:t>2024-01-04</a:t>
             </a:fld>
             <a:endParaRPr lang="ko-KR" altLang="en-US"/>
           </a:p>
@@ -2505,10 +2486,9 @@
           <a:lstStyle/>
           <a:p>
             <a:r>
-              <a:rPr lang="ko-KR" altLang="en-US" smtClean="0"/>
+              <a:rPr lang="ko-KR" altLang="en-US"/>
               <a:t>마스터 제목 스타일 편집</a:t>
             </a:r>
-            <a:endParaRPr lang="ko-KR" altLang="en-US"/>
           </a:p>
         </p:txBody>
       </p:sp>
@@ -2539,38 +2519,37 @@
           <a:p>
             <a:pPr lvl="0"/>
             <a:r>
-              <a:rPr lang="ko-KR" altLang="en-US" smtClean="0"/>
+              <a:rPr lang="ko-KR" altLang="en-US"/>
               <a:t>마스터 텍스트 스타일 편집</a:t>
             </a:r>
           </a:p>
           <a:p>
             <a:pPr lvl="1"/>
             <a:r>
-              <a:rPr lang="ko-KR" altLang="en-US" smtClean="0"/>
+              <a:rPr lang="ko-KR" altLang="en-US"/>
               <a:t>둘째 수준</a:t>
             </a:r>
           </a:p>
           <a:p>
             <a:pPr lvl="2"/>
             <a:r>
-              <a:rPr lang="ko-KR" altLang="en-US" smtClean="0"/>
+              <a:rPr lang="ko-KR" altLang="en-US"/>
               <a:t>셋째 수준</a:t>
             </a:r>
           </a:p>
           <a:p>
             <a:pPr lvl="3"/>
             <a:r>
-              <a:rPr lang="ko-KR" altLang="en-US" smtClean="0"/>
+              <a:rPr lang="ko-KR" altLang="en-US"/>
               <a:t>넷째 수준</a:t>
             </a:r>
           </a:p>
           <a:p>
             <a:pPr lvl="4"/>
             <a:r>
-              <a:rPr lang="ko-KR" altLang="en-US" smtClean="0"/>
+              <a:rPr lang="ko-KR" altLang="en-US"/>
               <a:t>다섯째 수준</a:t>
             </a:r>
-            <a:endParaRPr lang="ko-KR" altLang="en-US"/>
           </a:p>
         </p:txBody>
       </p:sp>
@@ -2609,7 +2588,7 @@
           <a:p>
             <a:fld id="{9D75D61A-B957-4D33-A9F3-3984F00EC9FA}" type="datetimeFigureOut">
               <a:rPr lang="ko-KR" altLang="en-US" smtClean="0"/>
-              <a:t>2022-11-16</a:t>
+              <a:t>2024-01-04</a:t>
             </a:fld>
             <a:endParaRPr lang="ko-KR" altLang="en-US"/>
           </a:p>
@@ -3038,7 +3017,7 @@
           <a:p>
             <a:pPr algn="ctr"/>
             <a:r>
-              <a:rPr lang="ko-KR" altLang="en-US" sz="3600" dirty="0" smtClean="0">
+              <a:rPr lang="ko-KR" altLang="en-US" sz="3600" dirty="0">
                 <a:solidFill>
                   <a:srgbClr val="FF33CC"/>
                 </a:solidFill>
@@ -3048,14 +3027,14 @@
               <a:t>애자일 프로세스</a:t>
             </a:r>
             <a:r>
-              <a:rPr lang="en-US" altLang="ko-KR" sz="3600" dirty="0" smtClean="0">
+              <a:rPr lang="en-US" altLang="ko-KR" sz="3600" dirty="0">
                 <a:latin typeface="리디바탕" panose="020B0600000101010101" pitchFamily="34" charset="-127"/>
                 <a:ea typeface="리디바탕" panose="020B0600000101010101" pitchFamily="34" charset="-127"/>
               </a:rPr>
               <a:t>, </a:t>
             </a:r>
             <a:r>
-              <a:rPr lang="en-US" altLang="ko-KR" sz="3600" dirty="0" smtClean="0">
+              <a:rPr lang="en-US" altLang="ko-KR" sz="3600" dirty="0">
                 <a:solidFill>
                   <a:srgbClr val="00CC66"/>
                 </a:solidFill>
@@ -3065,28 +3044,28 @@
               <a:t>REPL</a:t>
             </a:r>
             <a:r>
-              <a:rPr lang="en-US" altLang="ko-KR" sz="3600" dirty="0" smtClean="0">
+              <a:rPr lang="en-US" altLang="ko-KR" sz="3600" dirty="0">
                 <a:latin typeface="리디바탕" panose="020B0600000101010101" pitchFamily="34" charset="-127"/>
                 <a:ea typeface="리디바탕" panose="020B0600000101010101" pitchFamily="34" charset="-127"/>
               </a:rPr>
               <a:t> </a:t>
             </a:r>
             <a:r>
-              <a:rPr lang="ko-KR" altLang="en-US" sz="3600" dirty="0" smtClean="0">
+              <a:rPr lang="ko-KR" altLang="en-US" sz="3600" dirty="0">
                 <a:latin typeface="리디바탕" panose="020B0600000101010101" pitchFamily="34" charset="-127"/>
                 <a:ea typeface="리디바탕" panose="020B0600000101010101" pitchFamily="34" charset="-127"/>
               </a:rPr>
               <a:t>그리고</a:t>
             </a:r>
             <a:r>
-              <a:rPr lang="ko-KR" altLang="en-US" sz="4000" dirty="0" smtClean="0">
+              <a:rPr lang="ko-KR" altLang="en-US" sz="4000" dirty="0">
                 <a:latin typeface="리디바탕" panose="020B0600000101010101" pitchFamily="34" charset="-127"/>
                 <a:ea typeface="리디바탕" panose="020B0600000101010101" pitchFamily="34" charset="-127"/>
               </a:rPr>
               <a:t> </a:t>
             </a:r>
             <a:r>
-              <a:rPr lang="en-US" altLang="ko-KR" sz="3200" dirty="0" smtClean="0">
+              <a:rPr lang="en-US" altLang="ko-KR" sz="3200" dirty="0">
                 <a:solidFill>
                   <a:srgbClr val="0000FF"/>
                 </a:solidFill>
@@ -3096,7 +3075,7 @@
               <a:t>Dynamo </a:t>
             </a:r>
             <a:r>
-              <a:rPr lang="ko-KR" altLang="en-US" sz="3200" dirty="0" smtClean="0">
+              <a:rPr lang="ko-KR" altLang="en-US" sz="3200" dirty="0">
                 <a:solidFill>
                   <a:srgbClr val="0000FF"/>
                 </a:solidFill>
@@ -3106,7 +3085,7 @@
               <a:t>혹은 </a:t>
             </a:r>
             <a:r>
-              <a:rPr lang="en-US" altLang="ko-KR" sz="3200" dirty="0" smtClean="0">
+              <a:rPr lang="en-US" altLang="ko-KR" sz="3200" dirty="0">
                 <a:solidFill>
                   <a:srgbClr val="0000FF"/>
                 </a:solidFill>
@@ -3149,16 +3128,12 @@
           <a:p>
             <a:pPr algn="ctr"/>
             <a:r>
-              <a:rPr lang="ko-KR" altLang="en-US" sz="2800" dirty="0" smtClean="0">
+              <a:rPr lang="ko-KR" altLang="en-US" sz="2800" dirty="0">
                 <a:latin typeface="리디바탕" panose="020B0600000101010101" pitchFamily="34" charset="-127"/>
                 <a:ea typeface="리디바탕" panose="020B0600000101010101" pitchFamily="34" charset="-127"/>
               </a:rPr>
               <a:t>부록</a:t>
             </a:r>
-            <a:endParaRPr lang="ko-KR" altLang="en-US" sz="2800" dirty="0">
-              <a:latin typeface="리디바탕" panose="020B0600000101010101" pitchFamily="34" charset="-127"/>
-              <a:ea typeface="리디바탕" panose="020B0600000101010101" pitchFamily="34" charset="-127"/>
-            </a:endParaRPr>
           </a:p>
         </p:txBody>
       </p:sp>
@@ -3172,13 +3147,6 @@
   <p:clrMapOvr>
     <a:masterClrMapping/>
   </p:clrMapOvr>
-  <p:timing>
-    <p:tnLst>
-      <p:par>
-        <p:cTn id="1" dur="indefinite" restart="never" nodeType="tmRoot"/>
-      </p:par>
-    </p:tnLst>
-  </p:timing>
 </p:sld>
 </file>
 
@@ -3233,13 +3201,6 @@
   <p:clrMapOvr>
     <a:masterClrMapping/>
   </p:clrMapOvr>
-  <p:timing>
-    <p:tnLst>
-      <p:par>
-        <p:cTn id="1" dur="indefinite" restart="never" nodeType="tmRoot"/>
-      </p:par>
-    </p:tnLst>
-  </p:timing>
 </p:sld>
 </file>
 
@@ -3294,13 +3255,6 @@
   <p:clrMapOvr>
     <a:masterClrMapping/>
   </p:clrMapOvr>
-  <p:timing>
-    <p:tnLst>
-      <p:par>
-        <p:cTn id="1" dur="indefinite" restart="never" nodeType="tmRoot"/>
-      </p:par>
-    </p:tnLst>
-  </p:timing>
 </p:sld>
 </file>
 
@@ -3360,13 +3314,6 @@
   <p:clrMapOvr>
     <a:masterClrMapping/>
   </p:clrMapOvr>
-  <p:timing>
-    <p:tnLst>
-      <p:par>
-        <p:cTn id="1" dur="indefinite" restart="never" nodeType="tmRoot"/>
-      </p:par>
-    </p:tnLst>
-  </p:timing>
 </p:sld>
 </file>
 
@@ -3410,25 +3357,19 @@
           <a:lstStyle/>
           <a:p>
             <a:r>
-              <a:rPr lang="ko-KR" altLang="en-US" dirty="0" smtClean="0">
+              <a:rPr lang="ko-KR" altLang="en-US" dirty="0">
                 <a:latin typeface="리디바탕" panose="020B0600000101010101" pitchFamily="34" charset="-127"/>
                 <a:ea typeface="리디바탕" panose="020B0600000101010101" pitchFamily="34" charset="-127"/>
               </a:rPr>
               <a:t>애자일 개발 방법론은 기존 방법론들이 너무 절차를 중시한 나머지 변화에 대응하기 어려웠던 단점을 개선하기 위해 나왔다</a:t>
             </a:r>
             <a:r>
-              <a:rPr lang="en-US" altLang="ko-KR" dirty="0" smtClean="0">
+              <a:rPr lang="en-US" altLang="ko-KR" dirty="0">
                 <a:latin typeface="리디바탕" panose="020B0600000101010101" pitchFamily="34" charset="-127"/>
                 <a:ea typeface="리디바탕" panose="020B0600000101010101" pitchFamily="34" charset="-127"/>
               </a:rPr>
               <a:t>.</a:t>
             </a:r>
-          </a:p>
-          <a:p>
-            <a:endParaRPr lang="en-US" altLang="ko-KR" dirty="0" smtClean="0">
-              <a:latin typeface="리디바탕" panose="020B0600000101010101" pitchFamily="34" charset="-127"/>
-              <a:ea typeface="리디바탕" panose="020B0600000101010101" pitchFamily="34" charset="-127"/>
-            </a:endParaRPr>
           </a:p>
           <a:p>
             <a:endParaRPr lang="en-US" altLang="ko-KR" dirty="0">
@@ -3437,14 +3378,20 @@
             </a:endParaRPr>
           </a:p>
           <a:p>
-            <a:r>
-              <a:rPr lang="ko-KR" altLang="en-US" dirty="0" smtClean="0">
+            <a:endParaRPr lang="en-US" altLang="ko-KR" dirty="0">
+              <a:latin typeface="리디바탕" panose="020B0600000101010101" pitchFamily="34" charset="-127"/>
+              <a:ea typeface="리디바탕" panose="020B0600000101010101" pitchFamily="34" charset="-127"/>
+            </a:endParaRPr>
+          </a:p>
+          <a:p>
+            <a:r>
+              <a:rPr lang="ko-KR" altLang="en-US" dirty="0">
                 <a:latin typeface="리디바탕" panose="020B0600000101010101" pitchFamily="34" charset="-127"/>
                 <a:ea typeface="리디바탕" panose="020B0600000101010101" pitchFamily="34" charset="-127"/>
               </a:rPr>
               <a:t>애자일 방법론은</a:t>
             </a:r>
-            <a:endParaRPr lang="en-US" altLang="ko-KR" dirty="0" smtClean="0">
+            <a:endParaRPr lang="en-US" altLang="ko-KR" dirty="0">
               <a:latin typeface="리디바탕" panose="020B0600000101010101" pitchFamily="34" charset="-127"/>
               <a:ea typeface="리디바탕" panose="020B0600000101010101" pitchFamily="34" charset="-127"/>
             </a:endParaRPr>
@@ -3455,7 +3402,7 @@
                 <a:spcPct val="150000"/>
               </a:lnSpc>
             </a:pPr>
-            <a:endParaRPr lang="en-US" altLang="ko-KR" dirty="0" smtClean="0">
+            <a:endParaRPr lang="en-US" altLang="ko-KR" dirty="0">
               <a:latin typeface="리디바탕" panose="020B0600000101010101" pitchFamily="34" charset="-127"/>
               <a:ea typeface="리디바탕" panose="020B0600000101010101" pitchFamily="34" charset="-127"/>
             </a:endParaRPr>
@@ -3467,14 +3414,14 @@
               </a:lnSpc>
             </a:pPr>
             <a:r>
-              <a:rPr lang="ko-KR" altLang="en-US" dirty="0" smtClean="0">
+              <a:rPr lang="ko-KR" altLang="en-US" dirty="0">
                 <a:latin typeface="리디바탕" panose="020B0600000101010101" pitchFamily="34" charset="-127"/>
                 <a:ea typeface="리디바탕" panose="020B0600000101010101" pitchFamily="34" charset="-127"/>
               </a:rPr>
               <a:t>절차보다는 사람을</a:t>
             </a:r>
             <a:r>
-              <a:rPr lang="en-US" altLang="ko-KR" dirty="0" smtClean="0">
+              <a:rPr lang="en-US" altLang="ko-KR" dirty="0">
                 <a:latin typeface="리디바탕" panose="020B0600000101010101" pitchFamily="34" charset="-127"/>
                 <a:ea typeface="리디바탕" panose="020B0600000101010101" pitchFamily="34" charset="-127"/>
               </a:rPr>
@@ -3488,14 +3435,14 @@
               </a:lnSpc>
             </a:pPr>
             <a:r>
-              <a:rPr lang="ko-KR" altLang="en-US" dirty="0" smtClean="0">
+              <a:rPr lang="ko-KR" altLang="en-US" dirty="0">
                 <a:latin typeface="리디바탕" panose="020B0600000101010101" pitchFamily="34" charset="-127"/>
                 <a:ea typeface="리디바탕" panose="020B0600000101010101" pitchFamily="34" charset="-127"/>
               </a:rPr>
               <a:t>문서보다는 작동하는 소프트웨어를</a:t>
             </a:r>
             <a:r>
-              <a:rPr lang="en-US" altLang="ko-KR" dirty="0" smtClean="0">
+              <a:rPr lang="en-US" altLang="ko-KR" dirty="0">
                 <a:latin typeface="리디바탕" panose="020B0600000101010101" pitchFamily="34" charset="-127"/>
                 <a:ea typeface="리디바탕" panose="020B0600000101010101" pitchFamily="34" charset="-127"/>
               </a:rPr>
@@ -3509,14 +3456,14 @@
               </a:lnSpc>
             </a:pPr>
             <a:r>
-              <a:rPr lang="ko-KR" altLang="en-US" b="1" dirty="0" smtClean="0">
+              <a:rPr lang="ko-KR" altLang="en-US" b="1" dirty="0">
                 <a:latin typeface="리디바탕" panose="020B0600000101010101" pitchFamily="34" charset="-127"/>
                 <a:ea typeface="리디바탕" panose="020B0600000101010101" pitchFamily="34" charset="-127"/>
               </a:rPr>
               <a:t>미리 철저하게 계획하기 보다는 </a:t>
             </a:r>
             <a:r>
-              <a:rPr lang="ko-KR" altLang="en-US" b="1" dirty="0" smtClean="0">
+              <a:rPr lang="ko-KR" altLang="en-US" b="1" dirty="0">
                 <a:solidFill>
                   <a:srgbClr val="FF33CC"/>
                 </a:solidFill>
@@ -3526,14 +3473,14 @@
               <a:t>변화에 대한 민첩한 대응</a:t>
             </a:r>
             <a:r>
-              <a:rPr lang="ko-KR" altLang="en-US" b="1" dirty="0" smtClean="0">
+              <a:rPr lang="ko-KR" altLang="en-US" b="1" dirty="0">
                 <a:latin typeface="리디바탕" panose="020B0600000101010101" pitchFamily="34" charset="-127"/>
                 <a:ea typeface="리디바탕" panose="020B0600000101010101" pitchFamily="34" charset="-127"/>
               </a:rPr>
               <a:t>을</a:t>
             </a:r>
             <a:r>
-              <a:rPr lang="en-US" altLang="ko-KR" b="1" dirty="0" smtClean="0">
+              <a:rPr lang="en-US" altLang="ko-KR" b="1" dirty="0">
                 <a:latin typeface="리디바탕" panose="020B0600000101010101" pitchFamily="34" charset="-127"/>
                 <a:ea typeface="리디바탕" panose="020B0600000101010101" pitchFamily="34" charset="-127"/>
               </a:rPr>
@@ -3547,33 +3494,33 @@
               </a:lnSpc>
             </a:pPr>
             <a:r>
-              <a:rPr lang="ko-KR" altLang="en-US" dirty="0" smtClean="0">
+              <a:rPr lang="ko-KR" altLang="en-US" dirty="0">
                 <a:latin typeface="리디바탕" panose="020B0600000101010101" pitchFamily="34" charset="-127"/>
                 <a:ea typeface="리디바탕" panose="020B0600000101010101" pitchFamily="34" charset="-127"/>
               </a:rPr>
               <a:t>계약과 협상에 얽매이기 보다는 고객과의 협력을 </a:t>
             </a:r>
-            <a:endParaRPr lang="en-US" altLang="ko-KR" dirty="0" smtClean="0">
-              <a:latin typeface="리디바탕" panose="020B0600000101010101" pitchFamily="34" charset="-127"/>
-              <a:ea typeface="리디바탕" panose="020B0600000101010101" pitchFamily="34" charset="-127"/>
-            </a:endParaRPr>
-          </a:p>
-          <a:p>
             <a:endParaRPr lang="en-US" altLang="ko-KR" dirty="0">
               <a:latin typeface="리디바탕" panose="020B0600000101010101" pitchFamily="34" charset="-127"/>
               <a:ea typeface="리디바탕" panose="020B0600000101010101" pitchFamily="34" charset="-127"/>
             </a:endParaRPr>
           </a:p>
           <a:p>
-            <a:r>
-              <a:rPr lang="ko-KR" altLang="en-US" dirty="0" smtClean="0">
+            <a:endParaRPr lang="en-US" altLang="ko-KR" dirty="0">
+              <a:latin typeface="리디바탕" panose="020B0600000101010101" pitchFamily="34" charset="-127"/>
+              <a:ea typeface="리디바탕" panose="020B0600000101010101" pitchFamily="34" charset="-127"/>
+            </a:endParaRPr>
+          </a:p>
+          <a:p>
+            <a:r>
+              <a:rPr lang="ko-KR" altLang="en-US" dirty="0">
                 <a:latin typeface="리디바탕" panose="020B0600000101010101" pitchFamily="34" charset="-127"/>
                 <a:ea typeface="리디바탕" panose="020B0600000101010101" pitchFamily="34" charset="-127"/>
               </a:rPr>
               <a:t>중요하게 생각한다</a:t>
             </a:r>
             <a:r>
-              <a:rPr lang="en-US" altLang="ko-KR" dirty="0" smtClean="0">
+              <a:rPr lang="en-US" altLang="ko-KR" dirty="0">
                 <a:latin typeface="리디바탕" panose="020B0600000101010101" pitchFamily="34" charset="-127"/>
                 <a:ea typeface="리디바탕" panose="020B0600000101010101" pitchFamily="34" charset="-127"/>
               </a:rPr>
@@ -3596,13 +3543,6 @@
   <p:clrMapOvr>
     <a:masterClrMapping/>
   </p:clrMapOvr>
-  <p:timing>
-    <p:tnLst>
-      <p:par>
-        <p:cTn id="1" dur="indefinite" restart="never" nodeType="tmRoot"/>
-      </p:par>
-    </p:tnLst>
-  </p:timing>
 </p:sld>
 </file>
 
@@ -3646,14 +3586,14 @@
           <a:lstStyle/>
           <a:p>
             <a:r>
-              <a:rPr lang="ko-KR" altLang="en-US" dirty="0" smtClean="0">
+              <a:rPr lang="ko-KR" altLang="en-US" dirty="0">
                 <a:latin typeface="리디바탕" panose="020B0600000101010101" pitchFamily="34" charset="-127"/>
                 <a:ea typeface="리디바탕" panose="020B0600000101010101" pitchFamily="34" charset="-127"/>
               </a:rPr>
               <a:t>애자일 방법론에서는 먼저 개발 범위 안에 있는 요구사항을 분석해 </a:t>
             </a:r>
             <a:r>
-              <a:rPr lang="ko-KR" altLang="en-US" dirty="0" smtClean="0">
+              <a:rPr lang="ko-KR" altLang="en-US" dirty="0">
                 <a:solidFill>
                   <a:srgbClr val="FF33CC"/>
                 </a:solidFill>
@@ -3663,14 +3603,14 @@
               <a:t>우선순위가 높은</a:t>
             </a:r>
             <a:r>
-              <a:rPr lang="ko-KR" altLang="en-US" dirty="0" smtClean="0">
+              <a:rPr lang="ko-KR" altLang="en-US" dirty="0">
                 <a:latin typeface="리디바탕" panose="020B0600000101010101" pitchFamily="34" charset="-127"/>
                 <a:ea typeface="리디바탕" panose="020B0600000101010101" pitchFamily="34" charset="-127"/>
               </a:rPr>
               <a:t> 요구사항을 </a:t>
             </a:r>
             <a:r>
-              <a:rPr lang="ko-KR" altLang="en-US" dirty="0" smtClean="0">
+              <a:rPr lang="ko-KR" altLang="en-US" dirty="0">
                 <a:solidFill>
                   <a:srgbClr val="FF33CC"/>
                 </a:solidFill>
@@ -3680,7 +3620,7 @@
               <a:t>먼저 개발한다</a:t>
             </a:r>
             <a:r>
-              <a:rPr lang="en-US" altLang="ko-KR" dirty="0" smtClean="0">
+              <a:rPr lang="en-US" altLang="ko-KR" dirty="0">
                 <a:latin typeface="리디바탕" panose="020B0600000101010101" pitchFamily="34" charset="-127"/>
                 <a:ea typeface="리디바탕" panose="020B0600000101010101" pitchFamily="34" charset="-127"/>
               </a:rPr>
@@ -3695,14 +3635,14 @@
           </a:p>
           <a:p>
             <a:r>
-              <a:rPr lang="ko-KR" altLang="en-US" dirty="0" smtClean="0">
+              <a:rPr lang="ko-KR" altLang="en-US" dirty="0">
                 <a:latin typeface="리디바탕" panose="020B0600000101010101" pitchFamily="34" charset="-127"/>
                 <a:ea typeface="리디바탕" panose="020B0600000101010101" pitchFamily="34" charset="-127"/>
               </a:rPr>
               <a:t>개발된 부분에 대해 실행하는 모습을 보여줘서 고객의 평가를 받고 고객의 요구사항과 개선사항을 반영해 다음 요구사항 개발에 참고한다</a:t>
             </a:r>
             <a:r>
-              <a:rPr lang="en-US" altLang="ko-KR" dirty="0" smtClean="0">
+              <a:rPr lang="en-US" altLang="ko-KR" dirty="0">
                 <a:latin typeface="리디바탕" panose="020B0600000101010101" pitchFamily="34" charset="-127"/>
                 <a:ea typeface="리디바탕" panose="020B0600000101010101" pitchFamily="34" charset="-127"/>
               </a:rPr>
@@ -3717,14 +3657,14 @@
           </a:p>
           <a:p>
             <a:r>
-              <a:rPr lang="ko-KR" altLang="en-US" dirty="0" smtClean="0">
+              <a:rPr lang="ko-KR" altLang="en-US" dirty="0">
                 <a:latin typeface="리디바탕" panose="020B0600000101010101" pitchFamily="34" charset="-127"/>
                 <a:ea typeface="리디바탕" panose="020B0600000101010101" pitchFamily="34" charset="-127"/>
               </a:rPr>
               <a:t>이런 방식을 계속 반복하면서 소프트웨어 개발 범위를 점진적으로 늘려가게 된다</a:t>
             </a:r>
             <a:r>
-              <a:rPr lang="en-US" altLang="ko-KR" dirty="0" smtClean="0">
+              <a:rPr lang="en-US" altLang="ko-KR" dirty="0">
                 <a:latin typeface="리디바탕" panose="020B0600000101010101" pitchFamily="34" charset="-127"/>
                 <a:ea typeface="리디바탕" panose="020B0600000101010101" pitchFamily="34" charset="-127"/>
               </a:rPr>
@@ -3738,45 +3678,45 @@
             </a:endParaRPr>
           </a:p>
           <a:p>
-            <a:endParaRPr lang="en-US" altLang="ko-KR" dirty="0" smtClean="0">
-              <a:latin typeface="리디바탕" panose="020B0600000101010101" pitchFamily="34" charset="-127"/>
-              <a:ea typeface="리디바탕" panose="020B0600000101010101" pitchFamily="34" charset="-127"/>
-            </a:endParaRPr>
-          </a:p>
-          <a:p>
             <a:endParaRPr lang="en-US" altLang="ko-KR" dirty="0">
               <a:latin typeface="리디바탕" panose="020B0600000101010101" pitchFamily="34" charset="-127"/>
               <a:ea typeface="리디바탕" panose="020B0600000101010101" pitchFamily="34" charset="-127"/>
             </a:endParaRPr>
           </a:p>
           <a:p>
-            <a:endParaRPr lang="en-US" altLang="ko-KR" dirty="0" smtClean="0">
-              <a:latin typeface="리디바탕" panose="020B0600000101010101" pitchFamily="34" charset="-127"/>
-              <a:ea typeface="리디바탕" panose="020B0600000101010101" pitchFamily="34" charset="-127"/>
-            </a:endParaRPr>
-          </a:p>
-          <a:p>
-            <a:endParaRPr lang="en-US" altLang="ko-KR" dirty="0" smtClean="0">
-              <a:latin typeface="리디바탕" panose="020B0600000101010101" pitchFamily="34" charset="-127"/>
-              <a:ea typeface="리디바탕" panose="020B0600000101010101" pitchFamily="34" charset="-127"/>
-            </a:endParaRPr>
-          </a:p>
-          <a:p>
             <a:endParaRPr lang="en-US" altLang="ko-KR" dirty="0">
               <a:latin typeface="리디바탕" panose="020B0600000101010101" pitchFamily="34" charset="-127"/>
               <a:ea typeface="리디바탕" panose="020B0600000101010101" pitchFamily="34" charset="-127"/>
             </a:endParaRPr>
           </a:p>
           <a:p>
-            <a:r>
-              <a:rPr lang="ko-KR" altLang="en-US" dirty="0" smtClean="0">
+            <a:endParaRPr lang="en-US" altLang="ko-KR" dirty="0">
+              <a:latin typeface="리디바탕" panose="020B0600000101010101" pitchFamily="34" charset="-127"/>
+              <a:ea typeface="리디바탕" panose="020B0600000101010101" pitchFamily="34" charset="-127"/>
+            </a:endParaRPr>
+          </a:p>
+          <a:p>
+            <a:endParaRPr lang="en-US" altLang="ko-KR" dirty="0">
+              <a:latin typeface="리디바탕" panose="020B0600000101010101" pitchFamily="34" charset="-127"/>
+              <a:ea typeface="리디바탕" panose="020B0600000101010101" pitchFamily="34" charset="-127"/>
+            </a:endParaRPr>
+          </a:p>
+          <a:p>
+            <a:endParaRPr lang="en-US" altLang="ko-KR" dirty="0">
+              <a:latin typeface="리디바탕" panose="020B0600000101010101" pitchFamily="34" charset="-127"/>
+              <a:ea typeface="리디바탕" panose="020B0600000101010101" pitchFamily="34" charset="-127"/>
+            </a:endParaRPr>
+          </a:p>
+          <a:p>
+            <a:r>
+              <a:rPr lang="ko-KR" altLang="en-US" dirty="0">
                 <a:latin typeface="리디바탕" panose="020B0600000101010101" pitchFamily="34" charset="-127"/>
                 <a:ea typeface="리디바탕" panose="020B0600000101010101" pitchFamily="34" charset="-127"/>
               </a:rPr>
               <a:t>여기에서 가장 핵심이 되는 사항은 </a:t>
             </a:r>
             <a:r>
-              <a:rPr lang="ko-KR" altLang="en-US" dirty="0" smtClean="0">
+              <a:rPr lang="ko-KR" altLang="en-US" dirty="0">
                 <a:solidFill>
                   <a:srgbClr val="FF33CC"/>
                 </a:solidFill>
@@ -3786,14 +3726,14 @@
               <a:t>단계 별</a:t>
             </a:r>
             <a:r>
-              <a:rPr lang="ko-KR" altLang="en-US" dirty="0" smtClean="0">
+              <a:rPr lang="ko-KR" altLang="en-US" dirty="0">
                 <a:latin typeface="리디바탕" panose="020B0600000101010101" pitchFamily="34" charset="-127"/>
                 <a:ea typeface="리디바탕" panose="020B0600000101010101" pitchFamily="34" charset="-127"/>
               </a:rPr>
               <a:t>로 고객에게 </a:t>
             </a:r>
             <a:r>
-              <a:rPr lang="ko-KR" altLang="en-US" dirty="0" smtClean="0">
+              <a:rPr lang="ko-KR" altLang="en-US" dirty="0">
                 <a:solidFill>
                   <a:srgbClr val="FF33CC"/>
                 </a:solidFill>
@@ -3803,14 +3743,14 @@
               <a:t>동작하는 소프트웨어</a:t>
             </a:r>
             <a:r>
-              <a:rPr lang="ko-KR" altLang="en-US" dirty="0" smtClean="0">
+              <a:rPr lang="ko-KR" altLang="en-US" dirty="0">
                 <a:latin typeface="리디바탕" panose="020B0600000101010101" pitchFamily="34" charset="-127"/>
                 <a:ea typeface="리디바탕" panose="020B0600000101010101" pitchFamily="34" charset="-127"/>
               </a:rPr>
               <a:t>를 계속 보여주고 요구사항에 대한 변경을 적극적으로 수용한다는 것이다</a:t>
             </a:r>
             <a:r>
-              <a:rPr lang="en-US" altLang="ko-KR" dirty="0" smtClean="0">
+              <a:rPr lang="en-US" altLang="ko-KR" dirty="0">
                 <a:latin typeface="리디바탕" panose="020B0600000101010101" pitchFamily="34" charset="-127"/>
                 <a:ea typeface="리디바탕" panose="020B0600000101010101" pitchFamily="34" charset="-127"/>
               </a:rPr>
@@ -3833,13 +3773,6 @@
   <p:clrMapOvr>
     <a:masterClrMapping/>
   </p:clrMapOvr>
-  <p:timing>
-    <p:tnLst>
-      <p:par>
-        <p:cTn id="1" dur="indefinite" restart="never" nodeType="tmRoot"/>
-      </p:par>
-    </p:tnLst>
-  </p:timing>
 </p:sld>
 </file>
 
@@ -3883,49 +3816,45 @@
           <a:lstStyle/>
           <a:p>
             <a:r>
-              <a:rPr lang="ko-KR" altLang="en-US" sz="2800" dirty="0" smtClean="0">
+              <a:rPr lang="ko-KR" altLang="en-US" sz="2800" dirty="0">
                 <a:latin typeface="리디바탕" panose="020B0600000101010101" pitchFamily="34" charset="-127"/>
                 <a:ea typeface="리디바탕" panose="020B0600000101010101" pitchFamily="34" charset="-127"/>
               </a:rPr>
               <a:t>프로젝트 수행에서 피드백 사이클은</a:t>
             </a:r>
-            <a:endParaRPr lang="en-US" altLang="ko-KR" sz="2800" dirty="0" smtClean="0">
-              <a:latin typeface="리디바탕" panose="020B0600000101010101" pitchFamily="34" charset="-127"/>
-              <a:ea typeface="리디바탕" panose="020B0600000101010101" pitchFamily="34" charset="-127"/>
-            </a:endParaRPr>
-          </a:p>
-          <a:p>
             <a:endParaRPr lang="en-US" altLang="ko-KR" sz="2800" dirty="0">
               <a:latin typeface="리디바탕" panose="020B0600000101010101" pitchFamily="34" charset="-127"/>
               <a:ea typeface="리디바탕" panose="020B0600000101010101" pitchFamily="34" charset="-127"/>
             </a:endParaRPr>
           </a:p>
           <a:p>
-            <a:r>
-              <a:rPr lang="ko-KR" altLang="en-US" sz="2800" dirty="0" smtClean="0">
-                <a:latin typeface="리디바탕" panose="020B0600000101010101" pitchFamily="34" charset="-127"/>
-                <a:ea typeface="리디바탕" panose="020B0600000101010101" pitchFamily="34" charset="-127"/>
-              </a:rPr>
-              <a:t>작으면 작을수록</a:t>
-            </a:r>
-            <a:r>
-              <a:rPr lang="en-US" altLang="ko-KR" sz="2800" dirty="0" smtClean="0">
-                <a:latin typeface="리디바탕" panose="020B0600000101010101" pitchFamily="34" charset="-127"/>
-                <a:ea typeface="리디바탕" panose="020B0600000101010101" pitchFamily="34" charset="-127"/>
-              </a:rPr>
-              <a:t>, </a:t>
-            </a:r>
-            <a:r>
-              <a:rPr lang="ko-KR" altLang="en-US" sz="2800" dirty="0" smtClean="0">
-                <a:latin typeface="리디바탕" panose="020B0600000101010101" pitchFamily="34" charset="-127"/>
-                <a:ea typeface="리디바탕" panose="020B0600000101010101" pitchFamily="34" charset="-127"/>
-              </a:rPr>
-              <a:t>잦으면 잦을 수록 좋다</a:t>
-            </a:r>
-            <a:endParaRPr lang="ko-KR" altLang="en-US" sz="2800" dirty="0">
+            <a:endParaRPr lang="en-US" altLang="ko-KR" sz="2800" dirty="0">
               <a:latin typeface="리디바탕" panose="020B0600000101010101" pitchFamily="34" charset="-127"/>
               <a:ea typeface="리디바탕" panose="020B0600000101010101" pitchFamily="34" charset="-127"/>
             </a:endParaRPr>
+          </a:p>
+          <a:p>
+            <a:r>
+              <a:rPr lang="ko-KR" altLang="en-US" sz="2800" dirty="0">
+                <a:latin typeface="리디바탕" panose="020B0600000101010101" pitchFamily="34" charset="-127"/>
+                <a:ea typeface="리디바탕" panose="020B0600000101010101" pitchFamily="34" charset="-127"/>
+              </a:rPr>
+              <a:t>작으면 작을수록</a:t>
+            </a:r>
+            <a:r>
+              <a:rPr lang="en-US" altLang="ko-KR" sz="2800" dirty="0">
+                <a:latin typeface="리디바탕" panose="020B0600000101010101" pitchFamily="34" charset="-127"/>
+                <a:ea typeface="리디바탕" panose="020B0600000101010101" pitchFamily="34" charset="-127"/>
+              </a:rPr>
+              <a:t>, </a:t>
+            </a:r>
+            <a:r>
+              <a:rPr lang="ko-KR" altLang="en-US" sz="2800" dirty="0">
+                <a:latin typeface="리디바탕" panose="020B0600000101010101" pitchFamily="34" charset="-127"/>
+                <a:ea typeface="리디바탕" panose="020B0600000101010101" pitchFamily="34" charset="-127"/>
+              </a:rPr>
+              <a:t>잦으면 잦을 수록 좋다</a:t>
+            </a:r>
           </a:p>
         </p:txBody>
       </p:sp>
@@ -3952,16 +3881,12 @@
           <a:lstStyle/>
           <a:p>
             <a:r>
-              <a:rPr lang="ko-KR" altLang="en-US" sz="1400" dirty="0" smtClean="0">
+              <a:rPr lang="ko-KR" altLang="en-US" sz="1400" dirty="0">
                 <a:latin typeface="리디바탕" panose="020B0600000101010101" pitchFamily="34" charset="-127"/>
                 <a:ea typeface="리디바탕" panose="020B0600000101010101" pitchFamily="34" charset="-127"/>
               </a:rPr>
               <a:t>라는 말</a:t>
             </a:r>
-            <a:endParaRPr lang="ko-KR" altLang="en-US" sz="1400" dirty="0">
-              <a:latin typeface="리디바탕" panose="020B0600000101010101" pitchFamily="34" charset="-127"/>
-              <a:ea typeface="리디바탕" panose="020B0600000101010101" pitchFamily="34" charset="-127"/>
-            </a:endParaRPr>
           </a:p>
         </p:txBody>
       </p:sp>
@@ -3975,13 +3900,6 @@
   <p:clrMapOvr>
     <a:masterClrMapping/>
   </p:clrMapOvr>
-  <p:timing>
-    <p:tnLst>
-      <p:par>
-        <p:cTn id="1" dur="indefinite" restart="never" nodeType="tmRoot"/>
-      </p:par>
-    </p:tnLst>
-  </p:timing>
 </p:sld>
 </file>
 
@@ -4025,14 +3943,14 @@
           <a:lstStyle/>
           <a:p>
             <a:r>
-              <a:rPr lang="ko-KR" altLang="en-US" sz="4000" dirty="0" smtClean="0">
+              <a:rPr lang="ko-KR" altLang="en-US" sz="4000" dirty="0">
                 <a:latin typeface="리디바탕" panose="020B0600000101010101" pitchFamily="34" charset="-127"/>
                 <a:ea typeface="리디바탕" panose="020B0600000101010101" pitchFamily="34" charset="-127"/>
               </a:rPr>
               <a:t>물론 애자일 프로세스에 대한 비판도 많지만</a:t>
             </a:r>
             <a:r>
-              <a:rPr lang="en-US" altLang="ko-KR" sz="4000" dirty="0" smtClean="0">
+              <a:rPr lang="en-US" altLang="ko-KR" sz="4000" dirty="0">
                 <a:latin typeface="리디바탕" panose="020B0600000101010101" pitchFamily="34" charset="-127"/>
                 <a:ea typeface="리디바탕" panose="020B0600000101010101" pitchFamily="34" charset="-127"/>
               </a:rPr>
@@ -4046,7 +3964,7 @@
             </a:endParaRPr>
           </a:p>
           <a:p>
-            <a:endParaRPr lang="en-US" altLang="ko-KR" sz="4000" dirty="0" smtClean="0">
+            <a:endParaRPr lang="en-US" altLang="ko-KR" sz="4000" dirty="0">
               <a:latin typeface="리디바탕" panose="020B0600000101010101" pitchFamily="34" charset="-127"/>
               <a:ea typeface="리디바탕" panose="020B0600000101010101" pitchFamily="34" charset="-127"/>
             </a:endParaRPr>
@@ -4059,70 +3977,70 @@
           </a:p>
           <a:p>
             <a:r>
-              <a:rPr lang="ko-KR" altLang="en-US" dirty="0" smtClean="0">
+              <a:rPr lang="ko-KR" altLang="en-US" dirty="0">
                 <a:latin typeface="리디바탕" panose="020B0600000101010101" pitchFamily="34" charset="-127"/>
                 <a:ea typeface="리디바탕" panose="020B0600000101010101" pitchFamily="34" charset="-127"/>
               </a:rPr>
               <a:t>비판의 대상은 주로 </a:t>
             </a:r>
             <a:r>
-              <a:rPr lang="en-US" altLang="ko-KR" dirty="0" smtClean="0">
+              <a:rPr lang="en-US" altLang="ko-KR" dirty="0">
                 <a:latin typeface="리디바탕" panose="020B0600000101010101" pitchFamily="34" charset="-127"/>
                 <a:ea typeface="리디바탕" panose="020B0600000101010101" pitchFamily="34" charset="-127"/>
               </a:rPr>
               <a:t>‘</a:t>
             </a:r>
             <a:r>
-              <a:rPr lang="ko-KR" altLang="en-US" dirty="0" smtClean="0">
+              <a:rPr lang="ko-KR" altLang="en-US" dirty="0">
                 <a:latin typeface="리디바탕" panose="020B0600000101010101" pitchFamily="34" charset="-127"/>
                 <a:ea typeface="리디바탕" panose="020B0600000101010101" pitchFamily="34" charset="-127"/>
               </a:rPr>
               <a:t>애자일</a:t>
             </a:r>
             <a:r>
-              <a:rPr lang="en-US" altLang="ko-KR" dirty="0" smtClean="0">
+              <a:rPr lang="en-US" altLang="ko-KR" dirty="0">
                 <a:latin typeface="리디바탕" panose="020B0600000101010101" pitchFamily="34" charset="-127"/>
                 <a:ea typeface="리디바탕" panose="020B0600000101010101" pitchFamily="34" charset="-127"/>
               </a:rPr>
               <a:t>’</a:t>
             </a:r>
             <a:r>
-              <a:rPr lang="ko-KR" altLang="en-US" dirty="0" smtClean="0">
+              <a:rPr lang="ko-KR" altLang="en-US" dirty="0">
                 <a:latin typeface="리디바탕" panose="020B0600000101010101" pitchFamily="34" charset="-127"/>
                 <a:ea typeface="리디바탕" panose="020B0600000101010101" pitchFamily="34" charset="-127"/>
               </a:rPr>
               <a:t>이라는 키워드를 오용</a:t>
             </a:r>
             <a:r>
-              <a:rPr lang="en-US" altLang="ko-KR" dirty="0" smtClean="0">
+              <a:rPr lang="en-US" altLang="ko-KR" dirty="0">
                 <a:latin typeface="리디바탕" panose="020B0600000101010101" pitchFamily="34" charset="-127"/>
                 <a:ea typeface="리디바탕" panose="020B0600000101010101" pitchFamily="34" charset="-127"/>
               </a:rPr>
               <a:t>, </a:t>
             </a:r>
             <a:r>
-              <a:rPr lang="ko-KR" altLang="en-US" dirty="0" smtClean="0">
+              <a:rPr lang="ko-KR" altLang="en-US" dirty="0">
                 <a:latin typeface="리디바탕" panose="020B0600000101010101" pitchFamily="34" charset="-127"/>
                 <a:ea typeface="리디바탕" panose="020B0600000101010101" pitchFamily="34" charset="-127"/>
               </a:rPr>
               <a:t>남용 하거나</a:t>
             </a:r>
             <a:r>
-              <a:rPr lang="en-US" altLang="ko-KR" dirty="0" smtClean="0">
+              <a:rPr lang="en-US" altLang="ko-KR" dirty="0">
                 <a:latin typeface="리디바탕" panose="020B0600000101010101" pitchFamily="34" charset="-127"/>
                 <a:ea typeface="리디바탕" panose="020B0600000101010101" pitchFamily="34" charset="-127"/>
               </a:rPr>
               <a:t> </a:t>
             </a:r>
             <a:r>
-              <a:rPr lang="ko-KR" altLang="en-US" dirty="0" smtClean="0">
+              <a:rPr lang="ko-KR" altLang="en-US" dirty="0">
                 <a:latin typeface="리디바탕" panose="020B0600000101010101" pitchFamily="34" charset="-127"/>
                 <a:ea typeface="리디바탕" panose="020B0600000101010101" pitchFamily="34" charset="-127"/>
               </a:rPr>
               <a:t>지나치게 얽매이게 되는 상황</a:t>
             </a:r>
             <a:r>
-              <a:rPr lang="en-US" altLang="ko-KR" dirty="0" smtClean="0">
+              <a:rPr lang="en-US" altLang="ko-KR" dirty="0">
                 <a:latin typeface="리디바탕" panose="020B0600000101010101" pitchFamily="34" charset="-127"/>
                 <a:ea typeface="리디바탕" panose="020B0600000101010101" pitchFamily="34" charset="-127"/>
               </a:rPr>
@@ -4130,35 +4048,35 @@
             </a:r>
           </a:p>
           <a:p>
-            <a:endParaRPr lang="en-US" altLang="ko-KR" dirty="0" smtClean="0">
+            <a:endParaRPr lang="en-US" altLang="ko-KR" dirty="0">
               <a:latin typeface="리디바탕" panose="020B0600000101010101" pitchFamily="34" charset="-127"/>
               <a:ea typeface="리디바탕" panose="020B0600000101010101" pitchFamily="34" charset="-127"/>
             </a:endParaRPr>
           </a:p>
           <a:p>
             <a:r>
-              <a:rPr lang="ko-KR" altLang="en-US" dirty="0" smtClean="0">
+              <a:rPr lang="ko-KR" altLang="en-US" dirty="0">
                 <a:latin typeface="리디바탕" panose="020B0600000101010101" pitchFamily="34" charset="-127"/>
                 <a:ea typeface="리디바탕" panose="020B0600000101010101" pitchFamily="34" charset="-127"/>
               </a:rPr>
               <a:t>즉 적용하는 사람에 대한 비판이지</a:t>
             </a:r>
             <a:r>
-              <a:rPr lang="en-US" altLang="ko-KR" dirty="0" smtClean="0">
+              <a:rPr lang="en-US" altLang="ko-KR" dirty="0">
                 <a:latin typeface="리디바탕" panose="020B0600000101010101" pitchFamily="34" charset="-127"/>
                 <a:ea typeface="리디바탕" panose="020B0600000101010101" pitchFamily="34" charset="-127"/>
               </a:rPr>
               <a:t>,</a:t>
             </a:r>
             <a:r>
-              <a:rPr lang="ko-KR" altLang="en-US" dirty="0" smtClean="0">
+              <a:rPr lang="ko-KR" altLang="en-US" dirty="0">
                 <a:latin typeface="리디바탕" panose="020B0600000101010101" pitchFamily="34" charset="-127"/>
                 <a:ea typeface="리디바탕" panose="020B0600000101010101" pitchFamily="34" charset="-127"/>
               </a:rPr>
               <a:t> 방법론에 대한 비판이 아님을 생각해야 한다</a:t>
             </a:r>
             <a:r>
-              <a:rPr lang="en-US" altLang="ko-KR" dirty="0" smtClean="0">
+              <a:rPr lang="en-US" altLang="ko-KR" dirty="0">
                 <a:latin typeface="리디바탕" panose="020B0600000101010101" pitchFamily="34" charset="-127"/>
                 <a:ea typeface="리디바탕" panose="020B0600000101010101" pitchFamily="34" charset="-127"/>
               </a:rPr>
@@ -4181,13 +4099,6 @@
   <p:clrMapOvr>
     <a:masterClrMapping/>
   </p:clrMapOvr>
-  <p:timing>
-    <p:tnLst>
-      <p:par>
-        <p:cTn id="1" dur="indefinite" restart="never" nodeType="tmRoot"/>
-      </p:par>
-    </p:tnLst>
-  </p:timing>
 </p:sld>
 </file>
 
@@ -4333,13 +4244,6 @@
   <p:clrMapOvr>
     <a:masterClrMapping/>
   </p:clrMapOvr>
-  <p:timing>
-    <p:tnLst>
-      <p:par>
-        <p:cTn id="1" dur="indefinite" restart="never" nodeType="tmRoot"/>
-      </p:par>
-    </p:tnLst>
-  </p:timing>
 </p:sld>
 </file>
 
@@ -4745,13 +4649,6 @@
   <p:clrMapOvr>
     <a:masterClrMapping/>
   </p:clrMapOvr>
-  <p:timing>
-    <p:tnLst>
-      <p:par>
-        <p:cTn id="1" dur="indefinite" restart="never" nodeType="tmRoot"/>
-      </p:par>
-    </p:tnLst>
-  </p:timing>
 </p:sld>
 </file>
 
@@ -5170,7 +5067,7 @@
           <a:lstStyle/>
           <a:p>
             <a:r>
-              <a:rPr lang="ko-KR" altLang="en-US" sz="3600" dirty="0" err="1" smtClean="0">
+              <a:rPr lang="ko-KR" altLang="en-US" sz="3600" dirty="0" err="1">
                 <a:solidFill>
                   <a:srgbClr val="FF0000"/>
                 </a:solidFill>
@@ -5180,7 +5077,7 @@
               <a:t>그놈의</a:t>
             </a:r>
             <a:r>
-              <a:rPr lang="ko-KR" altLang="en-US" sz="3600" dirty="0" smtClean="0">
+              <a:rPr lang="ko-KR" altLang="en-US" sz="3600" dirty="0">
                 <a:solidFill>
                   <a:srgbClr val="FF0000"/>
                 </a:solidFill>
@@ -5190,7 +5087,7 @@
               <a:t> 프로젝트 요구사항</a:t>
             </a:r>
             <a:r>
-              <a:rPr lang="en-US" altLang="ko-KR" sz="3600" dirty="0" smtClean="0">
+              <a:rPr lang="en-US" altLang="ko-KR" sz="3600" dirty="0">
                 <a:solidFill>
                   <a:srgbClr val="FF0000"/>
                 </a:solidFill>
@@ -5200,7 +5097,7 @@
               <a:t>.. </a:t>
             </a:r>
             <a:r>
-              <a:rPr lang="ko-KR" altLang="en-US" sz="3600" dirty="0" smtClean="0">
+              <a:rPr lang="ko-KR" altLang="en-US" sz="3600" dirty="0">
                 <a:solidFill>
                   <a:srgbClr val="FF0000"/>
                 </a:solidFill>
@@ -5210,7 +5107,7 @@
               <a:t>저것은 결코 정적이지 않다</a:t>
             </a:r>
             <a:r>
-              <a:rPr lang="en-US" altLang="ko-KR" sz="3600" dirty="0" smtClean="0">
+              <a:rPr lang="en-US" altLang="ko-KR" sz="3600" dirty="0">
                 <a:solidFill>
                   <a:srgbClr val="FF0000"/>
                 </a:solidFill>
@@ -5239,13 +5136,6 @@
   <p:clrMapOvr>
     <a:masterClrMapping/>
   </p:clrMapOvr>
-  <p:timing>
-    <p:tnLst>
-      <p:par>
-        <p:cTn id="1" dur="indefinite" restart="never" nodeType="tmRoot"/>
-      </p:par>
-    </p:tnLst>
-  </p:timing>
 </p:sld>
 </file>
 
@@ -5290,14 +5180,14 @@
           <a:p>
             <a:pPr algn="ctr"/>
             <a:r>
-              <a:rPr lang="ko-KR" altLang="en-US" sz="2400" dirty="0" smtClean="0">
+              <a:rPr lang="ko-KR" altLang="en-US" sz="2400" dirty="0">
                 <a:latin typeface="리디바탕" panose="020B0600000101010101" pitchFamily="34" charset="-127"/>
                 <a:ea typeface="리디바탕" panose="020B0600000101010101" pitchFamily="34" charset="-127"/>
               </a:rPr>
               <a:t>왜 귀찮게 주피터노트북 같은 걸 쓰자고 하나요</a:t>
             </a:r>
             <a:r>
-              <a:rPr lang="en-US" altLang="ko-KR" sz="2400" dirty="0" smtClean="0">
+              <a:rPr lang="en-US" altLang="ko-KR" sz="2400" dirty="0">
                 <a:latin typeface="리디바탕" panose="020B0600000101010101" pitchFamily="34" charset="-127"/>
                 <a:ea typeface="리디바탕" panose="020B0600000101010101" pitchFamily="34" charset="-127"/>
               </a:rPr>
@@ -5320,13 +5210,6 @@
   <p:clrMapOvr>
     <a:masterClrMapping/>
   </p:clrMapOvr>
-  <p:timing>
-    <p:tnLst>
-      <p:par>
-        <p:cTn id="1" dur="indefinite" restart="never" nodeType="tmRoot"/>
-      </p:par>
-    </p:tnLst>
-  </p:timing>
 </p:sld>
 </file>
 
@@ -5370,14 +5253,14 @@
           <a:lstStyle/>
           <a:p>
             <a:r>
-              <a:rPr lang="ko-KR" altLang="en-US" dirty="0" smtClean="0">
+              <a:rPr lang="ko-KR" altLang="en-US" dirty="0">
                 <a:latin typeface="리디바탕" panose="020B0600000101010101" pitchFamily="34" charset="-127"/>
                 <a:ea typeface="리디바탕" panose="020B0600000101010101" pitchFamily="34" charset="-127"/>
               </a:rPr>
               <a:t>어떤 개발 프로젝트에서</a:t>
             </a:r>
             <a:r>
-              <a:rPr lang="en-US" altLang="ko-KR" dirty="0" smtClean="0">
+              <a:rPr lang="en-US" altLang="ko-KR" dirty="0">
                 <a:latin typeface="리디바탕" panose="020B0600000101010101" pitchFamily="34" charset="-127"/>
                 <a:ea typeface="리디바탕" panose="020B0600000101010101" pitchFamily="34" charset="-127"/>
               </a:rPr>
@@ -5386,33 +5269,33 @@
           </a:p>
           <a:p>
             <a:r>
-              <a:rPr lang="ko-KR" altLang="en-US" dirty="0" smtClean="0">
+              <a:rPr lang="ko-KR" altLang="en-US" dirty="0">
                 <a:latin typeface="리디바탕" panose="020B0600000101010101" pitchFamily="34" charset="-127"/>
                 <a:ea typeface="리디바탕" panose="020B0600000101010101" pitchFamily="34" charset="-127"/>
               </a:rPr>
               <a:t>솔루션의 생애주기 마지막 단계까지 고려하여</a:t>
             </a:r>
-            <a:endParaRPr lang="en-US" altLang="ko-KR" dirty="0" smtClean="0">
-              <a:latin typeface="리디바탕" panose="020B0600000101010101" pitchFamily="34" charset="-127"/>
-              <a:ea typeface="리디바탕" panose="020B0600000101010101" pitchFamily="34" charset="-127"/>
-            </a:endParaRPr>
-          </a:p>
-          <a:p>
             <a:endParaRPr lang="en-US" altLang="ko-KR" dirty="0">
               <a:latin typeface="리디바탕" panose="020B0600000101010101" pitchFamily="34" charset="-127"/>
               <a:ea typeface="리디바탕" panose="020B0600000101010101" pitchFamily="34" charset="-127"/>
             </a:endParaRPr>
           </a:p>
           <a:p>
-            <a:r>
-              <a:rPr lang="ko-KR" altLang="en-US" dirty="0" smtClean="0">
+            <a:endParaRPr lang="en-US" altLang="ko-KR" dirty="0">
+              <a:latin typeface="리디바탕" panose="020B0600000101010101" pitchFamily="34" charset="-127"/>
+              <a:ea typeface="리디바탕" panose="020B0600000101010101" pitchFamily="34" charset="-127"/>
+            </a:endParaRPr>
+          </a:p>
+          <a:p>
+            <a:r>
+              <a:rPr lang="ko-KR" altLang="en-US" dirty="0">
                 <a:latin typeface="리디바탕" panose="020B0600000101010101" pitchFamily="34" charset="-127"/>
                 <a:ea typeface="리디바탕" panose="020B0600000101010101" pitchFamily="34" charset="-127"/>
               </a:rPr>
               <a:t>필요한 모든 요구사항을 완벽히 알고 있는 담당자가 과연 있을까</a:t>
             </a:r>
             <a:r>
-              <a:rPr lang="en-US" altLang="ko-KR" dirty="0" smtClean="0">
+              <a:rPr lang="en-US" altLang="ko-KR" dirty="0">
                 <a:latin typeface="리디바탕" panose="020B0600000101010101" pitchFamily="34" charset="-127"/>
                 <a:ea typeface="리디바탕" panose="020B0600000101010101" pitchFamily="34" charset="-127"/>
               </a:rPr>
@@ -5435,13 +5318,6 @@
   <p:clrMapOvr>
     <a:masterClrMapping/>
   </p:clrMapOvr>
-  <p:timing>
-    <p:tnLst>
-      <p:par>
-        <p:cTn id="1" dur="indefinite" restart="never" nodeType="tmRoot"/>
-      </p:par>
-    </p:tnLst>
-  </p:timing>
 </p:sld>
 </file>
 
@@ -5485,42 +5361,42 @@
           <a:lstStyle/>
           <a:p>
             <a:r>
-              <a:rPr lang="ko-KR" altLang="en-US" dirty="0" smtClean="0">
+              <a:rPr lang="ko-KR" altLang="en-US" dirty="0">
                 <a:latin typeface="리디바탕" panose="020B0600000101010101" pitchFamily="34" charset="-127"/>
                 <a:ea typeface="리디바탕" panose="020B0600000101010101" pitchFamily="34" charset="-127"/>
               </a:rPr>
               <a:t>기존과 다른 효율</a:t>
             </a:r>
             <a:r>
-              <a:rPr lang="en-US" altLang="ko-KR" dirty="0" smtClean="0">
+              <a:rPr lang="en-US" altLang="ko-KR" dirty="0">
                 <a:latin typeface="리디바탕" panose="020B0600000101010101" pitchFamily="34" charset="-127"/>
                 <a:ea typeface="리디바탕" panose="020B0600000101010101" pitchFamily="34" charset="-127"/>
               </a:rPr>
               <a:t>, </a:t>
             </a:r>
             <a:r>
-              <a:rPr lang="ko-KR" altLang="en-US" dirty="0" smtClean="0">
+              <a:rPr lang="ko-KR" altLang="en-US" dirty="0">
                 <a:latin typeface="리디바탕" panose="020B0600000101010101" pitchFamily="34" charset="-127"/>
                 <a:ea typeface="리디바탕" panose="020B0600000101010101" pitchFamily="34" charset="-127"/>
               </a:rPr>
               <a:t>성과를 원할 뿐이지</a:t>
             </a:r>
             <a:r>
-              <a:rPr lang="en-US" altLang="ko-KR" dirty="0" smtClean="0">
+              <a:rPr lang="en-US" altLang="ko-KR" dirty="0">
                 <a:latin typeface="리디바탕" panose="020B0600000101010101" pitchFamily="34" charset="-127"/>
                 <a:ea typeface="리디바탕" panose="020B0600000101010101" pitchFamily="34" charset="-127"/>
               </a:rPr>
               <a:t>, </a:t>
             </a:r>
             <a:r>
-              <a:rPr lang="ko-KR" altLang="en-US" dirty="0" smtClean="0">
+              <a:rPr lang="ko-KR" altLang="en-US" dirty="0">
                 <a:latin typeface="리디바탕" panose="020B0600000101010101" pitchFamily="34" charset="-127"/>
                 <a:ea typeface="리디바탕" panose="020B0600000101010101" pitchFamily="34" charset="-127"/>
               </a:rPr>
               <a:t>그것을 달성하기 위한 솔루션의 세부 스펙</a:t>
             </a:r>
             <a:r>
-              <a:rPr lang="en-US" altLang="ko-KR" dirty="0" smtClean="0">
+              <a:rPr lang="en-US" altLang="ko-KR" dirty="0">
                 <a:latin typeface="리디바탕" panose="020B0600000101010101" pitchFamily="34" charset="-127"/>
                 <a:ea typeface="리디바탕" panose="020B0600000101010101" pitchFamily="34" charset="-127"/>
               </a:rPr>
@@ -5529,14 +5405,14 @@
           </a:p>
           <a:p>
             <a:r>
-              <a:rPr lang="ko-KR" altLang="en-US" dirty="0" smtClean="0">
+              <a:rPr lang="ko-KR" altLang="en-US" dirty="0">
                 <a:latin typeface="리디바탕" panose="020B0600000101010101" pitchFamily="34" charset="-127"/>
                 <a:ea typeface="리디바탕" panose="020B0600000101010101" pitchFamily="34" charset="-127"/>
               </a:rPr>
               <a:t>즉 요구사항을 처음부터 모두 알고 있는 사용자는 없다</a:t>
             </a:r>
             <a:r>
-              <a:rPr lang="en-US" altLang="ko-KR" dirty="0" smtClean="0">
+              <a:rPr lang="en-US" altLang="ko-KR" dirty="0">
                 <a:latin typeface="리디바탕" panose="020B0600000101010101" pitchFamily="34" charset="-127"/>
                 <a:ea typeface="리디바탕" panose="020B0600000101010101" pitchFamily="34" charset="-127"/>
               </a:rPr>
@@ -5544,21 +5420,21 @@
             </a:r>
           </a:p>
           <a:p>
-            <a:endParaRPr lang="en-US" altLang="ko-KR" dirty="0" smtClean="0">
+            <a:endParaRPr lang="en-US" altLang="ko-KR" dirty="0">
               <a:latin typeface="리디바탕" panose="020B0600000101010101" pitchFamily="34" charset="-127"/>
               <a:ea typeface="리디바탕" panose="020B0600000101010101" pitchFamily="34" charset="-127"/>
             </a:endParaRPr>
           </a:p>
           <a:p>
             <a:r>
-              <a:rPr lang="ko-KR" altLang="en-US" dirty="0" smtClean="0">
+              <a:rPr lang="ko-KR" altLang="en-US" dirty="0">
                 <a:latin typeface="리디바탕" panose="020B0600000101010101" pitchFamily="34" charset="-127"/>
                 <a:ea typeface="리디바탕" panose="020B0600000101010101" pitchFamily="34" charset="-127"/>
               </a:rPr>
               <a:t>드문 것이 아니라 없다</a:t>
             </a:r>
             <a:r>
-              <a:rPr lang="en-US" altLang="ko-KR" dirty="0" smtClean="0">
+              <a:rPr lang="en-US" altLang="ko-KR" dirty="0">
                 <a:latin typeface="리디바탕" panose="020B0600000101010101" pitchFamily="34" charset="-127"/>
                 <a:ea typeface="리디바탕" panose="020B0600000101010101" pitchFamily="34" charset="-127"/>
               </a:rPr>
@@ -5594,7 +5470,7 @@
           <a:lstStyle/>
           <a:p>
             <a:r>
-              <a:rPr lang="ko-KR" altLang="en-US" dirty="0" smtClean="0">
+              <a:rPr lang="ko-KR" altLang="en-US" dirty="0">
                 <a:solidFill>
                   <a:schemeClr val="bg1">
                     <a:lumMod val="65000"/>
@@ -5606,7 +5482,7 @@
               <a:t>어떤 개발 프로젝트에서</a:t>
             </a:r>
             <a:r>
-              <a:rPr lang="en-US" altLang="ko-KR" dirty="0" smtClean="0">
+              <a:rPr lang="en-US" altLang="ko-KR" dirty="0">
                 <a:solidFill>
                   <a:schemeClr val="bg1">
                     <a:lumMod val="65000"/>
@@ -5620,7 +5496,7 @@
           </a:p>
           <a:p>
             <a:r>
-              <a:rPr lang="ko-KR" altLang="en-US" dirty="0" smtClean="0">
+              <a:rPr lang="ko-KR" altLang="en-US" dirty="0">
                 <a:solidFill>
                   <a:schemeClr val="bg1">
                     <a:lumMod val="65000"/>
@@ -5633,7 +5509,7 @@
             </a:r>
           </a:p>
           <a:p>
-            <a:endParaRPr lang="ko-KR" altLang="en-US" dirty="0" smtClean="0">
+            <a:endParaRPr lang="ko-KR" altLang="en-US" dirty="0">
               <a:solidFill>
                 <a:schemeClr val="bg1">
                   <a:lumMod val="65000"/>
@@ -5645,7 +5521,7 @@
           </a:p>
           <a:p>
             <a:r>
-              <a:rPr lang="ko-KR" altLang="en-US" dirty="0" smtClean="0">
+              <a:rPr lang="ko-KR" altLang="en-US" dirty="0">
                 <a:solidFill>
                   <a:schemeClr val="bg1">
                     <a:lumMod val="65000"/>
@@ -5657,7 +5533,7 @@
               <a:t>필요한 모든 요구사항을 완벽히 알고 있는 담당자가 과연 있을까</a:t>
             </a:r>
             <a:r>
-              <a:rPr lang="en-US" altLang="ko-KR" dirty="0" smtClean="0">
+              <a:rPr lang="en-US" altLang="ko-KR" dirty="0">
                 <a:solidFill>
                   <a:schemeClr val="bg1">
                     <a:lumMod val="65000"/>
@@ -5681,13 +5557,6 @@
   <p:clrMapOvr>
     <a:masterClrMapping/>
   </p:clrMapOvr>
-  <p:timing>
-    <p:tnLst>
-      <p:par>
-        <p:cTn id="1" dur="indefinite" restart="never" nodeType="tmRoot"/>
-      </p:par>
-    </p:tnLst>
-  </p:timing>
 </p:sld>
 </file>
 
@@ -5731,14 +5600,14 @@
           <a:lstStyle/>
           <a:p>
             <a:r>
-              <a:rPr lang="ko-KR" altLang="en-US" sz="2800" dirty="0" smtClean="0">
+              <a:rPr lang="ko-KR" altLang="en-US" sz="2800" dirty="0">
                 <a:latin typeface="리디바탕" panose="020B0600000101010101" pitchFamily="34" charset="-127"/>
                 <a:ea typeface="리디바탕" panose="020B0600000101010101" pitchFamily="34" charset="-127"/>
               </a:rPr>
               <a:t>그럼 애자일 방식은 뭐 달라</a:t>
             </a:r>
             <a:r>
-              <a:rPr lang="en-US" altLang="ko-KR" sz="2800" dirty="0" smtClean="0">
+              <a:rPr lang="en-US" altLang="ko-KR" sz="2800" dirty="0">
                 <a:latin typeface="리디바탕" panose="020B0600000101010101" pitchFamily="34" charset="-127"/>
                 <a:ea typeface="리디바탕" panose="020B0600000101010101" pitchFamily="34" charset="-127"/>
               </a:rPr>
@@ -5761,13 +5630,6 @@
   <p:clrMapOvr>
     <a:masterClrMapping/>
   </p:clrMapOvr>
-  <p:timing>
-    <p:tnLst>
-      <p:par>
-        <p:cTn id="1" dur="indefinite" restart="never" nodeType="tmRoot"/>
-      </p:par>
-    </p:tnLst>
-  </p:timing>
 </p:sld>
 </file>
 
@@ -6026,13 +5888,6 @@
   <p:clrMapOvr>
     <a:masterClrMapping/>
   </p:clrMapOvr>
-  <p:timing>
-    <p:tnLst>
-      <p:par>
-        <p:cTn id="1" dur="indefinite" restart="never" nodeType="tmRoot"/>
-      </p:par>
-    </p:tnLst>
-  </p:timing>
 </p:sld>
 </file>
 
@@ -6076,33 +5931,33 @@
           <a:lstStyle/>
           <a:p>
             <a:r>
-              <a:rPr lang="ko-KR" altLang="en-US" dirty="0" smtClean="0">
+              <a:rPr lang="ko-KR" altLang="en-US" dirty="0">
                 <a:latin typeface="리디바탕" panose="020B0600000101010101" pitchFamily="34" charset="-127"/>
                 <a:ea typeface="리디바탕" panose="020B0600000101010101" pitchFamily="34" charset="-127"/>
               </a:rPr>
               <a:t>요구사항 자체가 단계가 진행됨에 따라 계속 변화해 나갈 수 밖에 없다는 사실을</a:t>
             </a:r>
-            <a:endParaRPr lang="en-US" altLang="ko-KR" dirty="0" smtClean="0">
-              <a:latin typeface="리디바탕" panose="020B0600000101010101" pitchFamily="34" charset="-127"/>
-              <a:ea typeface="리디바탕" panose="020B0600000101010101" pitchFamily="34" charset="-127"/>
-            </a:endParaRPr>
-          </a:p>
-          <a:p>
             <a:endParaRPr lang="en-US" altLang="ko-KR" dirty="0">
               <a:latin typeface="리디바탕" panose="020B0600000101010101" pitchFamily="34" charset="-127"/>
               <a:ea typeface="리디바탕" panose="020B0600000101010101" pitchFamily="34" charset="-127"/>
             </a:endParaRPr>
           </a:p>
           <a:p>
-            <a:r>
-              <a:rPr lang="ko-KR" altLang="en-US" dirty="0" smtClean="0">
+            <a:endParaRPr lang="en-US" altLang="ko-KR" dirty="0">
+              <a:latin typeface="리디바탕" panose="020B0600000101010101" pitchFamily="34" charset="-127"/>
+              <a:ea typeface="리디바탕" panose="020B0600000101010101" pitchFamily="34" charset="-127"/>
+            </a:endParaRPr>
+          </a:p>
+          <a:p>
+            <a:r>
+              <a:rPr lang="ko-KR" altLang="en-US" dirty="0">
                 <a:latin typeface="리디바탕" panose="020B0600000101010101" pitchFamily="34" charset="-127"/>
                 <a:ea typeface="리디바탕" panose="020B0600000101010101" pitchFamily="34" charset="-127"/>
               </a:rPr>
               <a:t>인정하고 들어간다는 것이 큰 차이라고 볼 수 있다</a:t>
             </a:r>
             <a:r>
-              <a:rPr lang="en-US" altLang="ko-KR" dirty="0" smtClean="0">
+              <a:rPr lang="en-US" altLang="ko-KR" dirty="0">
                 <a:latin typeface="리디바탕" panose="020B0600000101010101" pitchFamily="34" charset="-127"/>
                 <a:ea typeface="리디바탕" panose="020B0600000101010101" pitchFamily="34" charset="-127"/>
               </a:rPr>
@@ -6125,13 +5980,6 @@
   <p:clrMapOvr>
     <a:masterClrMapping/>
   </p:clrMapOvr>
-  <p:timing>
-    <p:tnLst>
-      <p:par>
-        <p:cTn id="1" dur="indefinite" restart="never" nodeType="tmRoot"/>
-      </p:par>
-    </p:tnLst>
-  </p:timing>
 </p:sld>
 </file>
 
@@ -6175,51 +6023,47 @@
           <a:lstStyle/>
           <a:p>
             <a:r>
-              <a:rPr lang="ko-KR" altLang="en-US" sz="3600" dirty="0" smtClean="0">
+              <a:rPr lang="ko-KR" altLang="en-US" sz="3600" dirty="0">
                 <a:latin typeface="리디바탕" panose="020B0600000101010101" pitchFamily="34" charset="-127"/>
                 <a:ea typeface="리디바탕" panose="020B0600000101010101" pitchFamily="34" charset="-127"/>
               </a:rPr>
               <a:t>탑</a:t>
             </a:r>
             <a:r>
-              <a:rPr lang="en-US" altLang="ko-KR" sz="3600" dirty="0" smtClean="0">
+              <a:rPr lang="en-US" altLang="ko-KR" sz="3600" dirty="0">
                 <a:latin typeface="리디바탕" panose="020B0600000101010101" pitchFamily="34" charset="-127"/>
                 <a:ea typeface="리디바탕" panose="020B0600000101010101" pitchFamily="34" charset="-127"/>
               </a:rPr>
               <a:t>-</a:t>
             </a:r>
             <a:r>
-              <a:rPr lang="ko-KR" altLang="en-US" sz="3600" dirty="0" smtClean="0">
+              <a:rPr lang="ko-KR" altLang="en-US" sz="3600" dirty="0">
                 <a:latin typeface="리디바탕" panose="020B0600000101010101" pitchFamily="34" charset="-127"/>
                 <a:ea typeface="리디바탕" panose="020B0600000101010101" pitchFamily="34" charset="-127"/>
               </a:rPr>
               <a:t>다운 설계와 </a:t>
             </a:r>
             <a:r>
-              <a:rPr lang="ko-KR" altLang="en-US" sz="3600" dirty="0" err="1" smtClean="0">
+              <a:rPr lang="ko-KR" altLang="en-US" sz="3600" dirty="0" err="1">
                 <a:latin typeface="리디바탕" panose="020B0600000101010101" pitchFamily="34" charset="-127"/>
                 <a:ea typeface="리디바탕" panose="020B0600000101010101" pitchFamily="34" charset="-127"/>
               </a:rPr>
               <a:t>바텀</a:t>
             </a:r>
             <a:r>
-              <a:rPr lang="en-US" altLang="ko-KR" sz="3600" dirty="0" smtClean="0">
+              <a:rPr lang="en-US" altLang="ko-KR" sz="3600" dirty="0">
                 <a:latin typeface="리디바탕" panose="020B0600000101010101" pitchFamily="34" charset="-127"/>
                 <a:ea typeface="리디바탕" panose="020B0600000101010101" pitchFamily="34" charset="-127"/>
               </a:rPr>
               <a:t>-</a:t>
             </a:r>
             <a:r>
-              <a:rPr lang="ko-KR" altLang="en-US" sz="3600" dirty="0" smtClean="0">
+              <a:rPr lang="ko-KR" altLang="en-US" sz="3600" dirty="0">
                 <a:latin typeface="리디바탕" panose="020B0600000101010101" pitchFamily="34" charset="-127"/>
                 <a:ea typeface="리디바탕" panose="020B0600000101010101" pitchFamily="34" charset="-127"/>
               </a:rPr>
               <a:t>업 설계</a:t>
             </a:r>
-            <a:endParaRPr lang="ko-KR" altLang="en-US" sz="3600" dirty="0">
-              <a:latin typeface="리디바탕" panose="020B0600000101010101" pitchFamily="34" charset="-127"/>
-              <a:ea typeface="리디바탕" panose="020B0600000101010101" pitchFamily="34" charset="-127"/>
-            </a:endParaRPr>
           </a:p>
         </p:txBody>
       </p:sp>
@@ -6246,14 +6090,14 @@
           <a:lstStyle/>
           <a:p>
             <a:r>
-              <a:rPr lang="ko-KR" altLang="en-US" sz="2800" dirty="0" smtClean="0">
+              <a:rPr lang="ko-KR" altLang="en-US" sz="2800" dirty="0">
                 <a:latin typeface="리디바탕" panose="020B0600000101010101" pitchFamily="34" charset="-127"/>
                 <a:ea typeface="리디바탕" panose="020B0600000101010101" pitchFamily="34" charset="-127"/>
               </a:rPr>
               <a:t>조금 다른 이야기</a:t>
             </a:r>
             <a:r>
-              <a:rPr lang="en-US" altLang="ko-KR" sz="2800" dirty="0" smtClean="0">
+              <a:rPr lang="en-US" altLang="ko-KR" sz="2800" dirty="0">
                 <a:latin typeface="리디바탕" panose="020B0600000101010101" pitchFamily="34" charset="-127"/>
                 <a:ea typeface="리디바탕" panose="020B0600000101010101" pitchFamily="34" charset="-127"/>
               </a:rPr>
@@ -6276,13 +6120,6 @@
   <p:clrMapOvr>
     <a:masterClrMapping/>
   </p:clrMapOvr>
-  <p:timing>
-    <p:tnLst>
-      <p:par>
-        <p:cTn id="1" dur="indefinite" restart="never" nodeType="tmRoot"/>
-      </p:par>
-    </p:tnLst>
-  </p:timing>
 </p:sld>
 </file>
 
@@ -6326,95 +6163,235 @@
           <a:lstStyle/>
           <a:p>
             <a:r>
-              <a:rPr lang="ko-KR" altLang="en-US" sz="3600" dirty="0" smtClean="0">
+              <a:rPr lang="ko-KR" altLang="en-US" sz="3600" dirty="0">
                 <a:latin typeface="리디바탕" panose="020B0600000101010101" pitchFamily="34" charset="-127"/>
                 <a:ea typeface="리디바탕" panose="020B0600000101010101" pitchFamily="34" charset="-127"/>
               </a:rPr>
               <a:t>탑</a:t>
             </a:r>
             <a:r>
-              <a:rPr lang="en-US" altLang="ko-KR" sz="3600" dirty="0" smtClean="0">
+              <a:rPr lang="en-US" altLang="ko-KR" sz="3600" dirty="0">
                 <a:latin typeface="리디바탕" panose="020B0600000101010101" pitchFamily="34" charset="-127"/>
                 <a:ea typeface="리디바탕" panose="020B0600000101010101" pitchFamily="34" charset="-127"/>
               </a:rPr>
               <a:t>-</a:t>
             </a:r>
             <a:r>
-              <a:rPr lang="ko-KR" altLang="en-US" sz="3600" dirty="0" smtClean="0">
+              <a:rPr lang="ko-KR" altLang="en-US" sz="3600" dirty="0">
                 <a:latin typeface="리디바탕" panose="020B0600000101010101" pitchFamily="34" charset="-127"/>
                 <a:ea typeface="리디바탕" panose="020B0600000101010101" pitchFamily="34" charset="-127"/>
               </a:rPr>
               <a:t>다운 설계와 </a:t>
             </a:r>
             <a:r>
-              <a:rPr lang="ko-KR" altLang="en-US" sz="3600" dirty="0" err="1" smtClean="0">
+              <a:rPr lang="ko-KR" altLang="en-US" sz="3600" dirty="0" err="1">
                 <a:latin typeface="리디바탕" panose="020B0600000101010101" pitchFamily="34" charset="-127"/>
                 <a:ea typeface="리디바탕" panose="020B0600000101010101" pitchFamily="34" charset="-127"/>
               </a:rPr>
               <a:t>바텀</a:t>
             </a:r>
             <a:r>
-              <a:rPr lang="en-US" altLang="ko-KR" sz="3600" dirty="0" smtClean="0">
+              <a:rPr lang="en-US" altLang="ko-KR" sz="3600" dirty="0">
                 <a:latin typeface="리디바탕" panose="020B0600000101010101" pitchFamily="34" charset="-127"/>
                 <a:ea typeface="리디바탕" panose="020B0600000101010101" pitchFamily="34" charset="-127"/>
               </a:rPr>
               <a:t>-</a:t>
             </a:r>
             <a:r>
-              <a:rPr lang="ko-KR" altLang="en-US" sz="3600" dirty="0" smtClean="0">
+              <a:rPr lang="ko-KR" altLang="en-US" sz="3600" dirty="0">
                 <a:latin typeface="리디바탕" panose="020B0600000101010101" pitchFamily="34" charset="-127"/>
                 <a:ea typeface="리디바탕" panose="020B0600000101010101" pitchFamily="34" charset="-127"/>
               </a:rPr>
               <a:t>업 설계</a:t>
             </a:r>
-            <a:endParaRPr lang="ko-KR" altLang="en-US" sz="3600" dirty="0">
+          </a:p>
+        </p:txBody>
+      </p:sp>
+      <p:sp>
+        <p:nvSpPr>
+          <p:cNvPr id="4" name="직사각형 3"/>
+          <p:cNvSpPr/>
+          <p:nvPr/>
+        </p:nvSpPr>
+        <p:spPr>
+          <a:xfrm>
+            <a:off x="2061821" y="2012434"/>
+            <a:ext cx="1515158" cy="369332"/>
+          </a:xfrm>
+          <a:prstGeom prst="rect">
+            <a:avLst/>
+          </a:prstGeom>
+        </p:spPr>
+        <p:txBody>
+          <a:bodyPr wrap="none">
+            <a:spAutoFit/>
+          </a:bodyPr>
+          <a:lstStyle/>
+          <a:p>
+            <a:r>
+              <a:rPr lang="ko-KR" altLang="en-US" dirty="0">
+                <a:latin typeface="리디바탕" panose="020B0600000101010101" pitchFamily="34" charset="-127"/>
+                <a:ea typeface="리디바탕" panose="020B0600000101010101" pitchFamily="34" charset="-127"/>
+              </a:rPr>
+              <a:t>탑</a:t>
+            </a:r>
+            <a:r>
+              <a:rPr lang="en-US" altLang="ko-KR" dirty="0">
+                <a:latin typeface="리디바탕" panose="020B0600000101010101" pitchFamily="34" charset="-127"/>
+                <a:ea typeface="리디바탕" panose="020B0600000101010101" pitchFamily="34" charset="-127"/>
+              </a:rPr>
+              <a:t>-</a:t>
+            </a:r>
+            <a:r>
+              <a:rPr lang="ko-KR" altLang="en-US" dirty="0">
+                <a:latin typeface="리디바탕" panose="020B0600000101010101" pitchFamily="34" charset="-127"/>
+                <a:ea typeface="리디바탕" panose="020B0600000101010101" pitchFamily="34" charset="-127"/>
+              </a:rPr>
+              <a:t>다운 설계</a:t>
+            </a:r>
+          </a:p>
+        </p:txBody>
+      </p:sp>
+      <p:sp>
+        <p:nvSpPr>
+          <p:cNvPr id="5" name="직사각형 4"/>
+          <p:cNvSpPr/>
+          <p:nvPr/>
+        </p:nvSpPr>
+        <p:spPr>
+          <a:xfrm>
+            <a:off x="7988433" y="2012434"/>
+            <a:ext cx="1449436" cy="369332"/>
+          </a:xfrm>
+          <a:prstGeom prst="rect">
+            <a:avLst/>
+          </a:prstGeom>
+        </p:spPr>
+        <p:txBody>
+          <a:bodyPr wrap="none">
+            <a:spAutoFit/>
+          </a:bodyPr>
+          <a:lstStyle/>
+          <a:p>
+            <a:r>
+              <a:rPr lang="ko-KR" altLang="en-US" dirty="0" err="1">
+                <a:latin typeface="리디바탕" panose="020B0600000101010101" pitchFamily="34" charset="-127"/>
+                <a:ea typeface="리디바탕" panose="020B0600000101010101" pitchFamily="34" charset="-127"/>
+              </a:rPr>
+              <a:t>바텀</a:t>
+            </a:r>
+            <a:r>
+              <a:rPr lang="en-US" altLang="ko-KR" dirty="0">
+                <a:latin typeface="리디바탕" panose="020B0600000101010101" pitchFamily="34" charset="-127"/>
+                <a:ea typeface="리디바탕" panose="020B0600000101010101" pitchFamily="34" charset="-127"/>
+              </a:rPr>
+              <a:t>-</a:t>
+            </a:r>
+            <a:r>
+              <a:rPr lang="ko-KR" altLang="en-US" dirty="0">
+                <a:latin typeface="리디바탕" panose="020B0600000101010101" pitchFamily="34" charset="-127"/>
+                <a:ea typeface="리디바탕" panose="020B0600000101010101" pitchFamily="34" charset="-127"/>
+              </a:rPr>
+              <a:t>업 설계</a:t>
+            </a:r>
+          </a:p>
+        </p:txBody>
+      </p:sp>
+      <p:sp>
+        <p:nvSpPr>
+          <p:cNvPr id="6" name="직사각형 5"/>
+          <p:cNvSpPr/>
+          <p:nvPr/>
+        </p:nvSpPr>
+        <p:spPr>
+          <a:xfrm>
+            <a:off x="732179" y="2766536"/>
+            <a:ext cx="4500221" cy="2308324"/>
+          </a:xfrm>
+          <a:prstGeom prst="rect">
+            <a:avLst/>
+          </a:prstGeom>
+        </p:spPr>
+        <p:txBody>
+          <a:bodyPr wrap="square">
+            <a:spAutoFit/>
+          </a:bodyPr>
+          <a:lstStyle/>
+          <a:p>
+            <a:r>
+              <a:rPr lang="ko-KR" altLang="en-US" dirty="0">
+                <a:latin typeface="리디바탕" panose="020B0600000101010101" pitchFamily="34" charset="-127"/>
+                <a:ea typeface="리디바탕" panose="020B0600000101010101" pitchFamily="34" charset="-127"/>
+              </a:rPr>
+              <a:t>톱 다운 설계에서는 계획과 시스템에 대한 이해의 완전성이 중요해진다</a:t>
+            </a:r>
+            <a:r>
+              <a:rPr lang="en-US" altLang="ko-KR" dirty="0">
+                <a:latin typeface="리디바탕" panose="020B0600000101010101" pitchFamily="34" charset="-127"/>
+                <a:ea typeface="리디바탕" panose="020B0600000101010101" pitchFamily="34" charset="-127"/>
+              </a:rPr>
+              <a:t>.</a:t>
+            </a:r>
+          </a:p>
+          <a:p>
+            <a:endParaRPr lang="en-US" altLang="ko-KR" dirty="0">
               <a:latin typeface="리디바탕" panose="020B0600000101010101" pitchFamily="34" charset="-127"/>
               <a:ea typeface="리디바탕" panose="020B0600000101010101" pitchFamily="34" charset="-127"/>
             </a:endParaRPr>
           </a:p>
-        </p:txBody>
-      </p:sp>
-      <p:sp>
-        <p:nvSpPr>
-          <p:cNvPr id="4" name="직사각형 3"/>
-          <p:cNvSpPr/>
-          <p:nvPr/>
-        </p:nvSpPr>
-        <p:spPr>
-          <a:xfrm>
-            <a:off x="2061821" y="2012434"/>
-            <a:ext cx="1515158" cy="369332"/>
-          </a:xfrm>
-          <a:prstGeom prst="rect">
-            <a:avLst/>
-          </a:prstGeom>
-        </p:spPr>
-        <p:txBody>
-          <a:bodyPr wrap="none">
-            <a:spAutoFit/>
-          </a:bodyPr>
-          <a:lstStyle/>
-          <a:p>
-            <a:r>
-              <a:rPr lang="ko-KR" altLang="en-US" dirty="0" smtClean="0">
-                <a:latin typeface="리디바탕" panose="020B0600000101010101" pitchFamily="34" charset="-127"/>
-                <a:ea typeface="리디바탕" panose="020B0600000101010101" pitchFamily="34" charset="-127"/>
-              </a:rPr>
-              <a:t>탑</a:t>
-            </a:r>
-            <a:r>
-              <a:rPr lang="en-US" altLang="ko-KR" dirty="0" smtClean="0">
-                <a:latin typeface="리디바탕" panose="020B0600000101010101" pitchFamily="34" charset="-127"/>
-                <a:ea typeface="리디바탕" panose="020B0600000101010101" pitchFamily="34" charset="-127"/>
-              </a:rPr>
-              <a:t>-</a:t>
-            </a:r>
-            <a:r>
-              <a:rPr lang="ko-KR" altLang="en-US" dirty="0" smtClean="0">
-                <a:latin typeface="리디바탕" panose="020B0600000101010101" pitchFamily="34" charset="-127"/>
-                <a:ea typeface="리디바탕" panose="020B0600000101010101" pitchFamily="34" charset="-127"/>
-              </a:rPr>
-              <a:t>다운 설계</a:t>
+          <a:p>
+            <a:r>
+              <a:rPr lang="ko-KR" altLang="en-US" dirty="0">
+                <a:latin typeface="리디바탕" panose="020B0600000101010101" pitchFamily="34" charset="-127"/>
+                <a:ea typeface="리디바탕" panose="020B0600000101010101" pitchFamily="34" charset="-127"/>
+              </a:rPr>
+              <a:t>시스템 설계가 충분한 상세함의 레벨이 될 때까지 코딩을 개시할 수 없다</a:t>
+            </a:r>
+            <a:r>
+              <a:rPr lang="en-US" altLang="ko-KR" dirty="0">
+                <a:latin typeface="리디바탕" panose="020B0600000101010101" pitchFamily="34" charset="-127"/>
+                <a:ea typeface="리디바탕" panose="020B0600000101010101" pitchFamily="34" charset="-127"/>
+              </a:rPr>
+              <a:t>.</a:t>
+            </a:r>
+          </a:p>
+          <a:p>
+            <a:endParaRPr lang="en-US" altLang="ko-KR" dirty="0">
+              <a:latin typeface="리디바탕" panose="020B0600000101010101" pitchFamily="34" charset="-127"/>
+              <a:ea typeface="리디바탕" panose="020B0600000101010101" pitchFamily="34" charset="-127"/>
+            </a:endParaRPr>
+          </a:p>
+          <a:p>
+            <a:r>
+              <a:rPr lang="ko-KR" altLang="en-US" dirty="0">
+                <a:latin typeface="리디바탕" panose="020B0600000101010101" pitchFamily="34" charset="-127"/>
+                <a:ea typeface="리디바탕" panose="020B0600000101010101" pitchFamily="34" charset="-127"/>
+              </a:rPr>
+              <a:t>이 때문에</a:t>
+            </a:r>
+            <a:r>
+              <a:rPr lang="en-US" altLang="ko-KR" dirty="0">
+                <a:latin typeface="리디바탕" panose="020B0600000101010101" pitchFamily="34" charset="-127"/>
+                <a:ea typeface="리디바탕" panose="020B0600000101010101" pitchFamily="34" charset="-127"/>
+              </a:rPr>
+              <a:t>, </a:t>
+            </a:r>
+            <a:r>
+              <a:rPr lang="ko-KR" altLang="en-US" dirty="0">
+                <a:solidFill>
+                  <a:srgbClr val="FF0000"/>
+                </a:solidFill>
+                <a:latin typeface="리디바탕" panose="020B0600000101010101" pitchFamily="34" charset="-127"/>
+                <a:ea typeface="리디바탕" panose="020B0600000101010101" pitchFamily="34" charset="-127"/>
+              </a:rPr>
+              <a:t>설계의 대부분이 완료할 때까지 주요한 기능의 테스트는 할 수 없다</a:t>
+            </a:r>
+            <a:r>
+              <a:rPr lang="en-US" altLang="ko-KR" dirty="0">
+                <a:latin typeface="리디바탕" panose="020B0600000101010101" pitchFamily="34" charset="-127"/>
+                <a:ea typeface="리디바탕" panose="020B0600000101010101" pitchFamily="34" charset="-127"/>
+              </a:rPr>
+              <a:t>.</a:t>
             </a:r>
             <a:endParaRPr lang="ko-KR" altLang="en-US" dirty="0">
               <a:latin typeface="리디바탕" panose="020B0600000101010101" pitchFamily="34" charset="-127"/>
@@ -6425,90 +6402,62 @@
       </p:sp>
       <p:sp>
         <p:nvSpPr>
-          <p:cNvPr id="5" name="직사각형 4"/>
+          <p:cNvPr id="7" name="직사각형 6"/>
           <p:cNvSpPr/>
           <p:nvPr/>
         </p:nvSpPr>
         <p:spPr>
           <a:xfrm>
-            <a:off x="7988433" y="2012434"/>
-            <a:ext cx="1449436" cy="369332"/>
+            <a:off x="6238422" y="2766536"/>
+            <a:ext cx="5331278" cy="2585323"/>
           </a:xfrm>
           <a:prstGeom prst="rect">
             <a:avLst/>
           </a:prstGeom>
         </p:spPr>
         <p:txBody>
-          <a:bodyPr wrap="none">
-            <a:spAutoFit/>
-          </a:bodyPr>
-          <a:lstStyle/>
-          <a:p>
-            <a:r>
-              <a:rPr lang="ko-KR" altLang="en-US" dirty="0" err="1">
-                <a:latin typeface="리디바탕" panose="020B0600000101010101" pitchFamily="34" charset="-127"/>
-                <a:ea typeface="리디바탕" panose="020B0600000101010101" pitchFamily="34" charset="-127"/>
-              </a:rPr>
-              <a:t>바텀</a:t>
-            </a:r>
-            <a:r>
-              <a:rPr lang="en-US" altLang="ko-KR" dirty="0">
-                <a:latin typeface="리디바탕" panose="020B0600000101010101" pitchFamily="34" charset="-127"/>
-                <a:ea typeface="리디바탕" panose="020B0600000101010101" pitchFamily="34" charset="-127"/>
-              </a:rPr>
-              <a:t>-</a:t>
-            </a:r>
-            <a:r>
-              <a:rPr lang="ko-KR" altLang="en-US" dirty="0">
-                <a:latin typeface="리디바탕" panose="020B0600000101010101" pitchFamily="34" charset="-127"/>
-                <a:ea typeface="리디바탕" panose="020B0600000101010101" pitchFamily="34" charset="-127"/>
-              </a:rPr>
-              <a:t>업 </a:t>
-            </a:r>
-            <a:r>
-              <a:rPr lang="ko-KR" altLang="en-US" dirty="0" smtClean="0">
-                <a:latin typeface="리디바탕" panose="020B0600000101010101" pitchFamily="34" charset="-127"/>
-                <a:ea typeface="리디바탕" panose="020B0600000101010101" pitchFamily="34" charset="-127"/>
-              </a:rPr>
-              <a:t>설계</a:t>
-            </a:r>
-            <a:endParaRPr lang="ko-KR" altLang="en-US" dirty="0">
-              <a:latin typeface="리디바탕" panose="020B0600000101010101" pitchFamily="34" charset="-127"/>
-              <a:ea typeface="리디바탕" panose="020B0600000101010101" pitchFamily="34" charset="-127"/>
-            </a:endParaRPr>
-          </a:p>
-        </p:txBody>
-      </p:sp>
-      <p:sp>
-        <p:nvSpPr>
-          <p:cNvPr id="6" name="직사각형 5"/>
-          <p:cNvSpPr/>
-          <p:nvPr/>
-        </p:nvSpPr>
-        <p:spPr>
-          <a:xfrm>
-            <a:off x="732179" y="2766536"/>
-            <a:ext cx="4500221" cy="2585323"/>
-          </a:xfrm>
-          <a:prstGeom prst="rect">
-            <a:avLst/>
-          </a:prstGeom>
-        </p:spPr>
-        <p:txBody>
           <a:bodyPr wrap="square">
             <a:spAutoFit/>
           </a:bodyPr>
           <a:lstStyle/>
           <a:p>
             <a:r>
-              <a:rPr lang="ko-KR" altLang="en-US" dirty="0" smtClean="0">
-                <a:latin typeface="리디바탕" panose="020B0600000101010101" pitchFamily="34" charset="-127"/>
-                <a:ea typeface="리디바탕" panose="020B0600000101010101" pitchFamily="34" charset="-127"/>
-              </a:rPr>
-              <a:t>톱 다운 설계에서는 계획과 시스템에 대한 이해의 완전성이 중요해진다</a:t>
-            </a:r>
-            <a:r>
-              <a:rPr lang="en-US" altLang="ko-KR" dirty="0" smtClean="0">
+              <a:rPr lang="ko-KR" altLang="en-US" dirty="0" err="1">
+                <a:latin typeface="리디바탕" panose="020B0600000101010101" pitchFamily="34" charset="-127"/>
+                <a:ea typeface="리디바탕" panose="020B0600000101010101" pitchFamily="34" charset="-127"/>
+              </a:rPr>
+              <a:t>바텀</a:t>
+            </a:r>
+            <a:r>
+              <a:rPr lang="en-US" altLang="ko-KR" dirty="0">
+                <a:latin typeface="리디바탕" panose="020B0600000101010101" pitchFamily="34" charset="-127"/>
+                <a:ea typeface="리디바탕" panose="020B0600000101010101" pitchFamily="34" charset="-127"/>
+              </a:rPr>
+              <a:t>-</a:t>
+            </a:r>
+            <a:r>
+              <a:rPr lang="ko-KR" altLang="en-US" dirty="0">
+                <a:latin typeface="리디바탕" panose="020B0600000101010101" pitchFamily="34" charset="-127"/>
+                <a:ea typeface="리디바탕" panose="020B0600000101010101" pitchFamily="34" charset="-127"/>
+              </a:rPr>
+              <a:t>업 설계에서는</a:t>
+            </a:r>
+            <a:r>
+              <a:rPr lang="en-US" altLang="ko-KR" dirty="0">
+                <a:latin typeface="리디바탕" panose="020B0600000101010101" pitchFamily="34" charset="-127"/>
+                <a:ea typeface="리디바탕" panose="020B0600000101010101" pitchFamily="34" charset="-127"/>
+              </a:rPr>
+              <a:t>, </a:t>
+            </a:r>
+            <a:r>
+              <a:rPr lang="ko-KR" altLang="en-US" dirty="0">
+                <a:latin typeface="리디바탕" panose="020B0600000101010101" pitchFamily="34" charset="-127"/>
+                <a:ea typeface="리디바탕" panose="020B0600000101010101" pitchFamily="34" charset="-127"/>
+              </a:rPr>
+              <a:t>모듈 단위의 설계가 완료한 시점에서 코딩과 그 테스트를 개시할 수 있다</a:t>
+            </a:r>
+            <a:r>
+              <a:rPr lang="en-US" altLang="ko-KR" dirty="0">
                 <a:latin typeface="리디바탕" panose="020B0600000101010101" pitchFamily="34" charset="-127"/>
                 <a:ea typeface="리디바탕" panose="020B0600000101010101" pitchFamily="34" charset="-127"/>
               </a:rPr>
@@ -6523,32 +6472,60 @@
           </a:p>
           <a:p>
             <a:r>
-              <a:rPr lang="ko-KR" altLang="en-US" dirty="0" smtClean="0">
-                <a:latin typeface="리디바탕" panose="020B0600000101010101" pitchFamily="34" charset="-127"/>
-                <a:ea typeface="리디바탕" panose="020B0600000101010101" pitchFamily="34" charset="-127"/>
-              </a:rPr>
-              <a:t>시스템이 있는 정도의 부분의 설계가 충분한 </a:t>
-            </a:r>
-            <a:r>
-              <a:rPr lang="ko-KR" altLang="en-US" dirty="0" err="1" smtClean="0">
-                <a:latin typeface="리디바탕" panose="020B0600000101010101" pitchFamily="34" charset="-127"/>
-                <a:ea typeface="리디바탕" panose="020B0600000101010101" pitchFamily="34" charset="-127"/>
-              </a:rPr>
-              <a:t>상세함의</a:t>
-            </a:r>
-            <a:r>
-              <a:rPr lang="ko-KR" altLang="en-US" dirty="0" smtClean="0">
-                <a:latin typeface="리디바탕" panose="020B0600000101010101" pitchFamily="34" charset="-127"/>
-                <a:ea typeface="리디바탕" panose="020B0600000101010101" pitchFamily="34" charset="-127"/>
-              </a:rPr>
-              <a:t> 레벨이 될 때까지 코딩을 개시할 수 없다</a:t>
-            </a:r>
-            <a:r>
-              <a:rPr lang="en-US" altLang="ko-KR" dirty="0" smtClean="0">
-                <a:latin typeface="리디바탕" panose="020B0600000101010101" pitchFamily="34" charset="-127"/>
-                <a:ea typeface="리디바탕" panose="020B0600000101010101" pitchFamily="34" charset="-127"/>
-              </a:rPr>
-              <a:t>.</a:t>
+              <a:rPr lang="ko-KR" altLang="en-US" dirty="0">
+                <a:latin typeface="리디바탕" panose="020B0600000101010101" pitchFamily="34" charset="-127"/>
+                <a:ea typeface="리디바탕" panose="020B0600000101010101" pitchFamily="34" charset="-127"/>
+              </a:rPr>
+              <a:t>그러나</a:t>
+            </a:r>
+            <a:r>
+              <a:rPr lang="en-US" altLang="ko-KR" dirty="0">
+                <a:latin typeface="리디바탕" panose="020B0600000101010101" pitchFamily="34" charset="-127"/>
+                <a:ea typeface="리디바탕" panose="020B0600000101010101" pitchFamily="34" charset="-127"/>
+              </a:rPr>
+              <a:t>, </a:t>
+            </a:r>
+            <a:r>
+              <a:rPr lang="ko-KR" altLang="en-US" dirty="0" err="1">
+                <a:latin typeface="리디바탕" panose="020B0600000101010101" pitchFamily="34" charset="-127"/>
+                <a:ea typeface="리디바탕" panose="020B0600000101010101" pitchFamily="34" charset="-127"/>
+              </a:rPr>
+              <a:t>바텀</a:t>
+            </a:r>
+            <a:r>
+              <a:rPr lang="en-US" altLang="ko-KR" dirty="0">
+                <a:latin typeface="리디바탕" panose="020B0600000101010101" pitchFamily="34" charset="-127"/>
+                <a:ea typeface="리디바탕" panose="020B0600000101010101" pitchFamily="34" charset="-127"/>
+              </a:rPr>
+              <a:t>-</a:t>
+            </a:r>
+            <a:r>
+              <a:rPr lang="ko-KR" altLang="en-US" dirty="0">
+                <a:latin typeface="리디바탕" panose="020B0600000101010101" pitchFamily="34" charset="-127"/>
+                <a:ea typeface="리디바탕" panose="020B0600000101010101" pitchFamily="34" charset="-127"/>
+              </a:rPr>
+              <a:t>업으로는 모듈간의 관련이 </a:t>
+            </a:r>
+            <a:r>
+              <a:rPr lang="ko-KR" altLang="en-US" dirty="0" err="1">
+                <a:latin typeface="리디바탕" panose="020B0600000101010101" pitchFamily="34" charset="-127"/>
+                <a:ea typeface="리디바탕" panose="020B0600000101010101" pitchFamily="34" charset="-127"/>
+              </a:rPr>
+              <a:t>명확화되어</a:t>
+            </a:r>
+            <a:r>
+              <a:rPr lang="ko-KR" altLang="en-US" dirty="0">
+                <a:latin typeface="리디바탕" panose="020B0600000101010101" pitchFamily="34" charset="-127"/>
+                <a:ea typeface="리디바탕" panose="020B0600000101010101" pitchFamily="34" charset="-127"/>
+              </a:rPr>
+              <a:t> 있지 않으면 나중에 설계 변경이 발생해 버리는 위험성이 있어</a:t>
+            </a:r>
+            <a:r>
+              <a:rPr lang="en-US" altLang="ko-KR" dirty="0">
+                <a:latin typeface="리디바탕" panose="020B0600000101010101" pitchFamily="34" charset="-127"/>
+                <a:ea typeface="리디바탕" panose="020B0600000101010101" pitchFamily="34" charset="-127"/>
+              </a:rPr>
+              <a:t>, </a:t>
             </a:r>
           </a:p>
           <a:p>
@@ -6559,204 +6536,31 @@
           </a:p>
           <a:p>
             <a:r>
-              <a:rPr lang="ko-KR" altLang="en-US" dirty="0" smtClean="0">
-                <a:latin typeface="리디바탕" panose="020B0600000101010101" pitchFamily="34" charset="-127"/>
-                <a:ea typeface="리디바탕" panose="020B0600000101010101" pitchFamily="34" charset="-127"/>
-              </a:rPr>
-              <a:t>이 때문에</a:t>
-            </a:r>
-            <a:r>
-              <a:rPr lang="en-US" altLang="ko-KR" dirty="0" smtClean="0">
-                <a:latin typeface="리디바탕" panose="020B0600000101010101" pitchFamily="34" charset="-127"/>
-                <a:ea typeface="리디바탕" panose="020B0600000101010101" pitchFamily="34" charset="-127"/>
-              </a:rPr>
-              <a:t>, </a:t>
-            </a:r>
-            <a:r>
-              <a:rPr lang="ko-KR" altLang="en-US" dirty="0" smtClean="0">
+              <a:rPr lang="ko-KR" altLang="en-US" dirty="0">
+                <a:latin typeface="리디바탕" panose="020B0600000101010101" pitchFamily="34" charset="-127"/>
+                <a:ea typeface="리디바탕" panose="020B0600000101010101" pitchFamily="34" charset="-127"/>
+              </a:rPr>
+              <a:t>실제 문제로서 </a:t>
+            </a:r>
+            <a:r>
+              <a:rPr lang="ko-KR" altLang="en-US" dirty="0">
                 <a:solidFill>
                   <a:srgbClr val="FF0000"/>
                 </a:solidFill>
                 <a:latin typeface="리디바탕" panose="020B0600000101010101" pitchFamily="34" charset="-127"/>
                 <a:ea typeface="리디바탕" panose="020B0600000101010101" pitchFamily="34" charset="-127"/>
               </a:rPr>
-              <a:t>설계의 대부분이 완료할 때까지 주요한 기능의 테스트는 할 수 없다</a:t>
-            </a:r>
-            <a:r>
-              <a:rPr lang="en-US" altLang="ko-KR" dirty="0" smtClean="0">
-                <a:latin typeface="리디바탕" panose="020B0600000101010101" pitchFamily="34" charset="-127"/>
-                <a:ea typeface="리디바탕" panose="020B0600000101010101" pitchFamily="34" charset="-127"/>
-              </a:rPr>
-              <a:t>.</a:t>
-            </a:r>
-            <a:endParaRPr lang="ko-KR" altLang="en-US" dirty="0">
-              <a:latin typeface="리디바탕" panose="020B0600000101010101" pitchFamily="34" charset="-127"/>
-              <a:ea typeface="리디바탕" panose="020B0600000101010101" pitchFamily="34" charset="-127"/>
-            </a:endParaRPr>
-          </a:p>
-        </p:txBody>
-      </p:sp>
-      <p:sp>
-        <p:nvSpPr>
-          <p:cNvPr id="7" name="직사각형 6"/>
-          <p:cNvSpPr/>
-          <p:nvPr/>
-        </p:nvSpPr>
-        <p:spPr>
-          <a:xfrm>
-            <a:off x="6238422" y="2766536"/>
-            <a:ext cx="5331278" cy="2585323"/>
-          </a:xfrm>
-          <a:prstGeom prst="rect">
-            <a:avLst/>
-          </a:prstGeom>
-        </p:spPr>
-        <p:txBody>
-          <a:bodyPr wrap="square">
-            <a:spAutoFit/>
-          </a:bodyPr>
-          <a:lstStyle/>
-          <a:p>
-            <a:r>
-              <a:rPr lang="ko-KR" altLang="en-US" dirty="0" err="1" smtClean="0">
-                <a:latin typeface="리디바탕" panose="020B0600000101010101" pitchFamily="34" charset="-127"/>
-                <a:ea typeface="리디바탕" panose="020B0600000101010101" pitchFamily="34" charset="-127"/>
-              </a:rPr>
-              <a:t>바텀</a:t>
-            </a:r>
-            <a:r>
-              <a:rPr lang="en-US" altLang="ko-KR" dirty="0" smtClean="0">
-                <a:latin typeface="리디바탕" panose="020B0600000101010101" pitchFamily="34" charset="-127"/>
-                <a:ea typeface="리디바탕" panose="020B0600000101010101" pitchFamily="34" charset="-127"/>
-              </a:rPr>
-              <a:t>-</a:t>
-            </a:r>
-            <a:r>
-              <a:rPr lang="ko-KR" altLang="en-US" dirty="0" smtClean="0">
-                <a:latin typeface="리디바탕" panose="020B0600000101010101" pitchFamily="34" charset="-127"/>
-                <a:ea typeface="리디바탕" panose="020B0600000101010101" pitchFamily="34" charset="-127"/>
-              </a:rPr>
-              <a:t>업 설계에서는</a:t>
-            </a:r>
-            <a:r>
-              <a:rPr lang="en-US" altLang="ko-KR" dirty="0" smtClean="0">
-                <a:latin typeface="리디바탕" panose="020B0600000101010101" pitchFamily="34" charset="-127"/>
-                <a:ea typeface="리디바탕" panose="020B0600000101010101" pitchFamily="34" charset="-127"/>
-              </a:rPr>
-              <a:t>, </a:t>
-            </a:r>
-            <a:r>
-              <a:rPr lang="ko-KR" altLang="en-US" dirty="0" smtClean="0">
-                <a:latin typeface="리디바탕" panose="020B0600000101010101" pitchFamily="34" charset="-127"/>
-                <a:ea typeface="리디바탕" panose="020B0600000101010101" pitchFamily="34" charset="-127"/>
-              </a:rPr>
-              <a:t>모듈 단위의 설계가 완료한 시점에서 코딩과 그 테스트를 개시할 수 있다</a:t>
-            </a:r>
-            <a:r>
-              <a:rPr lang="en-US" altLang="ko-KR" dirty="0" smtClean="0">
-                <a:latin typeface="리디바탕" panose="020B0600000101010101" pitchFamily="34" charset="-127"/>
-                <a:ea typeface="리디바탕" panose="020B0600000101010101" pitchFamily="34" charset="-127"/>
-              </a:rPr>
-              <a:t>.</a:t>
-            </a:r>
-          </a:p>
-          <a:p>
-            <a:endParaRPr lang="en-US" altLang="ko-KR" dirty="0">
-              <a:latin typeface="리디바탕" panose="020B0600000101010101" pitchFamily="34" charset="-127"/>
-              <a:ea typeface="리디바탕" panose="020B0600000101010101" pitchFamily="34" charset="-127"/>
-            </a:endParaRPr>
-          </a:p>
-          <a:p>
-            <a:r>
-              <a:rPr lang="ko-KR" altLang="en-US" dirty="0" smtClean="0">
-                <a:latin typeface="리디바탕" panose="020B0600000101010101" pitchFamily="34" charset="-127"/>
-                <a:ea typeface="리디바탕" panose="020B0600000101010101" pitchFamily="34" charset="-127"/>
-              </a:rPr>
-              <a:t>그러나</a:t>
-            </a:r>
-            <a:r>
-              <a:rPr lang="en-US" altLang="ko-KR" dirty="0" smtClean="0">
-                <a:latin typeface="리디바탕" panose="020B0600000101010101" pitchFamily="34" charset="-127"/>
-                <a:ea typeface="리디바탕" panose="020B0600000101010101" pitchFamily="34" charset="-127"/>
-              </a:rPr>
-              <a:t>, </a:t>
-            </a:r>
-            <a:r>
-              <a:rPr lang="ko-KR" altLang="en-US" dirty="0" err="1" smtClean="0">
-                <a:latin typeface="리디바탕" panose="020B0600000101010101" pitchFamily="34" charset="-127"/>
-                <a:ea typeface="리디바탕" panose="020B0600000101010101" pitchFamily="34" charset="-127"/>
-              </a:rPr>
-              <a:t>바텀</a:t>
-            </a:r>
-            <a:r>
-              <a:rPr lang="en-US" altLang="ko-KR" dirty="0" smtClean="0">
-                <a:latin typeface="리디바탕" panose="020B0600000101010101" pitchFamily="34" charset="-127"/>
-                <a:ea typeface="리디바탕" panose="020B0600000101010101" pitchFamily="34" charset="-127"/>
-              </a:rPr>
-              <a:t>-</a:t>
-            </a:r>
-            <a:r>
-              <a:rPr lang="ko-KR" altLang="en-US" dirty="0" smtClean="0">
-                <a:latin typeface="리디바탕" panose="020B0600000101010101" pitchFamily="34" charset="-127"/>
-                <a:ea typeface="리디바탕" panose="020B0600000101010101" pitchFamily="34" charset="-127"/>
-              </a:rPr>
-              <a:t>업으로는 모듈간의 관련이 </a:t>
-            </a:r>
-            <a:r>
-              <a:rPr lang="ko-KR" altLang="en-US" dirty="0" err="1" smtClean="0">
-                <a:latin typeface="리디바탕" panose="020B0600000101010101" pitchFamily="34" charset="-127"/>
-                <a:ea typeface="리디바탕" panose="020B0600000101010101" pitchFamily="34" charset="-127"/>
-              </a:rPr>
-              <a:t>명확화되어</a:t>
-            </a:r>
-            <a:r>
-              <a:rPr lang="ko-KR" altLang="en-US" dirty="0" smtClean="0">
-                <a:latin typeface="리디바탕" panose="020B0600000101010101" pitchFamily="34" charset="-127"/>
-                <a:ea typeface="리디바탕" panose="020B0600000101010101" pitchFamily="34" charset="-127"/>
-              </a:rPr>
-              <a:t> 있지 않으면 나중에 설계 변경이 발생해 버리는 위험성이 있어</a:t>
-            </a:r>
-            <a:r>
-              <a:rPr lang="en-US" altLang="ko-KR" dirty="0" smtClean="0">
-                <a:latin typeface="리디바탕" panose="020B0600000101010101" pitchFamily="34" charset="-127"/>
-                <a:ea typeface="리디바탕" panose="020B0600000101010101" pitchFamily="34" charset="-127"/>
-              </a:rPr>
-              <a:t>, </a:t>
-            </a:r>
-          </a:p>
-          <a:p>
-            <a:endParaRPr lang="en-US" altLang="ko-KR" dirty="0">
-              <a:latin typeface="리디바탕" panose="020B0600000101010101" pitchFamily="34" charset="-127"/>
-              <a:ea typeface="리디바탕" panose="020B0600000101010101" pitchFamily="34" charset="-127"/>
-            </a:endParaRPr>
-          </a:p>
-          <a:p>
-            <a:r>
-              <a:rPr lang="ko-KR" altLang="en-US" dirty="0" smtClean="0">
-                <a:latin typeface="리디바탕" panose="020B0600000101010101" pitchFamily="34" charset="-127"/>
-                <a:ea typeface="리디바탕" panose="020B0600000101010101" pitchFamily="34" charset="-127"/>
-              </a:rPr>
-              <a:t>실제 문제로서 </a:t>
-            </a:r>
-            <a:r>
-              <a:rPr lang="ko-KR" altLang="en-US" dirty="0" smtClean="0">
-                <a:solidFill>
-                  <a:srgbClr val="FF0000"/>
-                </a:solidFill>
-                <a:latin typeface="리디바탕" panose="020B0600000101010101" pitchFamily="34" charset="-127"/>
-                <a:ea typeface="리디바탕" panose="020B0600000101010101" pitchFamily="34" charset="-127"/>
-              </a:rPr>
               <a:t>모듈간의 관련을 최초부터 모두 완벽하게 간파하는 것은 곤란</a:t>
             </a:r>
             <a:r>
-              <a:rPr lang="ko-KR" altLang="en-US" dirty="0" smtClean="0">
+              <a:rPr lang="ko-KR" altLang="en-US" dirty="0">
                 <a:latin typeface="리디바탕" panose="020B0600000101010101" pitchFamily="34" charset="-127"/>
                 <a:ea typeface="리디바탕" panose="020B0600000101010101" pitchFamily="34" charset="-127"/>
               </a:rPr>
               <a:t>하다</a:t>
             </a:r>
             <a:r>
-              <a:rPr lang="en-US" altLang="ko-KR" dirty="0" smtClean="0">
+              <a:rPr lang="en-US" altLang="ko-KR" dirty="0">
                 <a:latin typeface="리디바탕" panose="020B0600000101010101" pitchFamily="34" charset="-127"/>
                 <a:ea typeface="리디바탕" panose="020B0600000101010101" pitchFamily="34" charset="-127"/>
               </a:rPr>
@@ -6779,13 +6583,6 @@
   <p:clrMapOvr>
     <a:masterClrMapping/>
   </p:clrMapOvr>
-  <p:timing>
-    <p:tnLst>
-      <p:par>
-        <p:cTn id="1" dur="indefinite" restart="never" nodeType="tmRoot"/>
-      </p:par>
-    </p:tnLst>
-  </p:timing>
 </p:sld>
 </file>
 
@@ -6829,23 +6626,19 @@
           <a:lstStyle/>
           <a:p>
             <a:r>
-              <a:rPr lang="en-US" altLang="ko-KR" sz="2800" dirty="0" smtClean="0">
+              <a:rPr lang="en-US" altLang="ko-KR" sz="2800" dirty="0">
                 <a:latin typeface="리디바탕" panose="020B0600000101010101" pitchFamily="34" charset="-127"/>
                 <a:ea typeface="리디바탕" panose="020B0600000101010101" pitchFamily="34" charset="-127"/>
               </a:rPr>
               <a:t>ERP</a:t>
             </a:r>
             <a:r>
-              <a:rPr lang="ko-KR" altLang="en-US" sz="2800" dirty="0" smtClean="0">
+              <a:rPr lang="ko-KR" altLang="en-US" sz="2800" dirty="0">
                 <a:latin typeface="리디바탕" panose="020B0600000101010101" pitchFamily="34" charset="-127"/>
                 <a:ea typeface="리디바탕" panose="020B0600000101010101" pitchFamily="34" charset="-127"/>
               </a:rPr>
               <a:t>의 개발 역사</a:t>
             </a:r>
-            <a:endParaRPr lang="ko-KR" altLang="en-US" sz="2800" dirty="0">
-              <a:latin typeface="리디바탕" panose="020B0600000101010101" pitchFamily="34" charset="-127"/>
-              <a:ea typeface="리디바탕" panose="020B0600000101010101" pitchFamily="34" charset="-127"/>
-            </a:endParaRPr>
           </a:p>
         </p:txBody>
       </p:sp>
@@ -6871,58 +6664,54 @@
           <a:lstStyle/>
           <a:p>
             <a:r>
-              <a:rPr lang="ko-KR" altLang="en-US" dirty="0" smtClean="0">
+              <a:rPr lang="ko-KR" altLang="en-US" dirty="0">
                 <a:latin typeface="리디바탕" panose="020B0600000101010101" pitchFamily="34" charset="-127"/>
                 <a:ea typeface="리디바탕" panose="020B0600000101010101" pitchFamily="34" charset="-127"/>
               </a:rPr>
               <a:t> </a:t>
             </a:r>
             <a:r>
-              <a:rPr lang="en-US" altLang="ko-KR" dirty="0" smtClean="0">
+              <a:rPr lang="en-US" altLang="ko-KR" dirty="0">
                 <a:latin typeface="리디바탕" panose="020B0600000101010101" pitchFamily="34" charset="-127"/>
                 <a:ea typeface="리디바탕" panose="020B0600000101010101" pitchFamily="34" charset="-127"/>
               </a:rPr>
               <a:t>1964</a:t>
             </a:r>
             <a:r>
-              <a:rPr lang="ko-KR" altLang="en-US" dirty="0" smtClean="0">
+              <a:rPr lang="ko-KR" altLang="en-US" dirty="0">
                 <a:latin typeface="리디바탕" panose="020B0600000101010101" pitchFamily="34" charset="-127"/>
                 <a:ea typeface="리디바탕" panose="020B0600000101010101" pitchFamily="34" charset="-127"/>
               </a:rPr>
               <a:t>년 경제적주문량 개념과 </a:t>
             </a:r>
             <a:r>
-              <a:rPr lang="ko-KR" altLang="en-US" dirty="0" err="1" smtClean="0">
+              <a:rPr lang="ko-KR" altLang="en-US" dirty="0" err="1">
                 <a:latin typeface="리디바탕" panose="020B0600000101010101" pitchFamily="34" charset="-127"/>
                 <a:ea typeface="리디바탕" panose="020B0600000101010101" pitchFamily="34" charset="-127"/>
               </a:rPr>
               <a:t>메인프레임</a:t>
             </a:r>
             <a:r>
-              <a:rPr lang="ko-KR" altLang="en-US" dirty="0" smtClean="0">
+              <a:rPr lang="ko-KR" altLang="en-US" dirty="0">
                 <a:latin typeface="리디바탕" panose="020B0600000101010101" pitchFamily="34" charset="-127"/>
                 <a:ea typeface="리디바탕" panose="020B0600000101010101" pitchFamily="34" charset="-127"/>
               </a:rPr>
               <a:t> 컴퓨터를 결합한 </a:t>
             </a:r>
             <a:r>
-              <a:rPr lang="en-US" altLang="ko-KR" dirty="0" smtClean="0">
+              <a:rPr lang="en-US" altLang="ko-KR" dirty="0">
                 <a:latin typeface="리디바탕" panose="020B0600000101010101" pitchFamily="34" charset="-127"/>
                 <a:ea typeface="리디바탕" panose="020B0600000101010101" pitchFamily="34" charset="-127"/>
               </a:rPr>
               <a:t>MRP(Material Requirements Planning) </a:t>
             </a:r>
             <a:r>
-              <a:rPr lang="ko-KR" altLang="en-US" dirty="0" smtClean="0">
+              <a:rPr lang="ko-KR" altLang="en-US" dirty="0">
                 <a:latin typeface="리디바탕" panose="020B0600000101010101" pitchFamily="34" charset="-127"/>
                 <a:ea typeface="리디바탕" panose="020B0600000101010101" pitchFamily="34" charset="-127"/>
               </a:rPr>
               <a:t>솔루션을 등장</a:t>
             </a:r>
-            <a:endParaRPr lang="ko-KR" altLang="en-US" dirty="0">
-              <a:latin typeface="리디바탕" panose="020B0600000101010101" pitchFamily="34" charset="-127"/>
-              <a:ea typeface="리디바탕" panose="020B0600000101010101" pitchFamily="34" charset="-127"/>
-            </a:endParaRPr>
           </a:p>
         </p:txBody>
       </p:sp>
@@ -6949,23 +6738,19 @@
           <a:lstStyle/>
           <a:p>
             <a:r>
-              <a:rPr lang="ko-KR" altLang="en-US" sz="2800" dirty="0" err="1" smtClean="0">
+              <a:rPr lang="ko-KR" altLang="en-US" sz="2800" dirty="0" err="1">
                 <a:latin typeface="리디바탕" panose="020B0600000101010101" pitchFamily="34" charset="-127"/>
                 <a:ea typeface="리디바탕" panose="020B0600000101010101" pitchFamily="34" charset="-127"/>
               </a:rPr>
               <a:t>웹서비스의</a:t>
             </a:r>
             <a:r>
-              <a:rPr lang="ko-KR" altLang="en-US" sz="2800" dirty="0" smtClean="0">
+              <a:rPr lang="ko-KR" altLang="en-US" sz="2800" dirty="0">
                 <a:latin typeface="리디바탕" panose="020B0600000101010101" pitchFamily="34" charset="-127"/>
                 <a:ea typeface="리디바탕" panose="020B0600000101010101" pitchFamily="34" charset="-127"/>
               </a:rPr>
               <a:t> 개발 역사</a:t>
             </a:r>
-            <a:endParaRPr lang="ko-KR" altLang="en-US" sz="2800" dirty="0">
-              <a:latin typeface="리디바탕" panose="020B0600000101010101" pitchFamily="34" charset="-127"/>
-              <a:ea typeface="리디바탕" panose="020B0600000101010101" pitchFamily="34" charset="-127"/>
-            </a:endParaRPr>
           </a:p>
         </p:txBody>
       </p:sp>
@@ -6991,98 +6776,98 @@
           <a:lstStyle/>
           <a:p>
             <a:r>
-              <a:rPr lang="en-US" altLang="ko-KR" dirty="0" smtClean="0">
+              <a:rPr lang="en-US" altLang="ko-KR" dirty="0">
                 <a:latin typeface="리디바탕" panose="020B0600000101010101" pitchFamily="34" charset="-127"/>
                 <a:ea typeface="리디바탕" panose="020B0600000101010101" pitchFamily="34" charset="-127"/>
               </a:rPr>
               <a:t>1990</a:t>
             </a:r>
             <a:r>
-              <a:rPr lang="ko-KR" altLang="en-US" dirty="0" smtClean="0">
+              <a:rPr lang="ko-KR" altLang="en-US" dirty="0">
                 <a:latin typeface="리디바탕" panose="020B0600000101010101" pitchFamily="34" charset="-127"/>
                 <a:ea typeface="리디바탕" panose="020B0600000101010101" pitchFamily="34" charset="-127"/>
               </a:rPr>
               <a:t>년 </a:t>
             </a:r>
             <a:r>
-              <a:rPr lang="en-US" altLang="ko-KR" dirty="0" smtClean="0">
+              <a:rPr lang="en-US" altLang="ko-KR" dirty="0">
                 <a:latin typeface="리디바탕" panose="020B0600000101010101" pitchFamily="34" charset="-127"/>
                 <a:ea typeface="리디바탕" panose="020B0600000101010101" pitchFamily="34" charset="-127"/>
               </a:rPr>
               <a:t>12</a:t>
             </a:r>
             <a:r>
-              <a:rPr lang="ko-KR" altLang="en-US" dirty="0" smtClean="0">
+              <a:rPr lang="ko-KR" altLang="en-US" dirty="0">
                 <a:latin typeface="리디바탕" panose="020B0600000101010101" pitchFamily="34" charset="-127"/>
                 <a:ea typeface="리디바탕" panose="020B0600000101010101" pitchFamily="34" charset="-127"/>
               </a:rPr>
               <a:t>월</a:t>
             </a:r>
             <a:r>
-              <a:rPr lang="en-US" altLang="ko-KR" dirty="0" smtClean="0">
+              <a:rPr lang="en-US" altLang="ko-KR" dirty="0">
                 <a:latin typeface="리디바탕" panose="020B0600000101010101" pitchFamily="34" charset="-127"/>
                 <a:ea typeface="리디바탕" panose="020B0600000101010101" pitchFamily="34" charset="-127"/>
               </a:rPr>
               <a:t>25</a:t>
             </a:r>
             <a:r>
-              <a:rPr lang="ko-KR" altLang="en-US" dirty="0" smtClean="0">
+              <a:rPr lang="ko-KR" altLang="en-US" dirty="0">
                 <a:latin typeface="리디바탕" panose="020B0600000101010101" pitchFamily="34" charset="-127"/>
                 <a:ea typeface="리디바탕" panose="020B0600000101010101" pitchFamily="34" charset="-127"/>
               </a:rPr>
               <a:t>일 </a:t>
             </a:r>
             <a:r>
-              <a:rPr lang="ko-KR" altLang="en-US" dirty="0" err="1" smtClean="0">
+              <a:rPr lang="ko-KR" altLang="en-US" dirty="0" err="1">
                 <a:latin typeface="리디바탕" panose="020B0600000101010101" pitchFamily="34" charset="-127"/>
                 <a:ea typeface="리디바탕" panose="020B0600000101010101" pitchFamily="34" charset="-127"/>
               </a:rPr>
               <a:t>웹서버</a:t>
             </a:r>
             <a:r>
-              <a:rPr lang="ko-KR" altLang="en-US" dirty="0" smtClean="0">
+              <a:rPr lang="ko-KR" altLang="en-US" dirty="0">
                 <a:latin typeface="리디바탕" panose="020B0600000101010101" pitchFamily="34" charset="-127"/>
                 <a:ea typeface="리디바탕" panose="020B0600000101010101" pitchFamily="34" charset="-127"/>
               </a:rPr>
               <a:t> </a:t>
             </a:r>
             <a:r>
-              <a:rPr lang="ko-KR" altLang="en-US" dirty="0" err="1" smtClean="0">
+              <a:rPr lang="ko-KR" altLang="en-US" dirty="0" err="1">
                 <a:latin typeface="리디바탕" panose="020B0600000101010101" pitchFamily="34" charset="-127"/>
                 <a:ea typeface="리디바탕" panose="020B0600000101010101" pitchFamily="34" charset="-127"/>
               </a:rPr>
               <a:t>완성후</a:t>
             </a:r>
             <a:r>
-              <a:rPr lang="en-US" altLang="ko-KR" dirty="0" smtClean="0">
+              <a:rPr lang="en-US" altLang="ko-KR" dirty="0">
                 <a:latin typeface="리디바탕" panose="020B0600000101010101" pitchFamily="34" charset="-127"/>
                 <a:ea typeface="리디바탕" panose="020B0600000101010101" pitchFamily="34" charset="-127"/>
               </a:rPr>
               <a:t>, </a:t>
             </a:r>
             <a:r>
-              <a:rPr lang="ko-KR" altLang="en-US" dirty="0" smtClean="0">
+              <a:rPr lang="ko-KR" altLang="en-US" dirty="0">
                 <a:latin typeface="리디바탕" panose="020B0600000101010101" pitchFamily="34" charset="-127"/>
                 <a:ea typeface="리디바탕" panose="020B0600000101010101" pitchFamily="34" charset="-127"/>
               </a:rPr>
               <a:t>첫번째 </a:t>
             </a:r>
             <a:r>
-              <a:rPr lang="ko-KR" altLang="en-US" dirty="0" err="1" smtClean="0">
+              <a:rPr lang="ko-KR" altLang="en-US" dirty="0" err="1">
                 <a:latin typeface="리디바탕" panose="020B0600000101010101" pitchFamily="34" charset="-127"/>
                 <a:ea typeface="리디바탕" panose="020B0600000101010101" pitchFamily="34" charset="-127"/>
               </a:rPr>
               <a:t>웹페이지가</a:t>
             </a:r>
             <a:r>
-              <a:rPr lang="ko-KR" altLang="en-US" dirty="0" smtClean="0">
+              <a:rPr lang="ko-KR" altLang="en-US" dirty="0">
                 <a:latin typeface="리디바탕" panose="020B0600000101010101" pitchFamily="34" charset="-127"/>
                 <a:ea typeface="리디바탕" panose="020B0600000101010101" pitchFamily="34" charset="-127"/>
               </a:rPr>
               <a:t> 만들어짐</a:t>
             </a:r>
             <a:r>
-              <a:rPr lang="en-US" altLang="ko-KR" dirty="0" smtClean="0">
+              <a:rPr lang="en-US" altLang="ko-KR" dirty="0">
                 <a:latin typeface="리디바탕" panose="020B0600000101010101" pitchFamily="34" charset="-127"/>
                 <a:ea typeface="리디바탕" panose="020B0600000101010101" pitchFamily="34" charset="-127"/>
               </a:rPr>
@@ -7097,7 +6882,7 @@
           </a:p>
           <a:p>
             <a:r>
-              <a:rPr lang="en-US" altLang="ko-KR" dirty="0" smtClean="0">
+              <a:rPr lang="en-US" altLang="ko-KR" dirty="0">
                 <a:latin typeface="리디바탕" panose="020B0600000101010101" pitchFamily="34" charset="-127"/>
                 <a:ea typeface="리디바탕" panose="020B0600000101010101" pitchFamily="34" charset="-127"/>
               </a:rPr>
@@ -7116,13 +6901,6 @@
   <p:clrMapOvr>
     <a:masterClrMapping/>
   </p:clrMapOvr>
-  <p:timing>
-    <p:tnLst>
-      <p:par>
-        <p:cTn id="1" dur="indefinite" restart="never" nodeType="tmRoot"/>
-      </p:par>
-    </p:tnLst>
-  </p:timing>
 </p:sld>
 </file>
 
@@ -7166,57 +6944,57 @@
           <a:lstStyle/>
           <a:p>
             <a:r>
-              <a:rPr lang="ko-KR" altLang="en-US" sz="2800" dirty="0" smtClean="0">
+              <a:rPr lang="ko-KR" altLang="en-US" sz="2800" dirty="0">
                 <a:latin typeface="리디바탕" panose="020B0600000101010101" pitchFamily="34" charset="-127"/>
                 <a:ea typeface="리디바탕" panose="020B0600000101010101" pitchFamily="34" charset="-127"/>
               </a:rPr>
               <a:t>과연 탑</a:t>
             </a:r>
             <a:r>
-              <a:rPr lang="en-US" altLang="ko-KR" sz="2800" dirty="0" smtClean="0">
+              <a:rPr lang="en-US" altLang="ko-KR" sz="2800" dirty="0">
                 <a:latin typeface="리디바탕" panose="020B0600000101010101" pitchFamily="34" charset="-127"/>
                 <a:ea typeface="리디바탕" panose="020B0600000101010101" pitchFamily="34" charset="-127"/>
               </a:rPr>
               <a:t>-</a:t>
             </a:r>
             <a:r>
-              <a:rPr lang="ko-KR" altLang="en-US" sz="2800" dirty="0" smtClean="0">
+              <a:rPr lang="ko-KR" altLang="en-US" sz="2800" dirty="0">
                 <a:latin typeface="리디바탕" panose="020B0600000101010101" pitchFamily="34" charset="-127"/>
                 <a:ea typeface="리디바탕" panose="020B0600000101010101" pitchFamily="34" charset="-127"/>
               </a:rPr>
               <a:t>다운 방식의 개발이 현재의</a:t>
             </a:r>
-            <a:endParaRPr lang="en-US" altLang="ko-KR" sz="2800" dirty="0" smtClean="0">
-              <a:latin typeface="리디바탕" panose="020B0600000101010101" pitchFamily="34" charset="-127"/>
-              <a:ea typeface="리디바탕" panose="020B0600000101010101" pitchFamily="34" charset="-127"/>
-            </a:endParaRPr>
-          </a:p>
-          <a:p>
             <a:endParaRPr lang="en-US" altLang="ko-KR" sz="2800" dirty="0">
               <a:latin typeface="리디바탕" panose="020B0600000101010101" pitchFamily="34" charset="-127"/>
               <a:ea typeface="리디바탕" panose="020B0600000101010101" pitchFamily="34" charset="-127"/>
             </a:endParaRPr>
           </a:p>
           <a:p>
+            <a:endParaRPr lang="en-US" altLang="ko-KR" sz="2800" dirty="0">
+              <a:latin typeface="리디바탕" panose="020B0600000101010101" pitchFamily="34" charset="-127"/>
+              <a:ea typeface="리디바탕" panose="020B0600000101010101" pitchFamily="34" charset="-127"/>
+            </a:endParaRPr>
+          </a:p>
+          <a:p>
             <a:pPr marL="457200" indent="-457200">
               <a:buFontTx/>
               <a:buChar char="-"/>
             </a:pPr>
             <a:r>
-              <a:rPr lang="en-US" altLang="ko-KR" sz="2800" dirty="0" smtClean="0">
+              <a:rPr lang="en-US" altLang="ko-KR" sz="2800" dirty="0">
                 <a:latin typeface="리디바탕" panose="020B0600000101010101" pitchFamily="34" charset="-127"/>
                 <a:ea typeface="리디바탕" panose="020B0600000101010101" pitchFamily="34" charset="-127"/>
               </a:rPr>
               <a:t>BIM </a:t>
             </a:r>
             <a:r>
-              <a:rPr lang="ko-KR" altLang="en-US" sz="2800" dirty="0" smtClean="0">
+              <a:rPr lang="ko-KR" altLang="en-US" sz="2800" dirty="0">
                 <a:latin typeface="리디바탕" panose="020B0600000101010101" pitchFamily="34" charset="-127"/>
                 <a:ea typeface="리디바탕" panose="020B0600000101010101" pitchFamily="34" charset="-127"/>
               </a:rPr>
               <a:t>유치 노력 단계에서 </a:t>
             </a:r>
-            <a:endParaRPr lang="en-US" altLang="ko-KR" sz="2800" dirty="0" smtClean="0">
+            <a:endParaRPr lang="en-US" altLang="ko-KR" sz="2800" dirty="0">
               <a:latin typeface="리디바탕" panose="020B0600000101010101" pitchFamily="34" charset="-127"/>
               <a:ea typeface="리디바탕" panose="020B0600000101010101" pitchFamily="34" charset="-127"/>
             </a:endParaRPr>
@@ -7227,37 +7005,27 @@
               <a:buChar char="-"/>
             </a:pPr>
             <a:r>
-              <a:rPr lang="ko-KR" altLang="en-US" sz="2800" dirty="0" smtClean="0">
+              <a:rPr lang="ko-KR" altLang="en-US" sz="2800" dirty="0">
                 <a:latin typeface="리디바탕" panose="020B0600000101010101" pitchFamily="34" charset="-127"/>
                 <a:ea typeface="리디바탕" panose="020B0600000101010101" pitchFamily="34" charset="-127"/>
               </a:rPr>
               <a:t>건축 </a:t>
             </a:r>
             <a:r>
-              <a:rPr lang="ko-KR" altLang="en-US" sz="2800" dirty="0" err="1" smtClean="0">
+              <a:rPr lang="ko-KR" altLang="en-US" sz="2800" dirty="0" err="1">
                 <a:latin typeface="리디바탕" panose="020B0600000101010101" pitchFamily="34" charset="-127"/>
                 <a:ea typeface="리디바탕" panose="020B0600000101010101" pitchFamily="34" charset="-127"/>
               </a:rPr>
               <a:t>설계업</a:t>
             </a:r>
             <a:r>
-              <a:rPr lang="ko-KR" altLang="en-US" sz="2800" dirty="0" smtClean="0">
+              <a:rPr lang="ko-KR" altLang="en-US" sz="2800" dirty="0">
                 <a:latin typeface="리디바탕" panose="020B0600000101010101" pitchFamily="34" charset="-127"/>
                 <a:ea typeface="리디바탕" panose="020B0600000101010101" pitchFamily="34" charset="-127"/>
               </a:rPr>
               <a:t> 사무자동화 추진 단계에서</a:t>
             </a:r>
             <a:endParaRPr lang="en-US" altLang="ko-KR" sz="2800" dirty="0">
-              <a:latin typeface="리디바탕" panose="020B0600000101010101" pitchFamily="34" charset="-127"/>
-              <a:ea typeface="리디바탕" panose="020B0600000101010101" pitchFamily="34" charset="-127"/>
-            </a:endParaRPr>
-          </a:p>
-          <a:p>
-            <a:pPr marL="457200" indent="-457200">
-              <a:buFontTx/>
-              <a:buChar char="-"/>
-            </a:pPr>
-            <a:endParaRPr lang="en-US" altLang="ko-KR" sz="2800" dirty="0" smtClean="0">
               <a:latin typeface="리디바탕" panose="020B0600000101010101" pitchFamily="34" charset="-127"/>
               <a:ea typeface="리디바탕" panose="020B0600000101010101" pitchFamily="34" charset="-127"/>
             </a:endParaRPr>
@@ -7273,15 +7041,25 @@
             </a:endParaRPr>
           </a:p>
           <a:p>
-            <a:r>
-              <a:rPr lang="ko-KR" altLang="en-US" sz="2800" dirty="0" smtClean="0">
+            <a:pPr marL="457200" indent="-457200">
+              <a:buFontTx/>
+              <a:buChar char="-"/>
+            </a:pPr>
+            <a:endParaRPr lang="en-US" altLang="ko-KR" sz="2800" dirty="0">
+              <a:latin typeface="리디바탕" panose="020B0600000101010101" pitchFamily="34" charset="-127"/>
+              <a:ea typeface="리디바탕" panose="020B0600000101010101" pitchFamily="34" charset="-127"/>
+            </a:endParaRPr>
+          </a:p>
+          <a:p>
+            <a:r>
+              <a:rPr lang="ko-KR" altLang="en-US" sz="2800" dirty="0">
                 <a:latin typeface="리디바탕" panose="020B0600000101010101" pitchFamily="34" charset="-127"/>
                 <a:ea typeface="리디바탕" panose="020B0600000101010101" pitchFamily="34" charset="-127"/>
               </a:rPr>
               <a:t>가능한 것인가</a:t>
             </a:r>
             <a:r>
-              <a:rPr lang="en-US" altLang="ko-KR" sz="2800" dirty="0" smtClean="0">
+              <a:rPr lang="en-US" altLang="ko-KR" sz="2800" dirty="0">
                 <a:latin typeface="리디바탕" panose="020B0600000101010101" pitchFamily="34" charset="-127"/>
                 <a:ea typeface="리디바탕" panose="020B0600000101010101" pitchFamily="34" charset="-127"/>
               </a:rPr>
@@ -7304,13 +7082,6 @@
   <p:clrMapOvr>
     <a:masterClrMapping/>
   </p:clrMapOvr>
-  <p:timing>
-    <p:tnLst>
-      <p:par>
-        <p:cTn id="1" dur="indefinite" restart="never" nodeType="tmRoot"/>
-      </p:par>
-    </p:tnLst>
-  </p:timing>
 </p:sld>
 </file>
 
@@ -7354,74 +7125,74 @@
           <a:lstStyle/>
           <a:p>
             <a:r>
-              <a:rPr lang="ko-KR" altLang="en-US" sz="2800" dirty="0" smtClean="0">
+              <a:rPr lang="ko-KR" altLang="en-US" sz="2800" dirty="0">
                 <a:latin typeface="리디바탕" panose="020B0600000101010101" pitchFamily="34" charset="-127"/>
                 <a:ea typeface="리디바탕" panose="020B0600000101010101" pitchFamily="34" charset="-127"/>
               </a:rPr>
               <a:t>팀 내에서</a:t>
             </a:r>
-            <a:endParaRPr lang="en-US" altLang="ko-KR" sz="2800" dirty="0" smtClean="0">
+            <a:endParaRPr lang="en-US" altLang="ko-KR" sz="2800" dirty="0">
               <a:latin typeface="리디바탕" panose="020B0600000101010101" pitchFamily="34" charset="-127"/>
               <a:ea typeface="리디바탕" panose="020B0600000101010101" pitchFamily="34" charset="-127"/>
             </a:endParaRPr>
           </a:p>
           <a:p>
             <a:r>
-              <a:rPr lang="ko-KR" altLang="en-US" sz="2800" dirty="0" smtClean="0">
+              <a:rPr lang="ko-KR" altLang="en-US" sz="2800" dirty="0">
                 <a:latin typeface="리디바탕" panose="020B0600000101010101" pitchFamily="34" charset="-127"/>
                 <a:ea typeface="리디바탕" panose="020B0600000101010101" pitchFamily="34" charset="-127"/>
               </a:rPr>
               <a:t>동시 다발적으로 일어나는 </a:t>
             </a:r>
             <a:r>
-              <a:rPr lang="ko-KR" altLang="en-US" sz="2800" dirty="0" err="1" smtClean="0">
+              <a:rPr lang="ko-KR" altLang="en-US" sz="2800" dirty="0" err="1">
                 <a:latin typeface="리디바탕" panose="020B0600000101010101" pitchFamily="34" charset="-127"/>
                 <a:ea typeface="리디바탕" panose="020B0600000101010101" pitchFamily="34" charset="-127"/>
               </a:rPr>
               <a:t>바텀</a:t>
             </a:r>
             <a:r>
-              <a:rPr lang="en-US" altLang="ko-KR" sz="2800" dirty="0" smtClean="0">
+              <a:rPr lang="en-US" altLang="ko-KR" sz="2800" dirty="0">
                 <a:latin typeface="리디바탕" panose="020B0600000101010101" pitchFamily="34" charset="-127"/>
                 <a:ea typeface="리디바탕" panose="020B0600000101010101" pitchFamily="34" charset="-127"/>
               </a:rPr>
               <a:t>-</a:t>
             </a:r>
             <a:r>
-              <a:rPr lang="ko-KR" altLang="en-US" sz="2800" dirty="0" smtClean="0">
+              <a:rPr lang="ko-KR" altLang="en-US" sz="2800" dirty="0">
                 <a:latin typeface="리디바탕" panose="020B0600000101010101" pitchFamily="34" charset="-127"/>
                 <a:ea typeface="리디바탕" panose="020B0600000101010101" pitchFamily="34" charset="-127"/>
               </a:rPr>
               <a:t>업 설계들을 모아서</a:t>
             </a:r>
-            <a:endParaRPr lang="en-US" altLang="ko-KR" sz="2800" dirty="0" smtClean="0">
+            <a:endParaRPr lang="en-US" altLang="ko-KR" sz="2800" dirty="0">
               <a:latin typeface="리디바탕" panose="020B0600000101010101" pitchFamily="34" charset="-127"/>
               <a:ea typeface="리디바탕" panose="020B0600000101010101" pitchFamily="34" charset="-127"/>
             </a:endParaRPr>
           </a:p>
           <a:p>
             <a:r>
-              <a:rPr lang="ko-KR" altLang="en-US" sz="2800" dirty="0" smtClean="0">
+              <a:rPr lang="ko-KR" altLang="en-US" sz="2800" dirty="0">
                 <a:latin typeface="리디바탕" panose="020B0600000101010101" pitchFamily="34" charset="-127"/>
                 <a:ea typeface="리디바탕" panose="020B0600000101010101" pitchFamily="34" charset="-127"/>
               </a:rPr>
               <a:t>상향식 애자일 프로세스로 통합하는 것이</a:t>
             </a:r>
-            <a:endParaRPr lang="en-US" altLang="ko-KR" sz="2800" dirty="0" smtClean="0">
+            <a:endParaRPr lang="en-US" altLang="ko-KR" sz="2800" dirty="0">
               <a:latin typeface="리디바탕" panose="020B0600000101010101" pitchFamily="34" charset="-127"/>
               <a:ea typeface="리디바탕" panose="020B0600000101010101" pitchFamily="34" charset="-127"/>
             </a:endParaRPr>
           </a:p>
           <a:p>
             <a:r>
-              <a:rPr lang="ko-KR" altLang="en-US" sz="2800" dirty="0" smtClean="0">
+              <a:rPr lang="ko-KR" altLang="en-US" sz="2800" dirty="0">
                 <a:latin typeface="리디바탕" panose="020B0600000101010101" pitchFamily="34" charset="-127"/>
                 <a:ea typeface="리디바탕" panose="020B0600000101010101" pitchFamily="34" charset="-127"/>
               </a:rPr>
               <a:t>바람직한 방향일 수도 있다</a:t>
             </a:r>
             <a:r>
-              <a:rPr lang="en-US" altLang="ko-KR" sz="2800" dirty="0" smtClean="0">
+              <a:rPr lang="en-US" altLang="ko-KR" sz="2800" dirty="0">
                 <a:latin typeface="리디바탕" panose="020B0600000101010101" pitchFamily="34" charset="-127"/>
                 <a:ea typeface="리디바탕" panose="020B0600000101010101" pitchFamily="34" charset="-127"/>
               </a:rPr>
@@ -7453,7 +7224,7 @@
           <a:lstStyle/>
           <a:p>
             <a:r>
-              <a:rPr lang="ko-KR" altLang="en-US" sz="2800" dirty="0" smtClean="0">
+              <a:rPr lang="ko-KR" altLang="en-US" sz="2800" dirty="0">
                 <a:solidFill>
                   <a:schemeClr val="bg1">
                     <a:lumMod val="75000"/>
@@ -7465,7 +7236,7 @@
               <a:t>과연 탑</a:t>
             </a:r>
             <a:r>
-              <a:rPr lang="en-US" altLang="ko-KR" sz="2800" dirty="0" smtClean="0">
+              <a:rPr lang="en-US" altLang="ko-KR" sz="2800" dirty="0">
                 <a:solidFill>
                   <a:schemeClr val="bg1">
                     <a:lumMod val="75000"/>
@@ -7477,7 +7248,7 @@
               <a:t>-</a:t>
             </a:r>
             <a:r>
-              <a:rPr lang="ko-KR" altLang="en-US" sz="2800" dirty="0" smtClean="0">
+              <a:rPr lang="ko-KR" altLang="en-US" sz="2800" dirty="0">
                 <a:solidFill>
                   <a:schemeClr val="bg1">
                     <a:lumMod val="75000"/>
@@ -7488,17 +7259,6 @@
               </a:rPr>
               <a:t>다운 방식의 개발이 현재의</a:t>
             </a:r>
-            <a:endParaRPr lang="en-US" altLang="ko-KR" sz="2800" dirty="0" smtClean="0">
-              <a:solidFill>
-                <a:schemeClr val="bg1">
-                  <a:lumMod val="75000"/>
-                </a:schemeClr>
-              </a:solidFill>
-              <a:latin typeface="리디바탕" panose="020B0600000101010101" pitchFamily="34" charset="-127"/>
-              <a:ea typeface="리디바탕" panose="020B0600000101010101" pitchFamily="34" charset="-127"/>
-            </a:endParaRPr>
-          </a:p>
-          <a:p>
             <a:endParaRPr lang="en-US" altLang="ko-KR" sz="2800" dirty="0">
               <a:solidFill>
                 <a:schemeClr val="bg1">
@@ -7510,85 +7270,6 @@
             </a:endParaRPr>
           </a:p>
           <a:p>
-            <a:pPr marL="457200" indent="-457200">
-              <a:buFontTx/>
-              <a:buChar char="-"/>
-            </a:pPr>
-            <a:r>
-              <a:rPr lang="en-US" altLang="ko-KR" sz="2800" dirty="0" smtClean="0">
-                <a:solidFill>
-                  <a:schemeClr val="bg1">
-                    <a:lumMod val="75000"/>
-                  </a:schemeClr>
-                </a:solidFill>
-                <a:latin typeface="리디바탕" panose="020B0600000101010101" pitchFamily="34" charset="-127"/>
-                <a:ea typeface="리디바탕" panose="020B0600000101010101" pitchFamily="34" charset="-127"/>
-              </a:rPr>
-              <a:t>BIM </a:t>
-            </a:r>
-            <a:r>
-              <a:rPr lang="ko-KR" altLang="en-US" sz="2800" dirty="0" smtClean="0">
-                <a:solidFill>
-                  <a:schemeClr val="bg1">
-                    <a:lumMod val="75000"/>
-                  </a:schemeClr>
-                </a:solidFill>
-                <a:latin typeface="리디바탕" panose="020B0600000101010101" pitchFamily="34" charset="-127"/>
-                <a:ea typeface="리디바탕" panose="020B0600000101010101" pitchFamily="34" charset="-127"/>
-              </a:rPr>
-              <a:t>유치 노력 단계에서 </a:t>
-            </a:r>
-            <a:endParaRPr lang="en-US" altLang="ko-KR" sz="2800" dirty="0" smtClean="0">
-              <a:solidFill>
-                <a:schemeClr val="bg1">
-                  <a:lumMod val="75000"/>
-                </a:schemeClr>
-              </a:solidFill>
-              <a:latin typeface="리디바탕" panose="020B0600000101010101" pitchFamily="34" charset="-127"/>
-              <a:ea typeface="리디바탕" panose="020B0600000101010101" pitchFamily="34" charset="-127"/>
-            </a:endParaRPr>
-          </a:p>
-          <a:p>
-            <a:pPr marL="457200" indent="-457200">
-              <a:buFontTx/>
-              <a:buChar char="-"/>
-            </a:pPr>
-            <a:r>
-              <a:rPr lang="ko-KR" altLang="en-US" sz="2800" dirty="0" smtClean="0">
-                <a:solidFill>
-                  <a:schemeClr val="bg1">
-                    <a:lumMod val="75000"/>
-                  </a:schemeClr>
-                </a:solidFill>
-                <a:latin typeface="리디바탕" panose="020B0600000101010101" pitchFamily="34" charset="-127"/>
-                <a:ea typeface="리디바탕" panose="020B0600000101010101" pitchFamily="34" charset="-127"/>
-              </a:rPr>
-              <a:t>건축 </a:t>
-            </a:r>
-            <a:r>
-              <a:rPr lang="ko-KR" altLang="en-US" sz="2800" dirty="0" err="1" smtClean="0">
-                <a:solidFill>
-                  <a:schemeClr val="bg1">
-                    <a:lumMod val="75000"/>
-                  </a:schemeClr>
-                </a:solidFill>
-                <a:latin typeface="리디바탕" panose="020B0600000101010101" pitchFamily="34" charset="-127"/>
-                <a:ea typeface="리디바탕" panose="020B0600000101010101" pitchFamily="34" charset="-127"/>
-              </a:rPr>
-              <a:t>설계업</a:t>
-            </a:r>
-            <a:r>
-              <a:rPr lang="ko-KR" altLang="en-US" sz="2800" dirty="0" smtClean="0">
-                <a:solidFill>
-                  <a:schemeClr val="bg1">
-                    <a:lumMod val="75000"/>
-                  </a:schemeClr>
-                </a:solidFill>
-                <a:latin typeface="리디바탕" panose="020B0600000101010101" pitchFamily="34" charset="-127"/>
-                <a:ea typeface="리디바탕" panose="020B0600000101010101" pitchFamily="34" charset="-127"/>
-              </a:rPr>
-              <a:t> 사무자동화 추진 단계에서</a:t>
-            </a:r>
             <a:endParaRPr lang="en-US" altLang="ko-KR" sz="2800" dirty="0">
               <a:solidFill>
                 <a:schemeClr val="bg1">
@@ -7604,7 +7285,82 @@
               <a:buFontTx/>
               <a:buChar char="-"/>
             </a:pPr>
-            <a:endParaRPr lang="en-US" altLang="ko-KR" sz="2800" dirty="0" smtClean="0">
+            <a:r>
+              <a:rPr lang="en-US" altLang="ko-KR" sz="2800" dirty="0">
+                <a:solidFill>
+                  <a:schemeClr val="bg1">
+                    <a:lumMod val="75000"/>
+                  </a:schemeClr>
+                </a:solidFill>
+                <a:latin typeface="리디바탕" panose="020B0600000101010101" pitchFamily="34" charset="-127"/>
+                <a:ea typeface="리디바탕" panose="020B0600000101010101" pitchFamily="34" charset="-127"/>
+              </a:rPr>
+              <a:t>BIM </a:t>
+            </a:r>
+            <a:r>
+              <a:rPr lang="ko-KR" altLang="en-US" sz="2800" dirty="0">
+                <a:solidFill>
+                  <a:schemeClr val="bg1">
+                    <a:lumMod val="75000"/>
+                  </a:schemeClr>
+                </a:solidFill>
+                <a:latin typeface="리디바탕" panose="020B0600000101010101" pitchFamily="34" charset="-127"/>
+                <a:ea typeface="리디바탕" panose="020B0600000101010101" pitchFamily="34" charset="-127"/>
+              </a:rPr>
+              <a:t>유치 노력 단계에서 </a:t>
+            </a:r>
+            <a:endParaRPr lang="en-US" altLang="ko-KR" sz="2800" dirty="0">
+              <a:solidFill>
+                <a:schemeClr val="bg1">
+                  <a:lumMod val="75000"/>
+                </a:schemeClr>
+              </a:solidFill>
+              <a:latin typeface="리디바탕" panose="020B0600000101010101" pitchFamily="34" charset="-127"/>
+              <a:ea typeface="리디바탕" panose="020B0600000101010101" pitchFamily="34" charset="-127"/>
+            </a:endParaRPr>
+          </a:p>
+          <a:p>
+            <a:pPr marL="457200" indent="-457200">
+              <a:buFontTx/>
+              <a:buChar char="-"/>
+            </a:pPr>
+            <a:r>
+              <a:rPr lang="ko-KR" altLang="en-US" sz="2800" dirty="0">
+                <a:solidFill>
+                  <a:schemeClr val="bg1">
+                    <a:lumMod val="75000"/>
+                  </a:schemeClr>
+                </a:solidFill>
+                <a:latin typeface="리디바탕" panose="020B0600000101010101" pitchFamily="34" charset="-127"/>
+                <a:ea typeface="리디바탕" panose="020B0600000101010101" pitchFamily="34" charset="-127"/>
+              </a:rPr>
+              <a:t>건축 </a:t>
+            </a:r>
+            <a:r>
+              <a:rPr lang="ko-KR" altLang="en-US" sz="2800" dirty="0" err="1">
+                <a:solidFill>
+                  <a:schemeClr val="bg1">
+                    <a:lumMod val="75000"/>
+                  </a:schemeClr>
+                </a:solidFill>
+                <a:latin typeface="리디바탕" panose="020B0600000101010101" pitchFamily="34" charset="-127"/>
+                <a:ea typeface="리디바탕" panose="020B0600000101010101" pitchFamily="34" charset="-127"/>
+              </a:rPr>
+              <a:t>설계업</a:t>
+            </a:r>
+            <a:r>
+              <a:rPr lang="ko-KR" altLang="en-US" sz="2800" dirty="0">
+                <a:solidFill>
+                  <a:schemeClr val="bg1">
+                    <a:lumMod val="75000"/>
+                  </a:schemeClr>
+                </a:solidFill>
+                <a:latin typeface="리디바탕" panose="020B0600000101010101" pitchFamily="34" charset="-127"/>
+                <a:ea typeface="리디바탕" panose="020B0600000101010101" pitchFamily="34" charset="-127"/>
+              </a:rPr>
+              <a:t> 사무자동화 추진 단계에서</a:t>
+            </a:r>
+            <a:endParaRPr lang="en-US" altLang="ko-KR" sz="2800" dirty="0">
               <a:solidFill>
                 <a:schemeClr val="bg1">
                   <a:lumMod val="75000"/>
@@ -7630,8 +7386,23 @@
             </a:endParaRPr>
           </a:p>
           <a:p>
-            <a:r>
-              <a:rPr lang="ko-KR" altLang="en-US" sz="2800" dirty="0" smtClean="0">
+            <a:pPr marL="457200" indent="-457200">
+              <a:buFontTx/>
+              <a:buChar char="-"/>
+            </a:pPr>
+            <a:endParaRPr lang="en-US" altLang="ko-KR" sz="2800" dirty="0">
+              <a:solidFill>
+                <a:schemeClr val="bg1">
+                  <a:lumMod val="75000"/>
+                </a:schemeClr>
+              </a:solidFill>
+              <a:latin typeface="리디바탕" panose="020B0600000101010101" pitchFamily="34" charset="-127"/>
+              <a:ea typeface="리디바탕" panose="020B0600000101010101" pitchFamily="34" charset="-127"/>
+            </a:endParaRPr>
+          </a:p>
+          <a:p>
+            <a:r>
+              <a:rPr lang="ko-KR" altLang="en-US" sz="2800" dirty="0">
                 <a:solidFill>
                   <a:schemeClr val="bg1">
                     <a:lumMod val="75000"/>
@@ -7643,7 +7414,7 @@
               <a:t>가능한 것인가</a:t>
             </a:r>
             <a:r>
-              <a:rPr lang="en-US" altLang="ko-KR" sz="2800" dirty="0" smtClean="0">
+              <a:rPr lang="en-US" altLang="ko-KR" sz="2800" dirty="0">
                 <a:solidFill>
                   <a:schemeClr val="bg1">
                     <a:lumMod val="75000"/>
@@ -7676,13 +7447,6 @@
   <p:clrMapOvr>
     <a:masterClrMapping/>
   </p:clrMapOvr>
-  <p:timing>
-    <p:tnLst>
-      <p:par>
-        <p:cTn id="1" dur="indefinite" restart="never" nodeType="tmRoot"/>
-      </p:par>
-    </p:tnLst>
-  </p:timing>
 </p:sld>
 </file>
 
@@ -7727,16 +7491,12 @@
           <a:p>
             <a:pPr algn="ctr"/>
             <a:r>
-              <a:rPr lang="ko-KR" altLang="en-US" sz="2400" dirty="0" smtClean="0">
+              <a:rPr lang="ko-KR" altLang="en-US" sz="2400" dirty="0">
                 <a:latin typeface="리디바탕" panose="020B0600000101010101" pitchFamily="34" charset="-127"/>
                 <a:ea typeface="리디바탕" panose="020B0600000101010101" pitchFamily="34" charset="-127"/>
               </a:rPr>
               <a:t>컴퓨터의 능력을 조금 더 우리의 업무에 보탬이 되도록 변환해 보기 위해서</a:t>
             </a:r>
-            <a:endParaRPr lang="ko-KR" altLang="en-US" sz="2400" dirty="0">
-              <a:latin typeface="리디바탕" panose="020B0600000101010101" pitchFamily="34" charset="-127"/>
-              <a:ea typeface="리디바탕" panose="020B0600000101010101" pitchFamily="34" charset="-127"/>
-            </a:endParaRPr>
           </a:p>
         </p:txBody>
       </p:sp>
@@ -7750,13 +7510,6 @@
   <p:clrMapOvr>
     <a:masterClrMapping/>
   </p:clrMapOvr>
-  <p:timing>
-    <p:tnLst>
-      <p:par>
-        <p:cTn id="1" dur="indefinite" restart="never" nodeType="tmRoot"/>
-      </p:par>
-    </p:tnLst>
-  </p:timing>
 </p:sld>
 </file>
 
@@ -7800,14 +7553,14 @@
           <a:lstStyle/>
           <a:p>
             <a:r>
-              <a:rPr lang="ko-KR" altLang="en-US" sz="2800" dirty="0" smtClean="0">
+              <a:rPr lang="ko-KR" altLang="en-US" sz="2800" dirty="0">
                 <a:latin typeface="리디바탕" panose="020B0600000101010101" pitchFamily="34" charset="-127"/>
                 <a:ea typeface="리디바탕" panose="020B0600000101010101" pitchFamily="34" charset="-127"/>
               </a:rPr>
               <a:t>이제 코딩 이야기 잠깐 해보겠습니다</a:t>
             </a:r>
             <a:r>
-              <a:rPr lang="en-US" altLang="ko-KR" sz="2800" dirty="0" smtClean="0">
+              <a:rPr lang="en-US" altLang="ko-KR" sz="2800" dirty="0">
                 <a:latin typeface="리디바탕" panose="020B0600000101010101" pitchFamily="34" charset="-127"/>
                 <a:ea typeface="리디바탕" panose="020B0600000101010101" pitchFamily="34" charset="-127"/>
               </a:rPr>
@@ -7830,13 +7583,6 @@
   <p:clrMapOvr>
     <a:masterClrMapping/>
   </p:clrMapOvr>
-  <p:timing>
-    <p:tnLst>
-      <p:par>
-        <p:cTn id="1" dur="indefinite" restart="never" nodeType="tmRoot"/>
-      </p:par>
-    </p:tnLst>
-  </p:timing>
 </p:sld>
 </file>
 
@@ -7880,7 +7626,7 @@
           <a:lstStyle/>
           <a:p>
             <a:r>
-              <a:rPr lang="en-US" altLang="ko-KR" sz="2800" dirty="0" smtClean="0">
+              <a:rPr lang="en-US" altLang="ko-KR" sz="2800" dirty="0">
                 <a:latin typeface="리디바탕" panose="020B0600000101010101" pitchFamily="34" charset="-127"/>
                 <a:ea typeface="리디바탕" panose="020B0600000101010101" pitchFamily="34" charset="-127"/>
               </a:rPr>
@@ -7903,13 +7649,6 @@
   <p:clrMapOvr>
     <a:masterClrMapping/>
   </p:clrMapOvr>
-  <p:timing>
-    <p:tnLst>
-      <p:par>
-        <p:cTn id="1" dur="indefinite" restart="never" nodeType="tmRoot"/>
-      </p:par>
-    </p:tnLst>
-  </p:timing>
 </p:sld>
 </file>
 
@@ -7953,151 +7692,86 @@
           <a:lstStyle/>
           <a:p>
             <a:r>
-              <a:rPr lang="en-US" altLang="ko-KR" sz="2000" dirty="0" smtClean="0">
+              <a:rPr lang="en-US" altLang="ko-KR" sz="2000" dirty="0">
                 <a:latin typeface="리디바탕" panose="020B0600000101010101" pitchFamily="34" charset="-127"/>
                 <a:ea typeface="리디바탕" panose="020B0600000101010101" pitchFamily="34" charset="-127"/>
               </a:rPr>
               <a:t> Read-</a:t>
             </a:r>
             <a:r>
-              <a:rPr lang="en-US" altLang="ko-KR" sz="2000" dirty="0" err="1" smtClean="0">
+              <a:rPr lang="en-US" altLang="ko-KR" sz="2000" dirty="0" err="1">
                 <a:latin typeface="리디바탕" panose="020B0600000101010101" pitchFamily="34" charset="-127"/>
                 <a:ea typeface="리디바탕" panose="020B0600000101010101" pitchFamily="34" charset="-127"/>
               </a:rPr>
               <a:t>Eval</a:t>
             </a:r>
             <a:r>
-              <a:rPr lang="en-US" altLang="ko-KR" sz="2000" dirty="0" smtClean="0">
+              <a:rPr lang="en-US" altLang="ko-KR" sz="2000" dirty="0">
                 <a:latin typeface="리디바탕" panose="020B0600000101010101" pitchFamily="34" charset="-127"/>
                 <a:ea typeface="리디바탕" panose="020B0600000101010101" pitchFamily="34" charset="-127"/>
               </a:rPr>
               <a:t>-Print-Loop</a:t>
             </a:r>
             <a:r>
-              <a:rPr lang="ko-KR" altLang="en-US" sz="2000" dirty="0" smtClean="0">
+              <a:rPr lang="ko-KR" altLang="en-US" sz="2000" dirty="0">
                 <a:latin typeface="리디바탕" panose="020B0600000101010101" pitchFamily="34" charset="-127"/>
                 <a:ea typeface="리디바탕" panose="020B0600000101010101" pitchFamily="34" charset="-127"/>
               </a:rPr>
               <a:t>의 약자</a:t>
             </a:r>
-            <a:endParaRPr lang="en-US" altLang="ko-KR" sz="2000" dirty="0" smtClean="0">
+            <a:endParaRPr lang="en-US" altLang="ko-KR" sz="2000" dirty="0">
               <a:latin typeface="리디바탕" panose="020B0600000101010101" pitchFamily="34" charset="-127"/>
               <a:ea typeface="리디바탕" panose="020B0600000101010101" pitchFamily="34" charset="-127"/>
             </a:endParaRPr>
           </a:p>
           <a:p>
-            <a:endParaRPr lang="en-US" altLang="ko-KR" sz="2000" dirty="0" smtClean="0">
+            <a:endParaRPr lang="en-US" altLang="ko-KR" sz="2000" dirty="0">
               <a:latin typeface="리디바탕" panose="020B0600000101010101" pitchFamily="34" charset="-127"/>
               <a:ea typeface="리디바탕" panose="020B0600000101010101" pitchFamily="34" charset="-127"/>
             </a:endParaRPr>
           </a:p>
           <a:p>
             <a:r>
-              <a:rPr lang="ko-KR" altLang="en-US" sz="2000" dirty="0" smtClean="0">
+              <a:rPr lang="ko-KR" altLang="en-US" sz="2000" dirty="0">
                 <a:latin typeface="리디바탕" panose="020B0600000101010101" pitchFamily="34" charset="-127"/>
                 <a:ea typeface="리디바탕" panose="020B0600000101010101" pitchFamily="34" charset="-127"/>
               </a:rPr>
               <a:t>사용자가 입력한 명령어</a:t>
             </a:r>
             <a:r>
-              <a:rPr lang="en-US" altLang="ko-KR" sz="2000" dirty="0" smtClean="0">
+              <a:rPr lang="en-US" altLang="ko-KR" sz="2000" dirty="0">
                 <a:latin typeface="리디바탕" panose="020B0600000101010101" pitchFamily="34" charset="-127"/>
                 <a:ea typeface="리디바탕" panose="020B0600000101010101" pitchFamily="34" charset="-127"/>
               </a:rPr>
               <a:t>(</a:t>
             </a:r>
             <a:r>
-              <a:rPr lang="ko-KR" altLang="en-US" sz="2000" dirty="0" smtClean="0">
+              <a:rPr lang="ko-KR" altLang="en-US" sz="2000" dirty="0">
                 <a:latin typeface="리디바탕" panose="020B0600000101010101" pitchFamily="34" charset="-127"/>
                 <a:ea typeface="리디바탕" panose="020B0600000101010101" pitchFamily="34" charset="-127"/>
               </a:rPr>
               <a:t>소스코드</a:t>
             </a:r>
             <a:r>
-              <a:rPr lang="en-US" altLang="ko-KR" sz="2000" dirty="0" smtClean="0">
+              <a:rPr lang="en-US" altLang="ko-KR" sz="2000" dirty="0">
                 <a:latin typeface="리디바탕" panose="020B0600000101010101" pitchFamily="34" charset="-127"/>
                 <a:ea typeface="리디바탕" panose="020B0600000101010101" pitchFamily="34" charset="-127"/>
               </a:rPr>
               <a:t>)</a:t>
             </a:r>
             <a:r>
-              <a:rPr lang="ko-KR" altLang="en-US" sz="2000" dirty="0" smtClean="0">
+              <a:rPr lang="ko-KR" altLang="en-US" sz="2000" dirty="0">
                 <a:latin typeface="리디바탕" panose="020B0600000101010101" pitchFamily="34" charset="-127"/>
                 <a:ea typeface="리디바탕" panose="020B0600000101010101" pitchFamily="34" charset="-127"/>
               </a:rPr>
               <a:t>를 읽고</a:t>
             </a:r>
             <a:r>
-              <a:rPr lang="en-US" altLang="ko-KR" sz="2000" dirty="0" smtClean="0">
+              <a:rPr lang="en-US" altLang="ko-KR" sz="2000" dirty="0">
                 <a:latin typeface="리디바탕" panose="020B0600000101010101" pitchFamily="34" charset="-127"/>
                 <a:ea typeface="리디바탕" panose="020B0600000101010101" pitchFamily="34" charset="-127"/>
               </a:rPr>
               <a:t> </a:t>
-            </a:r>
-            <a:r>
-              <a:rPr lang="en-US" altLang="ko-KR" sz="2000" dirty="0" smtClean="0">
-                <a:solidFill>
-                  <a:srgbClr val="FF0000"/>
-                </a:solidFill>
-                <a:latin typeface="리디바탕" panose="020B0600000101010101" pitchFamily="34" charset="-127"/>
-                <a:ea typeface="리디바탕" panose="020B0600000101010101" pitchFamily="34" charset="-127"/>
-              </a:rPr>
-              <a:t>&lt;Read&gt;,</a:t>
-            </a:r>
-          </a:p>
-          <a:p>
-            <a:r>
-              <a:rPr lang="ko-KR" altLang="en-US" sz="2000" dirty="0" smtClean="0">
-                <a:latin typeface="리디바탕" panose="020B0600000101010101" pitchFamily="34" charset="-127"/>
-                <a:ea typeface="리디바탕" panose="020B0600000101010101" pitchFamily="34" charset="-127"/>
-              </a:rPr>
-              <a:t>명령어를 평가하고</a:t>
-            </a:r>
-            <a:r>
-              <a:rPr lang="en-US" altLang="ko-KR" sz="2000" dirty="0" smtClean="0">
-                <a:solidFill>
-                  <a:srgbClr val="FF0000"/>
-                </a:solidFill>
-                <a:latin typeface="리디바탕" panose="020B0600000101010101" pitchFamily="34" charset="-127"/>
-                <a:ea typeface="리디바탕" panose="020B0600000101010101" pitchFamily="34" charset="-127"/>
-              </a:rPr>
-              <a:t>&lt;</a:t>
-            </a:r>
-            <a:r>
-              <a:rPr lang="en-US" altLang="ko-KR" sz="2000" dirty="0" err="1" smtClean="0">
-                <a:solidFill>
-                  <a:srgbClr val="FF0000"/>
-                </a:solidFill>
-                <a:latin typeface="리디바탕" panose="020B0600000101010101" pitchFamily="34" charset="-127"/>
-                <a:ea typeface="리디바탕" panose="020B0600000101010101" pitchFamily="34" charset="-127"/>
-              </a:rPr>
-              <a:t>Eval</a:t>
-            </a:r>
-            <a:r>
-              <a:rPr lang="en-US" altLang="ko-KR" sz="2000" dirty="0" smtClean="0">
-                <a:solidFill>
-                  <a:srgbClr val="FF0000"/>
-                </a:solidFill>
-                <a:latin typeface="리디바탕" panose="020B0600000101010101" pitchFamily="34" charset="-127"/>
-                <a:ea typeface="리디바탕" panose="020B0600000101010101" pitchFamily="34" charset="-127"/>
-              </a:rPr>
-              <a:t>&gt;</a:t>
-            </a:r>
-            <a:r>
-              <a:rPr lang="en-US" altLang="ko-KR" sz="2000" dirty="0" smtClean="0">
-                <a:latin typeface="리디바탕" panose="020B0600000101010101" pitchFamily="34" charset="-127"/>
-                <a:ea typeface="리디바탕" panose="020B0600000101010101" pitchFamily="34" charset="-127"/>
-              </a:rPr>
-              <a:t>,</a:t>
-            </a:r>
-          </a:p>
-          <a:p>
-            <a:r>
-              <a:rPr lang="ko-KR" altLang="en-US" sz="2000" dirty="0" smtClean="0">
-                <a:latin typeface="리디바탕" panose="020B0600000101010101" pitchFamily="34" charset="-127"/>
-                <a:ea typeface="리디바탕" panose="020B0600000101010101" pitchFamily="34" charset="-127"/>
-              </a:rPr>
-              <a:t>결과를 출력한 다음</a:t>
             </a:r>
             <a:r>
               <a:rPr lang="en-US" altLang="ko-KR" sz="2000" dirty="0">
@@ -8107,53 +7781,108 @@
                 <a:latin typeface="리디바탕" panose="020B0600000101010101" pitchFamily="34" charset="-127"/>
                 <a:ea typeface="리디바탕" panose="020B0600000101010101" pitchFamily="34" charset="-127"/>
               </a:rPr>
-              <a:t>&lt;</a:t>
-            </a:r>
-            <a:r>
-              <a:rPr lang="en-US" altLang="ko-KR" sz="2000" dirty="0" smtClean="0">
+              <a:t>&lt;Read&gt;,</a:t>
+            </a:r>
+          </a:p>
+          <a:p>
+            <a:r>
+              <a:rPr lang="ko-KR" altLang="en-US" sz="2000" dirty="0">
+                <a:latin typeface="리디바탕" panose="020B0600000101010101" pitchFamily="34" charset="-127"/>
+                <a:ea typeface="리디바탕" panose="020B0600000101010101" pitchFamily="34" charset="-127"/>
+              </a:rPr>
+              <a:t>명령어를 평가하고</a:t>
+            </a:r>
+            <a:r>
+              <a:rPr lang="en-US" altLang="ko-KR" sz="2000" dirty="0">
                 <a:solidFill>
                   <a:srgbClr val="FF0000"/>
                 </a:solidFill>
                 <a:latin typeface="리디바탕" panose="020B0600000101010101" pitchFamily="34" charset="-127"/>
                 <a:ea typeface="리디바탕" panose="020B0600000101010101" pitchFamily="34" charset="-127"/>
               </a:rPr>
-              <a:t>Print&gt;</a:t>
-            </a:r>
-            <a:r>
-              <a:rPr lang="en-US" altLang="ko-KR" sz="2000" dirty="0" smtClean="0">
-                <a:latin typeface="리디바탕" panose="020B0600000101010101" pitchFamily="34" charset="-127"/>
-                <a:ea typeface="리디바탕" panose="020B0600000101010101" pitchFamily="34" charset="-127"/>
-              </a:rPr>
-              <a:t>,</a:t>
-            </a:r>
-          </a:p>
-          <a:p>
-            <a:r>
-              <a:rPr lang="ko-KR" altLang="en-US" sz="2000" dirty="0" smtClean="0">
-                <a:latin typeface="리디바탕" panose="020B0600000101010101" pitchFamily="34" charset="-127"/>
-                <a:ea typeface="리디바탕" panose="020B0600000101010101" pitchFamily="34" charset="-127"/>
-              </a:rPr>
-              <a:t>다시 입력을 기다리는 상태로 돌아가는 과정을 반복한다</a:t>
-            </a:r>
-            <a:r>
-              <a:rPr lang="en-US" altLang="ko-KR" sz="2000" dirty="0" smtClean="0">
-                <a:latin typeface="리디바탕" panose="020B0600000101010101" pitchFamily="34" charset="-127"/>
-                <a:ea typeface="리디바탕" panose="020B0600000101010101" pitchFamily="34" charset="-127"/>
-              </a:rPr>
-              <a:t> </a:t>
-            </a:r>
-            <a:r>
-              <a:rPr lang="en-US" altLang="ko-KR" sz="2000" dirty="0" smtClean="0">
+              <a:t>&lt;</a:t>
+            </a:r>
+            <a:r>
+              <a:rPr lang="en-US" altLang="ko-KR" sz="2000" dirty="0" err="1">
                 <a:solidFill>
                   <a:srgbClr val="FF0000"/>
                 </a:solidFill>
                 <a:latin typeface="리디바탕" panose="020B0600000101010101" pitchFamily="34" charset="-127"/>
                 <a:ea typeface="리디바탕" panose="020B0600000101010101" pitchFamily="34" charset="-127"/>
               </a:rPr>
+              <a:t>Eval</a:t>
+            </a:r>
+            <a:r>
+              <a:rPr lang="en-US" altLang="ko-KR" sz="2000" dirty="0">
+                <a:solidFill>
+                  <a:srgbClr val="FF0000"/>
+                </a:solidFill>
+                <a:latin typeface="리디바탕" panose="020B0600000101010101" pitchFamily="34" charset="-127"/>
+                <a:ea typeface="리디바탕" panose="020B0600000101010101" pitchFamily="34" charset="-127"/>
+              </a:rPr>
+              <a:t>&gt;</a:t>
+            </a:r>
+            <a:r>
+              <a:rPr lang="en-US" altLang="ko-KR" sz="2000" dirty="0">
+                <a:latin typeface="리디바탕" panose="020B0600000101010101" pitchFamily="34" charset="-127"/>
+                <a:ea typeface="리디바탕" panose="020B0600000101010101" pitchFamily="34" charset="-127"/>
+              </a:rPr>
+              <a:t>,</a:t>
+            </a:r>
+          </a:p>
+          <a:p>
+            <a:r>
+              <a:rPr lang="ko-KR" altLang="en-US" sz="2000" dirty="0">
+                <a:latin typeface="리디바탕" panose="020B0600000101010101" pitchFamily="34" charset="-127"/>
+                <a:ea typeface="리디바탕" panose="020B0600000101010101" pitchFamily="34" charset="-127"/>
+              </a:rPr>
+              <a:t>결과를 출력한 다음</a:t>
+            </a:r>
+            <a:r>
+              <a:rPr lang="en-US" altLang="ko-KR" sz="2000" dirty="0">
+                <a:solidFill>
+                  <a:srgbClr val="FF0000"/>
+                </a:solidFill>
+                <a:latin typeface="리디바탕" panose="020B0600000101010101" pitchFamily="34" charset="-127"/>
+                <a:ea typeface="리디바탕" panose="020B0600000101010101" pitchFamily="34" charset="-127"/>
+              </a:rPr>
+              <a:t>&lt;Print&gt;</a:t>
+            </a:r>
+            <a:r>
+              <a:rPr lang="en-US" altLang="ko-KR" sz="2000" dirty="0">
+                <a:latin typeface="리디바탕" panose="020B0600000101010101" pitchFamily="34" charset="-127"/>
+                <a:ea typeface="리디바탕" panose="020B0600000101010101" pitchFamily="34" charset="-127"/>
+              </a:rPr>
+              <a:t>,</a:t>
+            </a:r>
+          </a:p>
+          <a:p>
+            <a:r>
+              <a:rPr lang="ko-KR" altLang="en-US" sz="2000" dirty="0">
+                <a:latin typeface="리디바탕" panose="020B0600000101010101" pitchFamily="34" charset="-127"/>
+                <a:ea typeface="리디바탕" panose="020B0600000101010101" pitchFamily="34" charset="-127"/>
+              </a:rPr>
+              <a:t>다시 입력을 기다리는 상태로 돌아가는 과정을 반복한다</a:t>
+            </a:r>
+            <a:r>
+              <a:rPr lang="en-US" altLang="ko-KR" sz="2000" dirty="0">
+                <a:latin typeface="리디바탕" panose="020B0600000101010101" pitchFamily="34" charset="-127"/>
+                <a:ea typeface="리디바탕" panose="020B0600000101010101" pitchFamily="34" charset="-127"/>
+              </a:rPr>
+              <a:t> </a:t>
+            </a:r>
+            <a:r>
+              <a:rPr lang="en-US" altLang="ko-KR" sz="2000" dirty="0">
+                <a:solidFill>
+                  <a:srgbClr val="FF0000"/>
+                </a:solidFill>
+                <a:latin typeface="리디바탕" panose="020B0600000101010101" pitchFamily="34" charset="-127"/>
+                <a:ea typeface="리디바탕" panose="020B0600000101010101" pitchFamily="34" charset="-127"/>
+              </a:rPr>
               <a:t>&lt;Loop&gt;</a:t>
             </a:r>
             <a:r>
-              <a:rPr lang="en-US" altLang="ko-KR" sz="2000" dirty="0" smtClean="0">
+              <a:rPr lang="en-US" altLang="ko-KR" sz="2000" dirty="0">
                 <a:latin typeface="리디바탕" panose="020B0600000101010101" pitchFamily="34" charset="-127"/>
                 <a:ea typeface="리디바탕" panose="020B0600000101010101" pitchFamily="34" charset="-127"/>
               </a:rPr>
@@ -8189,7 +7918,7 @@
           <a:lstStyle/>
           <a:p>
             <a:r>
-              <a:rPr lang="en-US" altLang="ko-KR" sz="2800" dirty="0" smtClean="0">
+              <a:rPr lang="en-US" altLang="ko-KR" sz="2800" dirty="0">
                 <a:latin typeface="리디바탕" panose="020B0600000101010101" pitchFamily="34" charset="-127"/>
                 <a:ea typeface="리디바탕" panose="020B0600000101010101" pitchFamily="34" charset="-127"/>
               </a:rPr>
@@ -8212,13 +7941,6 @@
   <p:clrMapOvr>
     <a:masterClrMapping/>
   </p:clrMapOvr>
-  <p:timing>
-    <p:tnLst>
-      <p:par>
-        <p:cTn id="1" dur="indefinite" restart="never" nodeType="tmRoot"/>
-      </p:par>
-    </p:tnLst>
-  </p:timing>
 </p:sld>
 </file>
 
@@ -8262,14 +7984,14 @@
           <a:lstStyle/>
           <a:p>
             <a:r>
-              <a:rPr lang="ko-KR" altLang="en-US" sz="2000" dirty="0" smtClean="0">
+              <a:rPr lang="ko-KR" altLang="en-US" sz="2000" dirty="0">
                 <a:latin typeface="리디바탕" panose="020B0600000101010101" pitchFamily="34" charset="-127"/>
                 <a:ea typeface="리디바탕" panose="020B0600000101010101" pitchFamily="34" charset="-127"/>
               </a:rPr>
               <a:t>컴파일 과정 없이 즉석에서 코드를 입력해 결과를 바로 알 수 있는 방식을 말한다</a:t>
             </a:r>
             <a:r>
-              <a:rPr lang="en-US" altLang="ko-KR" sz="2000" dirty="0" smtClean="0">
+              <a:rPr lang="en-US" altLang="ko-KR" sz="2000" dirty="0">
                 <a:latin typeface="리디바탕" panose="020B0600000101010101" pitchFamily="34" charset="-127"/>
                 <a:ea typeface="리디바탕" panose="020B0600000101010101" pitchFamily="34" charset="-127"/>
               </a:rPr>
@@ -8277,21 +7999,21 @@
             </a:r>
           </a:p>
           <a:p>
-            <a:endParaRPr lang="en-US" altLang="ko-KR" sz="2000" dirty="0" smtClean="0">
+            <a:endParaRPr lang="en-US" altLang="ko-KR" sz="2000" dirty="0">
               <a:latin typeface="리디바탕" panose="020B0600000101010101" pitchFamily="34" charset="-127"/>
               <a:ea typeface="리디바탕" panose="020B0600000101010101" pitchFamily="34" charset="-127"/>
             </a:endParaRPr>
           </a:p>
           <a:p>
             <a:r>
-              <a:rPr lang="ko-KR" altLang="en-US" sz="2000" dirty="0" smtClean="0">
+              <a:rPr lang="ko-KR" altLang="en-US" sz="2000" dirty="0">
                 <a:latin typeface="리디바탕" panose="020B0600000101010101" pitchFamily="34" charset="-127"/>
                 <a:ea typeface="리디바탕" panose="020B0600000101010101" pitchFamily="34" charset="-127"/>
               </a:rPr>
               <a:t>개발 시에 코드를 </a:t>
             </a:r>
             <a:r>
-              <a:rPr lang="ko-KR" altLang="en-US" sz="2000" dirty="0" smtClean="0">
+              <a:rPr lang="ko-KR" altLang="en-US" sz="2000" dirty="0">
                 <a:solidFill>
                   <a:srgbClr val="FF0000"/>
                 </a:solidFill>
@@ -8301,14 +8023,14 @@
               <a:t>즉시 테스트 함으로써 </a:t>
             </a:r>
             <a:r>
-              <a:rPr lang="ko-KR" altLang="en-US" sz="2000" dirty="0" smtClean="0">
+              <a:rPr lang="ko-KR" altLang="en-US" sz="2000" dirty="0">
                 <a:latin typeface="리디바탕" panose="020B0600000101010101" pitchFamily="34" charset="-127"/>
                 <a:ea typeface="리디바탕" panose="020B0600000101010101" pitchFamily="34" charset="-127"/>
               </a:rPr>
               <a:t>편리한 소스 코드를 디버깅 할 수 있다</a:t>
             </a:r>
             <a:r>
-              <a:rPr lang="en-US" altLang="ko-KR" sz="2000" dirty="0" smtClean="0">
+              <a:rPr lang="en-US" altLang="ko-KR" sz="2000" dirty="0">
                 <a:latin typeface="리디바탕" panose="020B0600000101010101" pitchFamily="34" charset="-127"/>
                 <a:ea typeface="리디바탕" panose="020B0600000101010101" pitchFamily="34" charset="-127"/>
               </a:rPr>
@@ -8344,7 +8066,7 @@
           <a:lstStyle/>
           <a:p>
             <a:r>
-              <a:rPr lang="en-US" altLang="ko-KR" sz="2800" dirty="0" smtClean="0">
+              <a:rPr lang="en-US" altLang="ko-KR" sz="2800" dirty="0">
                 <a:latin typeface="리디바탕" panose="020B0600000101010101" pitchFamily="34" charset="-127"/>
                 <a:ea typeface="리디바탕" panose="020B0600000101010101" pitchFamily="34" charset="-127"/>
               </a:rPr>
@@ -8367,13 +8089,6 @@
   <p:clrMapOvr>
     <a:masterClrMapping/>
   </p:clrMapOvr>
-  <p:timing>
-    <p:tnLst>
-      <p:par>
-        <p:cTn id="1" dur="indefinite" restart="never" nodeType="tmRoot"/>
-      </p:par>
-    </p:tnLst>
-  </p:timing>
 </p:sld>
 </file>
 
@@ -8417,14 +8132,14 @@
           <a:lstStyle/>
           <a:p>
             <a:r>
-              <a:rPr lang="ko-KR" altLang="en-US" sz="2800" dirty="0" smtClean="0">
+              <a:rPr lang="ko-KR" altLang="en-US" sz="2800" dirty="0">
                 <a:latin typeface="리디바탕" panose="020B0600000101010101" pitchFamily="34" charset="-127"/>
                 <a:ea typeface="리디바탕" panose="020B0600000101010101" pitchFamily="34" charset="-127"/>
               </a:rPr>
               <a:t>우리는 이미 개발자였다</a:t>
             </a:r>
             <a:r>
-              <a:rPr lang="en-US" altLang="ko-KR" sz="2800" dirty="0" smtClean="0">
+              <a:rPr lang="en-US" altLang="ko-KR" sz="2800" dirty="0">
                 <a:latin typeface="리디바탕" panose="020B0600000101010101" pitchFamily="34" charset="-127"/>
                 <a:ea typeface="리디바탕" panose="020B0600000101010101" pitchFamily="34" charset="-127"/>
               </a:rPr>
@@ -8439,14 +8154,14 @@
           </a:p>
           <a:p>
             <a:r>
-              <a:rPr lang="ko-KR" altLang="en-US" sz="2800" dirty="0" smtClean="0">
+              <a:rPr lang="ko-KR" altLang="en-US" sz="2800" dirty="0">
                 <a:latin typeface="리디바탕" panose="020B0600000101010101" pitchFamily="34" charset="-127"/>
                 <a:ea typeface="리디바탕" panose="020B0600000101010101" pitchFamily="34" charset="-127"/>
               </a:rPr>
               <a:t>그것도 굉장히 애자일 한 방법론의</a:t>
             </a:r>
             <a:r>
-              <a:rPr lang="en-US" altLang="ko-KR" sz="2800" dirty="0" smtClean="0">
+              <a:rPr lang="en-US" altLang="ko-KR" sz="2800" dirty="0">
                 <a:latin typeface="리디바탕" panose="020B0600000101010101" pitchFamily="34" charset="-127"/>
                 <a:ea typeface="리디바탕" panose="020B0600000101010101" pitchFamily="34" charset="-127"/>
               </a:rPr>
@@ -8469,13 +8184,6 @@
   <p:clrMapOvr>
     <a:masterClrMapping/>
   </p:clrMapOvr>
-  <p:timing>
-    <p:tnLst>
-      <p:par>
-        <p:cTn id="1" dur="indefinite" restart="never" nodeType="tmRoot"/>
-      </p:par>
-    </p:tnLst>
-  </p:timing>
 </p:sld>
 </file>
 
@@ -8530,13 +8238,6 @@
   <p:clrMapOvr>
     <a:masterClrMapping/>
   </p:clrMapOvr>
-  <p:timing>
-    <p:tnLst>
-      <p:par>
-        <p:cTn id="1" dur="indefinite" restart="never" nodeType="tmRoot"/>
-      </p:par>
-    </p:tnLst>
-  </p:timing>
 </p:sld>
 </file>
 
@@ -8604,14 +8305,14 @@
           <a:lstStyle/>
           <a:p>
             <a:r>
-              <a:rPr lang="ko-KR" altLang="en-US" sz="2000" dirty="0" smtClean="0">
+              <a:rPr lang="ko-KR" altLang="en-US" sz="2000" dirty="0">
                 <a:latin typeface="리디바탕" panose="020B0600000101010101" pitchFamily="34" charset="-127"/>
                 <a:ea typeface="리디바탕" panose="020B0600000101010101" pitchFamily="34" charset="-127"/>
               </a:rPr>
               <a:t>소스코드 작성</a:t>
             </a:r>
             <a:r>
-              <a:rPr lang="en-US" altLang="ko-KR" sz="2000" dirty="0" smtClean="0">
+              <a:rPr lang="en-US" altLang="ko-KR" sz="2000" dirty="0">
                 <a:solidFill>
                   <a:srgbClr val="FF0000"/>
                 </a:solidFill>
@@ -8621,97 +8322,12 @@
               <a:t>(read)</a:t>
             </a:r>
             <a:r>
-              <a:rPr lang="ko-KR" altLang="en-US" sz="2000" dirty="0" smtClean="0">
+              <a:rPr lang="ko-KR" altLang="en-US" sz="2000" dirty="0">
                 <a:latin typeface="리디바탕" panose="020B0600000101010101" pitchFamily="34" charset="-127"/>
                 <a:ea typeface="리디바탕" panose="020B0600000101010101" pitchFamily="34" charset="-127"/>
               </a:rPr>
               <a:t>과 </a:t>
             </a:r>
-            <a:endParaRPr lang="en-US" altLang="ko-KR" sz="2000" dirty="0" smtClean="0">
-              <a:latin typeface="리디바탕" panose="020B0600000101010101" pitchFamily="34" charset="-127"/>
-              <a:ea typeface="리디바탕" panose="020B0600000101010101" pitchFamily="34" charset="-127"/>
-            </a:endParaRPr>
-          </a:p>
-          <a:p>
-            <a:r>
-              <a:rPr lang="ko-KR" altLang="en-US" sz="2000" dirty="0" smtClean="0">
-                <a:latin typeface="리디바탕" panose="020B0600000101010101" pitchFamily="34" charset="-127"/>
-                <a:ea typeface="리디바탕" panose="020B0600000101010101" pitchFamily="34" charset="-127"/>
-              </a:rPr>
-              <a:t>그로 인한 데이터 처리</a:t>
-            </a:r>
-            <a:r>
-              <a:rPr lang="en-US" altLang="ko-KR" sz="2000" dirty="0" smtClean="0">
-                <a:solidFill>
-                  <a:srgbClr val="FF0000"/>
-                </a:solidFill>
-                <a:latin typeface="리디바탕" panose="020B0600000101010101" pitchFamily="34" charset="-127"/>
-                <a:ea typeface="리디바탕" panose="020B0600000101010101" pitchFamily="34" charset="-127"/>
-              </a:rPr>
-              <a:t>(</a:t>
-            </a:r>
-            <a:r>
-              <a:rPr lang="en-US" altLang="ko-KR" sz="2000" dirty="0" err="1" smtClean="0">
-                <a:solidFill>
-                  <a:srgbClr val="FF0000"/>
-                </a:solidFill>
-                <a:latin typeface="리디바탕" panose="020B0600000101010101" pitchFamily="34" charset="-127"/>
-                <a:ea typeface="리디바탕" panose="020B0600000101010101" pitchFamily="34" charset="-127"/>
-              </a:rPr>
-              <a:t>eval</a:t>
-            </a:r>
-            <a:r>
-              <a:rPr lang="en-US" altLang="ko-KR" sz="2000" dirty="0" smtClean="0">
-                <a:solidFill>
-                  <a:srgbClr val="FF0000"/>
-                </a:solidFill>
-                <a:latin typeface="리디바탕" panose="020B0600000101010101" pitchFamily="34" charset="-127"/>
-                <a:ea typeface="리디바탕" panose="020B0600000101010101" pitchFamily="34" charset="-127"/>
-              </a:rPr>
-              <a:t>)</a:t>
-            </a:r>
-            <a:r>
-              <a:rPr lang="en-US" altLang="ko-KR" sz="2000" dirty="0" smtClean="0">
-                <a:latin typeface="리디바탕" panose="020B0600000101010101" pitchFamily="34" charset="-127"/>
-                <a:ea typeface="리디바탕" panose="020B0600000101010101" pitchFamily="34" charset="-127"/>
-              </a:rPr>
-              <a:t>, </a:t>
-            </a:r>
-          </a:p>
-          <a:p>
-            <a:r>
-              <a:rPr lang="ko-KR" altLang="en-US" sz="2000" dirty="0" smtClean="0">
-                <a:latin typeface="리디바탕" panose="020B0600000101010101" pitchFamily="34" charset="-127"/>
-                <a:ea typeface="리디바탕" panose="020B0600000101010101" pitchFamily="34" charset="-127"/>
-              </a:rPr>
-              <a:t>그리고 처리한 결과가 다시 숫자로 셀에 표시</a:t>
-            </a:r>
-            <a:r>
-              <a:rPr lang="en-US" altLang="ko-KR" sz="2000" dirty="0" smtClean="0">
-                <a:solidFill>
-                  <a:srgbClr val="FF0000"/>
-                </a:solidFill>
-                <a:latin typeface="리디바탕" panose="020B0600000101010101" pitchFamily="34" charset="-127"/>
-                <a:ea typeface="리디바탕" panose="020B0600000101010101" pitchFamily="34" charset="-127"/>
-              </a:rPr>
-              <a:t>(print)</a:t>
-            </a:r>
-            <a:r>
-              <a:rPr lang="ko-KR" altLang="en-US" sz="2000" dirty="0" smtClean="0">
-                <a:latin typeface="리디바탕" panose="020B0600000101010101" pitchFamily="34" charset="-127"/>
-                <a:ea typeface="리디바탕" panose="020B0600000101010101" pitchFamily="34" charset="-127"/>
-              </a:rPr>
-              <a:t>되는 방식</a:t>
-            </a:r>
-            <a:r>
-              <a:rPr lang="en-US" altLang="ko-KR" sz="2000" dirty="0" smtClean="0">
-                <a:latin typeface="리디바탕" panose="020B0600000101010101" pitchFamily="34" charset="-127"/>
-                <a:ea typeface="리디바탕" panose="020B0600000101010101" pitchFamily="34" charset="-127"/>
-              </a:rPr>
-              <a:t>..</a:t>
-            </a:r>
-          </a:p>
-          <a:p>
             <a:endParaRPr lang="en-US" altLang="ko-KR" sz="2000" dirty="0">
               <a:latin typeface="리디바탕" panose="020B0600000101010101" pitchFamily="34" charset="-127"/>
               <a:ea typeface="리디바탕" panose="020B0600000101010101" pitchFamily="34" charset="-127"/>
@@ -8719,35 +8335,120 @@
           </a:p>
           <a:p>
             <a:r>
-              <a:rPr lang="ko-KR" altLang="en-US" sz="2000" dirty="0" smtClean="0">
+              <a:rPr lang="ko-KR" altLang="en-US" sz="2000" dirty="0">
+                <a:latin typeface="리디바탕" panose="020B0600000101010101" pitchFamily="34" charset="-127"/>
+                <a:ea typeface="리디바탕" panose="020B0600000101010101" pitchFamily="34" charset="-127"/>
+              </a:rPr>
+              <a:t>그로 인한 데이터 처리</a:t>
+            </a:r>
+            <a:r>
+              <a:rPr lang="en-US" altLang="ko-KR" sz="2000" dirty="0">
+                <a:solidFill>
+                  <a:srgbClr val="FF0000"/>
+                </a:solidFill>
+                <a:latin typeface="리디바탕" panose="020B0600000101010101" pitchFamily="34" charset="-127"/>
+                <a:ea typeface="리디바탕" panose="020B0600000101010101" pitchFamily="34" charset="-127"/>
+              </a:rPr>
+              <a:t>(</a:t>
+            </a:r>
+            <a:r>
+              <a:rPr lang="en-US" altLang="ko-KR" sz="2000" dirty="0" err="1">
+                <a:solidFill>
+                  <a:srgbClr val="FF0000"/>
+                </a:solidFill>
+                <a:latin typeface="리디바탕" panose="020B0600000101010101" pitchFamily="34" charset="-127"/>
+                <a:ea typeface="리디바탕" panose="020B0600000101010101" pitchFamily="34" charset="-127"/>
+              </a:rPr>
+              <a:t>eval</a:t>
+            </a:r>
+            <a:r>
+              <a:rPr lang="en-US" altLang="ko-KR" sz="2000" dirty="0">
+                <a:solidFill>
+                  <a:srgbClr val="FF0000"/>
+                </a:solidFill>
+                <a:latin typeface="리디바탕" panose="020B0600000101010101" pitchFamily="34" charset="-127"/>
+                <a:ea typeface="리디바탕" panose="020B0600000101010101" pitchFamily="34" charset="-127"/>
+              </a:rPr>
+              <a:t>)</a:t>
+            </a:r>
+            <a:r>
+              <a:rPr lang="en-US" altLang="ko-KR" sz="2000" dirty="0">
+                <a:latin typeface="리디바탕" panose="020B0600000101010101" pitchFamily="34" charset="-127"/>
+                <a:ea typeface="리디바탕" panose="020B0600000101010101" pitchFamily="34" charset="-127"/>
+              </a:rPr>
+              <a:t>, </a:t>
+            </a:r>
+          </a:p>
+          <a:p>
+            <a:r>
+              <a:rPr lang="ko-KR" altLang="en-US" sz="2000" dirty="0">
+                <a:latin typeface="리디바탕" panose="020B0600000101010101" pitchFamily="34" charset="-127"/>
+                <a:ea typeface="리디바탕" panose="020B0600000101010101" pitchFamily="34" charset="-127"/>
+              </a:rPr>
+              <a:t>그리고 처리한 결과가 다시 숫자로 셀에 표시</a:t>
+            </a:r>
+            <a:r>
+              <a:rPr lang="en-US" altLang="ko-KR" sz="2000" dirty="0">
+                <a:solidFill>
+                  <a:srgbClr val="FF0000"/>
+                </a:solidFill>
+                <a:latin typeface="리디바탕" panose="020B0600000101010101" pitchFamily="34" charset="-127"/>
+                <a:ea typeface="리디바탕" panose="020B0600000101010101" pitchFamily="34" charset="-127"/>
+              </a:rPr>
+              <a:t>(print)</a:t>
+            </a:r>
+            <a:r>
+              <a:rPr lang="ko-KR" altLang="en-US" sz="2000" dirty="0">
+                <a:latin typeface="리디바탕" panose="020B0600000101010101" pitchFamily="34" charset="-127"/>
+                <a:ea typeface="리디바탕" panose="020B0600000101010101" pitchFamily="34" charset="-127"/>
+              </a:rPr>
+              <a:t>되는 방식</a:t>
+            </a:r>
+            <a:r>
+              <a:rPr lang="en-US" altLang="ko-KR" sz="2000" dirty="0">
+                <a:latin typeface="리디바탕" panose="020B0600000101010101" pitchFamily="34" charset="-127"/>
+                <a:ea typeface="리디바탕" panose="020B0600000101010101" pitchFamily="34" charset="-127"/>
+              </a:rPr>
+              <a:t>..</a:t>
+            </a:r>
+          </a:p>
+          <a:p>
+            <a:endParaRPr lang="en-US" altLang="ko-KR" sz="2000" dirty="0">
+              <a:latin typeface="리디바탕" panose="020B0600000101010101" pitchFamily="34" charset="-127"/>
+              <a:ea typeface="리디바탕" panose="020B0600000101010101" pitchFamily="34" charset="-127"/>
+            </a:endParaRPr>
+          </a:p>
+          <a:p>
+            <a:r>
+              <a:rPr lang="ko-KR" altLang="en-US" sz="2000" dirty="0">
                 <a:latin typeface="리디바탕" panose="020B0600000101010101" pitchFamily="34" charset="-127"/>
                 <a:ea typeface="리디바탕" panose="020B0600000101010101" pitchFamily="34" charset="-127"/>
               </a:rPr>
               <a:t>은</a:t>
             </a:r>
             <a:r>
-              <a:rPr lang="en-US" altLang="ko-KR" sz="2000" dirty="0" smtClean="0">
+              <a:rPr lang="en-US" altLang="ko-KR" sz="2000" dirty="0">
                 <a:latin typeface="리디바탕" panose="020B0600000101010101" pitchFamily="34" charset="-127"/>
                 <a:ea typeface="리디바탕" panose="020B0600000101010101" pitchFamily="34" charset="-127"/>
               </a:rPr>
               <a:t> </a:t>
             </a:r>
             <a:r>
-              <a:rPr lang="ko-KR" altLang="en-US" sz="2000" dirty="0" smtClean="0">
+              <a:rPr lang="ko-KR" altLang="en-US" sz="2000" dirty="0">
                 <a:latin typeface="리디바탕" panose="020B0600000101010101" pitchFamily="34" charset="-127"/>
                 <a:ea typeface="리디바탕" panose="020B0600000101010101" pitchFamily="34" charset="-127"/>
               </a:rPr>
               <a:t>계속 되풀이 되면서 업무의 흐름을 만든다</a:t>
             </a:r>
             <a:r>
-              <a:rPr lang="en-US" altLang="ko-KR" sz="2000" dirty="0" smtClean="0">
+              <a:rPr lang="en-US" altLang="ko-KR" sz="2000" dirty="0">
                 <a:latin typeface="리디바탕" panose="020B0600000101010101" pitchFamily="34" charset="-127"/>
                 <a:ea typeface="리디바탕" panose="020B0600000101010101" pitchFamily="34" charset="-127"/>
               </a:rPr>
               <a:t>.</a:t>
             </a:r>
             <a:r>
-              <a:rPr lang="en-US" altLang="ko-KR" sz="2000" dirty="0" smtClean="0">
+              <a:rPr lang="en-US" altLang="ko-KR" sz="2000" dirty="0">
                 <a:solidFill>
                   <a:srgbClr val="FF0000"/>
                 </a:solidFill>
@@ -8776,13 +8477,6 @@
   <p:clrMapOvr>
     <a:masterClrMapping/>
   </p:clrMapOvr>
-  <p:timing>
-    <p:tnLst>
-      <p:par>
-        <p:cTn id="1" dur="indefinite" restart="never" nodeType="tmRoot"/>
-      </p:par>
-    </p:tnLst>
-  </p:timing>
 </p:sld>
 </file>
 
@@ -8826,56 +8520,56 @@
           <a:lstStyle/>
           <a:p>
             <a:r>
-              <a:rPr lang="ko-KR" altLang="en-US" sz="2000" dirty="0" smtClean="0">
+              <a:rPr lang="ko-KR" altLang="en-US" sz="2000" dirty="0">
                 <a:latin typeface="리디바탕" panose="020B0600000101010101" pitchFamily="34" charset="-127"/>
                 <a:ea typeface="리디바탕" panose="020B0600000101010101" pitchFamily="34" charset="-127"/>
               </a:rPr>
               <a:t>명령을 내리는 곳과</a:t>
             </a:r>
             <a:r>
-              <a:rPr lang="en-US" altLang="ko-KR" sz="2000" dirty="0" smtClean="0">
+              <a:rPr lang="en-US" altLang="ko-KR" sz="2000" dirty="0">
                 <a:latin typeface="리디바탕" panose="020B0600000101010101" pitchFamily="34" charset="-127"/>
                 <a:ea typeface="리디바탕" panose="020B0600000101010101" pitchFamily="34" charset="-127"/>
               </a:rPr>
               <a:t>, </a:t>
             </a:r>
             <a:r>
-              <a:rPr lang="ko-KR" altLang="en-US" sz="2000" dirty="0" smtClean="0">
+              <a:rPr lang="ko-KR" altLang="en-US" sz="2000" dirty="0">
                 <a:latin typeface="리디바탕" panose="020B0600000101010101" pitchFamily="34" charset="-127"/>
                 <a:ea typeface="리디바탕" panose="020B0600000101010101" pitchFamily="34" charset="-127"/>
               </a:rPr>
               <a:t>데이터를 조회하는 곳이 동일하게 </a:t>
             </a:r>
             <a:r>
-              <a:rPr lang="en-US" altLang="ko-KR" sz="2000" dirty="0" smtClean="0">
+              <a:rPr lang="en-US" altLang="ko-KR" sz="2000" dirty="0">
                 <a:latin typeface="리디바탕" panose="020B0600000101010101" pitchFamily="34" charset="-127"/>
                 <a:ea typeface="리디바탕" panose="020B0600000101010101" pitchFamily="34" charset="-127"/>
               </a:rPr>
               <a:t>‘</a:t>
             </a:r>
             <a:r>
-              <a:rPr lang="ko-KR" altLang="en-US" sz="2000" dirty="0" smtClean="0">
+              <a:rPr lang="ko-KR" altLang="en-US" sz="2000" dirty="0">
                 <a:latin typeface="리디바탕" panose="020B0600000101010101" pitchFamily="34" charset="-127"/>
                 <a:ea typeface="리디바탕" panose="020B0600000101010101" pitchFamily="34" charset="-127"/>
               </a:rPr>
               <a:t>셀</a:t>
             </a:r>
             <a:r>
-              <a:rPr lang="en-US" altLang="ko-KR" sz="2000" dirty="0" smtClean="0">
+              <a:rPr lang="en-US" altLang="ko-KR" sz="2000" dirty="0">
                 <a:latin typeface="리디바탕" panose="020B0600000101010101" pitchFamily="34" charset="-127"/>
                 <a:ea typeface="리디바탕" panose="020B0600000101010101" pitchFamily="34" charset="-127"/>
               </a:rPr>
               <a:t>’</a:t>
             </a:r>
             <a:r>
-              <a:rPr lang="ko-KR" altLang="en-US" sz="2000" dirty="0" smtClean="0">
+              <a:rPr lang="ko-KR" altLang="en-US" sz="2000" dirty="0">
                 <a:latin typeface="리디바탕" panose="020B0600000101010101" pitchFamily="34" charset="-127"/>
                 <a:ea typeface="리디바탕" panose="020B0600000101010101" pitchFamily="34" charset="-127"/>
               </a:rPr>
               <a:t>이라는 인터페이스를 활용한다</a:t>
             </a:r>
             <a:r>
-              <a:rPr lang="en-US" altLang="ko-KR" sz="2000" dirty="0" smtClean="0">
+              <a:rPr lang="en-US" altLang="ko-KR" sz="2000" dirty="0">
                 <a:latin typeface="리디바탕" panose="020B0600000101010101" pitchFamily="34" charset="-127"/>
                 <a:ea typeface="리디바탕" panose="020B0600000101010101" pitchFamily="34" charset="-127"/>
               </a:rPr>
@@ -8890,33 +8584,33 @@
           </a:p>
           <a:p>
             <a:r>
-              <a:rPr lang="ko-KR" altLang="en-US" sz="2000" dirty="0" smtClean="0">
+              <a:rPr lang="ko-KR" altLang="en-US" sz="2000" dirty="0">
                 <a:latin typeface="리디바탕" panose="020B0600000101010101" pitchFamily="34" charset="-127"/>
                 <a:ea typeface="리디바탕" panose="020B0600000101010101" pitchFamily="34" charset="-127"/>
               </a:rPr>
               <a:t>직관적이고 좋지만</a:t>
             </a:r>
-            <a:endParaRPr lang="en-US" altLang="ko-KR" sz="2000" dirty="0" smtClean="0">
-              <a:latin typeface="리디바탕" panose="020B0600000101010101" pitchFamily="34" charset="-127"/>
-              <a:ea typeface="리디바탕" panose="020B0600000101010101" pitchFamily="34" charset="-127"/>
-            </a:endParaRPr>
-          </a:p>
-          <a:p>
             <a:endParaRPr lang="en-US" altLang="ko-KR" sz="2000" dirty="0">
               <a:latin typeface="리디바탕" panose="020B0600000101010101" pitchFamily="34" charset="-127"/>
               <a:ea typeface="리디바탕" panose="020B0600000101010101" pitchFamily="34" charset="-127"/>
             </a:endParaRPr>
           </a:p>
           <a:p>
-            <a:r>
-              <a:rPr lang="ko-KR" altLang="en-US" sz="2000" dirty="0" smtClean="0">
+            <a:endParaRPr lang="en-US" altLang="ko-KR" sz="2000" dirty="0">
+              <a:latin typeface="리디바탕" panose="020B0600000101010101" pitchFamily="34" charset="-127"/>
+              <a:ea typeface="리디바탕" panose="020B0600000101010101" pitchFamily="34" charset="-127"/>
+            </a:endParaRPr>
+          </a:p>
+          <a:p>
+            <a:r>
+              <a:rPr lang="ko-KR" altLang="en-US" sz="2000" dirty="0">
                 <a:latin typeface="리디바탕" panose="020B0600000101010101" pitchFamily="34" charset="-127"/>
                 <a:ea typeface="리디바탕" panose="020B0600000101010101" pitchFamily="34" charset="-127"/>
               </a:rPr>
               <a:t>복잡한 명령체계를 관리하기가 불편하다</a:t>
             </a:r>
             <a:r>
-              <a:rPr lang="en-US" altLang="ko-KR" sz="2000" dirty="0" smtClean="0">
+              <a:rPr lang="en-US" altLang="ko-KR" sz="2000" dirty="0">
                 <a:latin typeface="리디바탕" panose="020B0600000101010101" pitchFamily="34" charset="-127"/>
                 <a:ea typeface="리디바탕" panose="020B0600000101010101" pitchFamily="34" charset="-127"/>
               </a:rPr>
@@ -8963,13 +8657,6 @@
   <p:clrMapOvr>
     <a:masterClrMapping/>
   </p:clrMapOvr>
-  <p:timing>
-    <p:tnLst>
-      <p:par>
-        <p:cTn id="1" dur="indefinite" restart="never" nodeType="tmRoot"/>
-      </p:par>
-    </p:tnLst>
-  </p:timing>
 </p:sld>
 </file>
 
@@ -9013,14 +8700,14 @@
           <a:lstStyle/>
           <a:p>
             <a:r>
-              <a:rPr lang="ko-KR" altLang="en-US" sz="2000" dirty="0" smtClean="0">
+              <a:rPr lang="ko-KR" altLang="en-US" sz="2000" dirty="0">
                 <a:latin typeface="리디바탕" panose="020B0600000101010101" pitchFamily="34" charset="-127"/>
                 <a:ea typeface="리디바탕" panose="020B0600000101010101" pitchFamily="34" charset="-127"/>
               </a:rPr>
               <a:t>다만 이 모든 것을 상쇄하는 장점</a:t>
             </a:r>
             <a:r>
-              <a:rPr lang="en-US" altLang="ko-KR" sz="2000" dirty="0" smtClean="0">
+              <a:rPr lang="en-US" altLang="ko-KR" sz="2000" dirty="0">
                 <a:latin typeface="리디바탕" panose="020B0600000101010101" pitchFamily="34" charset="-127"/>
                 <a:ea typeface="리디바탕" panose="020B0600000101010101" pitchFamily="34" charset="-127"/>
               </a:rPr>
@@ -9035,14 +8722,14 @@
           </a:p>
           <a:p>
             <a:r>
-              <a:rPr lang="ko-KR" altLang="en-US" sz="2000" dirty="0" smtClean="0">
+              <a:rPr lang="ko-KR" altLang="en-US" sz="2000" dirty="0">
                 <a:latin typeface="리디바탕" panose="020B0600000101010101" pitchFamily="34" charset="-127"/>
                 <a:ea typeface="리디바탕" panose="020B0600000101010101" pitchFamily="34" charset="-127"/>
               </a:rPr>
               <a:t>코딩이 끝나면 곧 바로 보고서가 된다</a:t>
             </a:r>
             <a:r>
-              <a:rPr lang="en-US" altLang="ko-KR" sz="2000" dirty="0" smtClean="0">
+              <a:rPr lang="en-US" altLang="ko-KR" sz="2000" dirty="0">
                 <a:latin typeface="리디바탕" panose="020B0600000101010101" pitchFamily="34" charset="-127"/>
                 <a:ea typeface="리디바탕" panose="020B0600000101010101" pitchFamily="34" charset="-127"/>
               </a:rPr>
@@ -9056,21 +8743,21 @@
             </a:endParaRPr>
           </a:p>
           <a:p>
-            <a:endParaRPr lang="en-US" altLang="ko-KR" sz="2000" dirty="0" smtClean="0">
+            <a:endParaRPr lang="en-US" altLang="ko-KR" sz="2000" dirty="0">
               <a:latin typeface="리디바탕" panose="020B0600000101010101" pitchFamily="34" charset="-127"/>
               <a:ea typeface="리디바탕" panose="020B0600000101010101" pitchFamily="34" charset="-127"/>
             </a:endParaRPr>
           </a:p>
           <a:p>
             <a:r>
-              <a:rPr lang="ko-KR" altLang="en-US" sz="2000" dirty="0" smtClean="0">
+              <a:rPr lang="ko-KR" altLang="en-US" sz="2000" dirty="0">
                 <a:latin typeface="리디바탕" panose="020B0600000101010101" pitchFamily="34" charset="-127"/>
                 <a:ea typeface="리디바탕" panose="020B0600000101010101" pitchFamily="34" charset="-127"/>
               </a:rPr>
               <a:t>다만 엑셀로 하는 코딩은 한계가 명확하다</a:t>
             </a:r>
             <a:r>
-              <a:rPr lang="en-US" altLang="ko-KR" sz="2000" dirty="0" smtClean="0">
+              <a:rPr lang="en-US" altLang="ko-KR" sz="2000" dirty="0">
                 <a:latin typeface="리디바탕" panose="020B0600000101010101" pitchFamily="34" charset="-127"/>
                 <a:ea typeface="리디바탕" panose="020B0600000101010101" pitchFamily="34" charset="-127"/>
               </a:rPr>
@@ -9079,56 +8766,56 @@
           </a:p>
           <a:p>
             <a:r>
-              <a:rPr lang="en-US" altLang="ko-KR" sz="2000" dirty="0" smtClean="0">
+              <a:rPr lang="en-US" altLang="ko-KR" sz="2000" dirty="0">
                 <a:latin typeface="리디바탕" panose="020B0600000101010101" pitchFamily="34" charset="-127"/>
                 <a:ea typeface="리디바탕" panose="020B0600000101010101" pitchFamily="34" charset="-127"/>
               </a:rPr>
               <a:t>(</a:t>
             </a:r>
             <a:r>
-              <a:rPr lang="ko-KR" altLang="en-US" sz="2000" dirty="0" smtClean="0">
+              <a:rPr lang="ko-KR" altLang="en-US" sz="2000" dirty="0">
                 <a:latin typeface="리디바탕" panose="020B0600000101010101" pitchFamily="34" charset="-127"/>
                 <a:ea typeface="리디바탕" panose="020B0600000101010101" pitchFamily="34" charset="-127"/>
               </a:rPr>
               <a:t>최신 엑셀에서는 가능하지만</a:t>
             </a:r>
             <a:r>
-              <a:rPr lang="en-US" altLang="ko-KR" sz="2000" dirty="0" smtClean="0">
+              <a:rPr lang="en-US" altLang="ko-KR" sz="2000" dirty="0">
                 <a:latin typeface="리디바탕" panose="020B0600000101010101" pitchFamily="34" charset="-127"/>
                 <a:ea typeface="리디바탕" panose="020B0600000101010101" pitchFamily="34" charset="-127"/>
               </a:rPr>
               <a:t>, </a:t>
             </a:r>
             <a:r>
-              <a:rPr lang="ko-KR" altLang="en-US" sz="2000" dirty="0" smtClean="0">
+              <a:rPr lang="ko-KR" altLang="en-US" sz="2000" dirty="0">
                 <a:latin typeface="리디바탕" panose="020B0600000101010101" pitchFamily="34" charset="-127"/>
                 <a:ea typeface="리디바탕" panose="020B0600000101010101" pitchFamily="34" charset="-127"/>
               </a:rPr>
               <a:t>사용자 </a:t>
             </a:r>
             <a:r>
-              <a:rPr lang="ko-KR" altLang="en-US" sz="2000" dirty="0" err="1" smtClean="0">
+              <a:rPr lang="ko-KR" altLang="en-US" sz="2000" dirty="0" err="1">
                 <a:latin typeface="리디바탕" panose="020B0600000101010101" pitchFamily="34" charset="-127"/>
                 <a:ea typeface="리디바탕" panose="020B0600000101010101" pitchFamily="34" charset="-127"/>
               </a:rPr>
               <a:t>정의함수를</a:t>
             </a:r>
             <a:r>
-              <a:rPr lang="ko-KR" altLang="en-US" sz="2000" dirty="0" smtClean="0">
+              <a:rPr lang="ko-KR" altLang="en-US" sz="2000" dirty="0">
                 <a:latin typeface="리디바탕" panose="020B0600000101010101" pitchFamily="34" charset="-127"/>
                 <a:ea typeface="리디바탕" panose="020B0600000101010101" pitchFamily="34" charset="-127"/>
               </a:rPr>
               <a:t> 못 </a:t>
             </a:r>
             <a:r>
-              <a:rPr lang="ko-KR" altLang="en-US" sz="2000" dirty="0" err="1" smtClean="0">
+              <a:rPr lang="ko-KR" altLang="en-US" sz="2000" dirty="0" err="1">
                 <a:latin typeface="리디바탕" panose="020B0600000101010101" pitchFamily="34" charset="-127"/>
                 <a:ea typeface="리디바탕" panose="020B0600000101010101" pitchFamily="34" charset="-127"/>
               </a:rPr>
               <a:t>만든다던지</a:t>
             </a:r>
             <a:r>
-              <a:rPr lang="en-US" altLang="ko-KR" sz="2000" dirty="0" smtClean="0">
+              <a:rPr lang="en-US" altLang="ko-KR" sz="2000" dirty="0">
                 <a:latin typeface="리디바탕" panose="020B0600000101010101" pitchFamily="34" charset="-127"/>
                 <a:ea typeface="리디바탕" panose="020B0600000101010101" pitchFamily="34" charset="-127"/>
               </a:rPr>
@@ -9266,7 +8953,7 @@
           <a:lstStyle/>
           <a:p>
             <a:r>
-              <a:rPr lang="en-US" altLang="ko-KR" sz="2000" dirty="0" smtClean="0">
+              <a:rPr lang="en-US" altLang="ko-KR" sz="2000" dirty="0">
                 <a:latin typeface="리디바탕" panose="020B0600000101010101" pitchFamily="34" charset="-127"/>
                 <a:ea typeface="리디바탕" panose="020B0600000101010101" pitchFamily="34" charset="-127"/>
               </a:rPr>
@@ -9302,7 +8989,7 @@
           <a:lstStyle/>
           <a:p>
             <a:r>
-              <a:rPr lang="en-US" altLang="ko-KR" sz="2000" dirty="0" smtClean="0">
+              <a:rPr lang="en-US" altLang="ko-KR" sz="2000" dirty="0">
                 <a:latin typeface="리디바탕" panose="020B0600000101010101" pitchFamily="34" charset="-127"/>
                 <a:ea typeface="리디바탕" panose="020B0600000101010101" pitchFamily="34" charset="-127"/>
               </a:rPr>
@@ -9338,7 +9025,7 @@
           <a:lstStyle/>
           <a:p>
             <a:r>
-              <a:rPr lang="en-US" altLang="ko-KR" dirty="0" smtClean="0">
+              <a:rPr lang="en-US" altLang="ko-KR" dirty="0">
                 <a:latin typeface="리디바탕" panose="020B0600000101010101" pitchFamily="34" charset="-127"/>
                 <a:ea typeface="리디바탕" panose="020B0600000101010101" pitchFamily="34" charset="-127"/>
               </a:rPr>
@@ -9374,7 +9061,7 @@
           <a:lstStyle/>
           <a:p>
             <a:r>
-              <a:rPr lang="en-US" altLang="ko-KR" sz="1400" dirty="0" smtClean="0">
+              <a:rPr lang="en-US" altLang="ko-KR" sz="1400" dirty="0">
                 <a:solidFill>
                   <a:srgbClr val="0000FF"/>
                 </a:solidFill>
@@ -9384,7 +9071,7 @@
               <a:t>1. </a:t>
             </a:r>
             <a:r>
-              <a:rPr lang="ko-KR" altLang="en-US" sz="1400" dirty="0" smtClean="0">
+              <a:rPr lang="ko-KR" altLang="en-US" sz="1400" dirty="0">
                 <a:solidFill>
                   <a:srgbClr val="0000FF"/>
                 </a:solidFill>
@@ -9393,13 +9080,6 @@
               </a:rPr>
               <a:t>입력</a:t>
             </a:r>
-            <a:endParaRPr lang="ko-KR" altLang="en-US" sz="1400" dirty="0">
-              <a:solidFill>
-                <a:srgbClr val="0000FF"/>
-              </a:solidFill>
-              <a:latin typeface="리디바탕" panose="020B0600000101010101" pitchFamily="34" charset="-127"/>
-              <a:ea typeface="리디바탕" panose="020B0600000101010101" pitchFamily="34" charset="-127"/>
-            </a:endParaRPr>
           </a:p>
         </p:txBody>
       </p:sp>
@@ -9426,7 +9106,7 @@
           <a:lstStyle/>
           <a:p>
             <a:r>
-              <a:rPr lang="en-US" altLang="ko-KR" sz="1400" dirty="0" smtClean="0">
+              <a:rPr lang="en-US" altLang="ko-KR" sz="1400" dirty="0">
                 <a:solidFill>
                   <a:srgbClr val="FF0000"/>
                 </a:solidFill>
@@ -9436,7 +9116,7 @@
               <a:t>2. </a:t>
             </a:r>
             <a:r>
-              <a:rPr lang="ko-KR" altLang="en-US" sz="1400" dirty="0" smtClean="0">
+              <a:rPr lang="ko-KR" altLang="en-US" sz="1400" dirty="0">
                 <a:solidFill>
                   <a:srgbClr val="FF0000"/>
                 </a:solidFill>
@@ -9445,13 +9125,6 @@
               </a:rPr>
               <a:t>연산</a:t>
             </a:r>
-            <a:endParaRPr lang="ko-KR" altLang="en-US" sz="1400" dirty="0">
-              <a:solidFill>
-                <a:srgbClr val="FF0000"/>
-              </a:solidFill>
-              <a:latin typeface="리디바탕" panose="020B0600000101010101" pitchFamily="34" charset="-127"/>
-              <a:ea typeface="리디바탕" panose="020B0600000101010101" pitchFamily="34" charset="-127"/>
-            </a:endParaRPr>
           </a:p>
         </p:txBody>
       </p:sp>
@@ -9478,7 +9151,7 @@
           <a:lstStyle/>
           <a:p>
             <a:r>
-              <a:rPr lang="en-US" altLang="ko-KR" sz="1400" dirty="0" smtClean="0">
+              <a:rPr lang="en-US" altLang="ko-KR" sz="1400" dirty="0">
                 <a:solidFill>
                   <a:srgbClr val="00B050"/>
                 </a:solidFill>
@@ -9488,7 +9161,7 @@
               <a:t>3. </a:t>
             </a:r>
             <a:r>
-              <a:rPr lang="ko-KR" altLang="en-US" sz="1400" dirty="0" smtClean="0">
+              <a:rPr lang="ko-KR" altLang="en-US" sz="1400" dirty="0">
                 <a:solidFill>
                   <a:srgbClr val="00B050"/>
                 </a:solidFill>
@@ -9497,13 +9170,6 @@
               </a:rPr>
               <a:t>결과</a:t>
             </a:r>
-            <a:endParaRPr lang="ko-KR" altLang="en-US" sz="1400" dirty="0">
-              <a:solidFill>
-                <a:srgbClr val="00B050"/>
-              </a:solidFill>
-              <a:latin typeface="리디바탕" panose="020B0600000101010101" pitchFamily="34" charset="-127"/>
-              <a:ea typeface="리디바탕" panose="020B0600000101010101" pitchFamily="34" charset="-127"/>
-            </a:endParaRPr>
           </a:p>
         </p:txBody>
       </p:sp>
@@ -9530,7 +9196,7 @@
           <a:lstStyle/>
           <a:p>
             <a:r>
-              <a:rPr lang="en-US" altLang="ko-KR" sz="1400" dirty="0" smtClean="0">
+              <a:rPr lang="en-US" altLang="ko-KR" sz="1400" dirty="0">
                 <a:solidFill>
                   <a:srgbClr val="0000FF"/>
                 </a:solidFill>
@@ -9540,7 +9206,7 @@
               <a:t>1. </a:t>
             </a:r>
             <a:r>
-              <a:rPr lang="ko-KR" altLang="en-US" sz="1400" dirty="0" smtClean="0">
+              <a:rPr lang="ko-KR" altLang="en-US" sz="1400" dirty="0">
                 <a:solidFill>
                   <a:srgbClr val="0000FF"/>
                 </a:solidFill>
@@ -9549,13 +9215,6 @@
               </a:rPr>
               <a:t>입력</a:t>
             </a:r>
-            <a:endParaRPr lang="ko-KR" altLang="en-US" sz="1400" dirty="0">
-              <a:solidFill>
-                <a:srgbClr val="0000FF"/>
-              </a:solidFill>
-              <a:latin typeface="리디바탕" panose="020B0600000101010101" pitchFamily="34" charset="-127"/>
-              <a:ea typeface="리디바탕" panose="020B0600000101010101" pitchFamily="34" charset="-127"/>
-            </a:endParaRPr>
           </a:p>
         </p:txBody>
       </p:sp>
@@ -9582,7 +9241,7 @@
           <a:lstStyle/>
           <a:p>
             <a:r>
-              <a:rPr lang="en-US" altLang="ko-KR" sz="1400" dirty="0" smtClean="0">
+              <a:rPr lang="en-US" altLang="ko-KR" sz="1400" dirty="0">
                 <a:solidFill>
                   <a:srgbClr val="FF0000"/>
                 </a:solidFill>
@@ -9592,7 +9251,7 @@
               <a:t>2. </a:t>
             </a:r>
             <a:r>
-              <a:rPr lang="ko-KR" altLang="en-US" sz="1400" dirty="0" smtClean="0">
+              <a:rPr lang="ko-KR" altLang="en-US" sz="1400" dirty="0">
                 <a:solidFill>
                   <a:srgbClr val="FF0000"/>
                 </a:solidFill>
@@ -9601,13 +9260,6 @@
               </a:rPr>
               <a:t>연산</a:t>
             </a:r>
-            <a:endParaRPr lang="ko-KR" altLang="en-US" sz="1400" dirty="0">
-              <a:solidFill>
-                <a:srgbClr val="FF0000"/>
-              </a:solidFill>
-              <a:latin typeface="리디바탕" panose="020B0600000101010101" pitchFamily="34" charset="-127"/>
-              <a:ea typeface="리디바탕" panose="020B0600000101010101" pitchFamily="34" charset="-127"/>
-            </a:endParaRPr>
           </a:p>
         </p:txBody>
       </p:sp>
@@ -9634,7 +9286,7 @@
           <a:lstStyle/>
           <a:p>
             <a:r>
-              <a:rPr lang="en-US" altLang="ko-KR" sz="1400" dirty="0" smtClean="0">
+              <a:rPr lang="en-US" altLang="ko-KR" sz="1400" dirty="0">
                 <a:solidFill>
                   <a:srgbClr val="00B050"/>
                 </a:solidFill>
@@ -9644,7 +9296,7 @@
               <a:t>3. </a:t>
             </a:r>
             <a:r>
-              <a:rPr lang="ko-KR" altLang="en-US" sz="1400" dirty="0" smtClean="0">
+              <a:rPr lang="ko-KR" altLang="en-US" sz="1400" dirty="0">
                 <a:solidFill>
                   <a:srgbClr val="00B050"/>
                 </a:solidFill>
@@ -9653,13 +9305,6 @@
               </a:rPr>
               <a:t>결과</a:t>
             </a:r>
-            <a:endParaRPr lang="ko-KR" altLang="en-US" sz="1400" dirty="0">
-              <a:solidFill>
-                <a:srgbClr val="00B050"/>
-              </a:solidFill>
-              <a:latin typeface="리디바탕" panose="020B0600000101010101" pitchFamily="34" charset="-127"/>
-              <a:ea typeface="리디바탕" panose="020B0600000101010101" pitchFamily="34" charset="-127"/>
-            </a:endParaRPr>
           </a:p>
         </p:txBody>
       </p:sp>
@@ -9717,42 +9362,42 @@
           <a:p>
             <a:pPr algn="ctr"/>
             <a:r>
-              <a:rPr lang="ko-KR" altLang="en-US" sz="2400" dirty="0" smtClean="0">
+              <a:rPr lang="ko-KR" altLang="en-US" sz="2400" dirty="0">
                 <a:latin typeface="리디바탕" panose="020B0600000101010101" pitchFamily="34" charset="-127"/>
                 <a:ea typeface="리디바탕" panose="020B0600000101010101" pitchFamily="34" charset="-127"/>
               </a:rPr>
               <a:t>내 업무의 효율은 내</a:t>
             </a:r>
             <a:r>
-              <a:rPr lang="en-US" altLang="ko-KR" sz="2400" dirty="0" smtClean="0">
+              <a:rPr lang="en-US" altLang="ko-KR" sz="2400" dirty="0">
                 <a:latin typeface="리디바탕" panose="020B0600000101010101" pitchFamily="34" charset="-127"/>
                 <a:ea typeface="리디바탕" panose="020B0600000101010101" pitchFamily="34" charset="-127"/>
               </a:rPr>
               <a:t>(</a:t>
             </a:r>
             <a:r>
-              <a:rPr lang="ko-KR" altLang="en-US" sz="2400" dirty="0" smtClean="0">
+              <a:rPr lang="ko-KR" altLang="en-US" sz="2400" dirty="0">
                 <a:latin typeface="리디바탕" panose="020B0600000101010101" pitchFamily="34" charset="-127"/>
                 <a:ea typeface="리디바탕" panose="020B0600000101010101" pitchFamily="34" charset="-127"/>
               </a:rPr>
               <a:t>우리</a:t>
             </a:r>
             <a:r>
-              <a:rPr lang="en-US" altLang="ko-KR" sz="2400" dirty="0" smtClean="0">
+              <a:rPr lang="en-US" altLang="ko-KR" sz="2400" dirty="0">
                 <a:latin typeface="리디바탕" panose="020B0600000101010101" pitchFamily="34" charset="-127"/>
                 <a:ea typeface="리디바탕" panose="020B0600000101010101" pitchFamily="34" charset="-127"/>
               </a:rPr>
               <a:t>)</a:t>
             </a:r>
             <a:r>
-              <a:rPr lang="ko-KR" altLang="en-US" sz="2400" dirty="0" smtClean="0">
+              <a:rPr lang="ko-KR" altLang="en-US" sz="2400" dirty="0">
                 <a:latin typeface="리디바탕" panose="020B0600000101010101" pitchFamily="34" charset="-127"/>
                 <a:ea typeface="리디바탕" panose="020B0600000101010101" pitchFamily="34" charset="-127"/>
               </a:rPr>
               <a:t>가 높인다</a:t>
             </a:r>
             <a:r>
-              <a:rPr lang="en-US" altLang="ko-KR" sz="2400" dirty="0" smtClean="0">
+              <a:rPr lang="en-US" altLang="ko-KR" sz="2400" dirty="0">
                 <a:latin typeface="리디바탕" panose="020B0600000101010101" pitchFamily="34" charset="-127"/>
                 <a:ea typeface="리디바탕" panose="020B0600000101010101" pitchFamily="34" charset="-127"/>
               </a:rPr>
@@ -9775,13 +9420,6 @@
   <p:clrMapOvr>
     <a:masterClrMapping/>
   </p:clrMapOvr>
-  <p:timing>
-    <p:tnLst>
-      <p:par>
-        <p:cTn id="1" dur="indefinite" restart="never" nodeType="tmRoot"/>
-      </p:par>
-    </p:tnLst>
-  </p:timing>
 </p:sld>
 </file>
 
@@ -9825,7 +9463,7 @@
           <a:lstStyle/>
           <a:p>
             <a:r>
-              <a:rPr lang="en-US" altLang="ko-KR" sz="2000" dirty="0" smtClean="0">
+              <a:rPr lang="en-US" altLang="ko-KR" sz="2000" dirty="0">
                 <a:latin typeface="리디바탕" panose="020B0600000101010101" pitchFamily="34" charset="-127"/>
                 <a:ea typeface="리디바탕" panose="020B0600000101010101" pitchFamily="34" charset="-127"/>
               </a:rPr>
@@ -9861,7 +9499,7 @@
           <a:lstStyle/>
           <a:p>
             <a:r>
-              <a:rPr lang="en-US" altLang="ko-KR" sz="2000" dirty="0" smtClean="0">
+              <a:rPr lang="en-US" altLang="ko-KR" sz="2000" dirty="0">
                 <a:latin typeface="리디바탕" panose="020B0600000101010101" pitchFamily="34" charset="-127"/>
                 <a:ea typeface="리디바탕" panose="020B0600000101010101" pitchFamily="34" charset="-127"/>
               </a:rPr>
@@ -9945,7 +9583,7 @@
           <a:lstStyle/>
           <a:p>
             <a:r>
-              <a:rPr lang="en-US" altLang="ko-KR" dirty="0" smtClean="0">
+              <a:rPr lang="en-US" altLang="ko-KR" dirty="0">
                 <a:latin typeface="리디바탕" panose="020B0600000101010101" pitchFamily="34" charset="-127"/>
                 <a:ea typeface="리디바탕" panose="020B0600000101010101" pitchFamily="34" charset="-127"/>
               </a:rPr>
@@ -10011,7 +9649,7 @@
           <a:lstStyle/>
           <a:p>
             <a:r>
-              <a:rPr lang="en-US" altLang="ko-KR" sz="2000" dirty="0" smtClean="0">
+              <a:rPr lang="en-US" altLang="ko-KR" sz="2000" dirty="0">
                 <a:latin typeface="리디바탕" panose="020B0600000101010101" pitchFamily="34" charset="-127"/>
                 <a:ea typeface="리디바탕" panose="020B0600000101010101" pitchFamily="34" charset="-127"/>
               </a:rPr>
@@ -10047,7 +9685,7 @@
           <a:lstStyle/>
           <a:p>
             <a:r>
-              <a:rPr lang="en-US" altLang="ko-KR" sz="2000" dirty="0" smtClean="0">
+              <a:rPr lang="en-US" altLang="ko-KR" sz="2000" dirty="0">
                 <a:latin typeface="리디바탕" panose="020B0600000101010101" pitchFamily="34" charset="-127"/>
                 <a:ea typeface="리디바탕" panose="020B0600000101010101" pitchFamily="34" charset="-127"/>
               </a:rPr>
@@ -10107,7 +9745,7 @@
           <a:lstStyle/>
           <a:p>
             <a:r>
-              <a:rPr lang="en-US" altLang="ko-KR" dirty="0" smtClean="0">
+              <a:rPr lang="en-US" altLang="ko-KR" dirty="0">
                 <a:latin typeface="리디바탕" panose="020B0600000101010101" pitchFamily="34" charset="-127"/>
                 <a:ea typeface="리디바탕" panose="020B0600000101010101" pitchFamily="34" charset="-127"/>
               </a:rPr>
@@ -10154,13 +9792,6 @@
   <p:clrMapOvr>
     <a:masterClrMapping/>
   </p:clrMapOvr>
-  <p:timing>
-    <p:tnLst>
-      <p:par>
-        <p:cTn id="1" dur="indefinite" restart="never" nodeType="tmRoot"/>
-      </p:par>
-    </p:tnLst>
-  </p:timing>
 </p:sld>
 </file>
 
@@ -10204,7 +9835,7 @@
           <a:lstStyle/>
           <a:p>
             <a:r>
-              <a:rPr lang="en-US" altLang="ko-KR" sz="2000" dirty="0" smtClean="0">
+              <a:rPr lang="en-US" altLang="ko-KR" sz="2000" dirty="0">
                 <a:latin typeface="리디바탕" panose="020B0600000101010101" pitchFamily="34" charset="-127"/>
                 <a:ea typeface="리디바탕" panose="020B0600000101010101" pitchFamily="34" charset="-127"/>
               </a:rPr>
@@ -10240,7 +9871,7 @@
           <a:lstStyle/>
           <a:p>
             <a:r>
-              <a:rPr lang="en-US" altLang="ko-KR" sz="2000" dirty="0" smtClean="0">
+              <a:rPr lang="en-US" altLang="ko-KR" sz="2000" dirty="0">
                 <a:latin typeface="리디바탕" panose="020B0600000101010101" pitchFamily="34" charset="-127"/>
                 <a:ea typeface="리디바탕" panose="020B0600000101010101" pitchFamily="34" charset="-127"/>
               </a:rPr>
@@ -10286,13 +9917,6 @@
   <p:clrMapOvr>
     <a:masterClrMapping/>
   </p:clrMapOvr>
-  <p:timing>
-    <p:tnLst>
-      <p:par>
-        <p:cTn id="1" dur="indefinite" restart="never" nodeType="tmRoot"/>
-      </p:par>
-    </p:tnLst>
-  </p:timing>
 </p:sld>
 </file>
 
@@ -10336,7 +9960,7 @@
           <a:lstStyle/>
           <a:p>
             <a:r>
-              <a:rPr lang="en-US" altLang="ko-KR" sz="2000" dirty="0" smtClean="0">
+              <a:rPr lang="en-US" altLang="ko-KR" sz="2000" dirty="0">
                 <a:latin typeface="리디바탕" panose="020B0600000101010101" pitchFamily="34" charset="-127"/>
                 <a:ea typeface="리디바탕" panose="020B0600000101010101" pitchFamily="34" charset="-127"/>
               </a:rPr>
@@ -10372,7 +9996,7 @@
           <a:lstStyle/>
           <a:p>
             <a:r>
-              <a:rPr lang="en-US" altLang="ko-KR" sz="2000" dirty="0" smtClean="0">
+              <a:rPr lang="en-US" altLang="ko-KR" sz="2000" dirty="0">
                 <a:latin typeface="리디바탕" panose="020B0600000101010101" pitchFamily="34" charset="-127"/>
                 <a:ea typeface="리디바탕" panose="020B0600000101010101" pitchFamily="34" charset="-127"/>
               </a:rPr>
@@ -10395,13 +10019,6 @@
   <p:clrMapOvr>
     <a:masterClrMapping/>
   </p:clrMapOvr>
-  <p:timing>
-    <p:tnLst>
-      <p:par>
-        <p:cTn id="1" dur="indefinite" restart="never" nodeType="tmRoot"/>
-      </p:par>
-    </p:tnLst>
-  </p:timing>
 </p:sld>
 </file>
 
@@ -10445,7 +10062,7 @@
           <a:lstStyle/>
           <a:p>
             <a:r>
-              <a:rPr lang="en-US" altLang="ko-KR" sz="2000" dirty="0" smtClean="0">
+              <a:rPr lang="en-US" altLang="ko-KR" sz="2000" dirty="0">
                 <a:latin typeface="리디바탕" panose="020B0600000101010101" pitchFamily="34" charset="-127"/>
                 <a:ea typeface="리디바탕" panose="020B0600000101010101" pitchFamily="34" charset="-127"/>
               </a:rPr>
@@ -10481,7 +10098,7 @@
           <a:lstStyle/>
           <a:p>
             <a:r>
-              <a:rPr lang="en-US" altLang="ko-KR" sz="2000" dirty="0" smtClean="0">
+              <a:rPr lang="en-US" altLang="ko-KR" sz="2000" dirty="0">
                 <a:latin typeface="리디바탕" panose="020B0600000101010101" pitchFamily="34" charset="-127"/>
                 <a:ea typeface="리디바탕" panose="020B0600000101010101" pitchFamily="34" charset="-127"/>
               </a:rPr>
@@ -10504,13 +10121,6 @@
   <p:clrMapOvr>
     <a:masterClrMapping/>
   </p:clrMapOvr>
-  <p:timing>
-    <p:tnLst>
-      <p:par>
-        <p:cTn id="1" dur="indefinite" restart="never" nodeType="tmRoot"/>
-      </p:par>
-    </p:tnLst>
-  </p:timing>
 </p:sld>
 </file>
 
@@ -10554,7 +10164,7 @@
           <a:lstStyle/>
           <a:p>
             <a:r>
-              <a:rPr lang="en-US" altLang="ko-KR" sz="2000" dirty="0" smtClean="0">
+              <a:rPr lang="en-US" altLang="ko-KR" sz="2000" dirty="0">
                 <a:latin typeface="리디바탕" panose="020B0600000101010101" pitchFamily="34" charset="-127"/>
                 <a:ea typeface="리디바탕" panose="020B0600000101010101" pitchFamily="34" charset="-127"/>
               </a:rPr>
@@ -10590,7 +10200,7 @@
           <a:lstStyle/>
           <a:p>
             <a:r>
-              <a:rPr lang="en-US" altLang="ko-KR" sz="2000" dirty="0" smtClean="0">
+              <a:rPr lang="en-US" altLang="ko-KR" sz="2000" dirty="0">
                 <a:latin typeface="리디바탕" panose="020B0600000101010101" pitchFamily="34" charset="-127"/>
                 <a:ea typeface="리디바탕" panose="020B0600000101010101" pitchFamily="34" charset="-127"/>
               </a:rPr>
@@ -10613,13 +10223,6 @@
   <p:clrMapOvr>
     <a:masterClrMapping/>
   </p:clrMapOvr>
-  <p:timing>
-    <p:tnLst>
-      <p:par>
-        <p:cTn id="1" dur="indefinite" restart="never" nodeType="tmRoot"/>
-      </p:par>
-    </p:tnLst>
-  </p:timing>
 </p:sld>
 </file>
 
@@ -10650,13 +10253,6 @@
   <p:clrMapOvr>
     <a:masterClrMapping/>
   </p:clrMapOvr>
-  <p:timing>
-    <p:tnLst>
-      <p:par>
-        <p:cTn id="1" dur="indefinite" restart="never" nodeType="tmRoot"/>
-      </p:par>
-    </p:tnLst>
-  </p:timing>
 </p:sld>
 </file>
 
@@ -10701,28 +10297,28 @@
           <a:p>
             <a:pPr algn="ctr"/>
             <a:r>
-              <a:rPr lang="ko-KR" altLang="en-US" sz="2400" dirty="0" smtClean="0">
+              <a:rPr lang="ko-KR" altLang="en-US" sz="2400" dirty="0">
                 <a:latin typeface="리디바탕" panose="020B0600000101010101" pitchFamily="34" charset="-127"/>
                 <a:ea typeface="리디바탕" panose="020B0600000101010101" pitchFamily="34" charset="-127"/>
               </a:rPr>
               <a:t>이 말은 </a:t>
             </a:r>
             <a:r>
-              <a:rPr lang="ko-KR" altLang="en-US" sz="2400" dirty="0" err="1" smtClean="0">
+              <a:rPr lang="ko-KR" altLang="en-US" sz="2400" dirty="0" err="1">
                 <a:latin typeface="리디바탕" panose="020B0600000101010101" pitchFamily="34" charset="-127"/>
                 <a:ea typeface="리디바탕" panose="020B0600000101010101" pitchFamily="34" charset="-127"/>
               </a:rPr>
               <a:t>근성론이</a:t>
             </a:r>
             <a:r>
-              <a:rPr lang="ko-KR" altLang="en-US" sz="2400" dirty="0" smtClean="0">
+              <a:rPr lang="ko-KR" altLang="en-US" sz="2400" dirty="0">
                 <a:latin typeface="리디바탕" panose="020B0600000101010101" pitchFamily="34" charset="-127"/>
                 <a:ea typeface="리디바탕" panose="020B0600000101010101" pitchFamily="34" charset="-127"/>
               </a:rPr>
               <a:t> 아닙니다</a:t>
             </a:r>
             <a:r>
-              <a:rPr lang="en-US" altLang="ko-KR" sz="2400" dirty="0" smtClean="0">
+              <a:rPr lang="en-US" altLang="ko-KR" sz="2400" dirty="0">
                 <a:latin typeface="리디바탕" panose="020B0600000101010101" pitchFamily="34" charset="-127"/>
                 <a:ea typeface="리디바탕" panose="020B0600000101010101" pitchFamily="34" charset="-127"/>
               </a:rPr>
@@ -10731,7 +10327,7 @@
           </a:p>
           <a:p>
             <a:pPr algn="ctr"/>
-            <a:endParaRPr lang="en-US" altLang="ko-KR" sz="2400" dirty="0" smtClean="0">
+            <a:endParaRPr lang="en-US" altLang="ko-KR" sz="2400" dirty="0">
               <a:latin typeface="리디바탕" panose="020B0600000101010101" pitchFamily="34" charset="-127"/>
               <a:ea typeface="리디바탕" panose="020B0600000101010101" pitchFamily="34" charset="-127"/>
             </a:endParaRPr>
@@ -10739,13 +10335,13 @@
           <a:p>
             <a:pPr algn="ctr"/>
             <a:r>
-              <a:rPr lang="ko-KR" altLang="en-US" sz="2400" dirty="0" smtClean="0">
+              <a:rPr lang="ko-KR" altLang="en-US" sz="2400" dirty="0">
                 <a:latin typeface="리디바탕" panose="020B0600000101010101" pitchFamily="34" charset="-127"/>
                 <a:ea typeface="리디바탕" panose="020B0600000101010101" pitchFamily="34" charset="-127"/>
               </a:rPr>
               <a:t>문제에 직면하지 않은 타인이 제공해주는 솔루션으로는</a:t>
             </a:r>
-            <a:endParaRPr lang="en-US" altLang="ko-KR" sz="2400" dirty="0" smtClean="0">
+            <a:endParaRPr lang="en-US" altLang="ko-KR" sz="2400" dirty="0">
               <a:latin typeface="리디바탕" panose="020B0600000101010101" pitchFamily="34" charset="-127"/>
               <a:ea typeface="리디바탕" panose="020B0600000101010101" pitchFamily="34" charset="-127"/>
             </a:endParaRPr>
@@ -10753,14 +10349,14 @@
           <a:p>
             <a:pPr algn="ctr"/>
             <a:r>
-              <a:rPr lang="ko-KR" altLang="en-US" sz="2400" dirty="0" smtClean="0">
+              <a:rPr lang="ko-KR" altLang="en-US" sz="2400" dirty="0">
                 <a:latin typeface="리디바탕" panose="020B0600000101010101" pitchFamily="34" charset="-127"/>
                 <a:ea typeface="리디바탕" panose="020B0600000101010101" pitchFamily="34" charset="-127"/>
               </a:rPr>
               <a:t>도달할 수 있는 효율의 한계가 명확하기 때문입니다</a:t>
             </a:r>
             <a:r>
-              <a:rPr lang="en-US" altLang="ko-KR" sz="2400" dirty="0" smtClean="0">
+              <a:rPr lang="en-US" altLang="ko-KR" sz="2400" dirty="0">
                 <a:latin typeface="리디바탕" panose="020B0600000101010101" pitchFamily="34" charset="-127"/>
                 <a:ea typeface="리디바탕" panose="020B0600000101010101" pitchFamily="34" charset="-127"/>
               </a:rPr>
@@ -10783,13 +10379,6 @@
   <p:clrMapOvr>
     <a:masterClrMapping/>
   </p:clrMapOvr>
-  <p:timing>
-    <p:tnLst>
-      <p:par>
-        <p:cTn id="1" dur="indefinite" restart="never" nodeType="tmRoot"/>
-      </p:par>
-    </p:tnLst>
-  </p:timing>
 </p:sld>
 </file>
 
@@ -10834,14 +10423,14 @@
           <a:p>
             <a:pPr algn="ctr"/>
             <a:r>
-              <a:rPr lang="ko-KR" altLang="en-US" sz="2400" dirty="0" smtClean="0">
+              <a:rPr lang="ko-KR" altLang="en-US" sz="2400" dirty="0">
                 <a:latin typeface="리디바탕" panose="020B0600000101010101" pitchFamily="34" charset="-127"/>
                 <a:ea typeface="리디바탕" panose="020B0600000101010101" pitchFamily="34" charset="-127"/>
               </a:rPr>
               <a:t>도대체 </a:t>
             </a:r>
             <a:r>
-              <a:rPr lang="ko-KR" altLang="en-US" sz="2400" dirty="0" smtClean="0">
+              <a:rPr lang="ko-KR" altLang="en-US" sz="2400" dirty="0">
                 <a:solidFill>
                   <a:srgbClr val="FF0000"/>
                 </a:solidFill>
@@ -10851,14 +10440,14 @@
               <a:t>어디까지</a:t>
             </a:r>
             <a:r>
-              <a:rPr lang="ko-KR" altLang="en-US" sz="2400" dirty="0" smtClean="0">
+              <a:rPr lang="ko-KR" altLang="en-US" sz="2400" dirty="0">
                 <a:latin typeface="리디바탕" panose="020B0600000101010101" pitchFamily="34" charset="-127"/>
                 <a:ea typeface="리디바탕" panose="020B0600000101010101" pitchFamily="34" charset="-127"/>
               </a:rPr>
               <a:t>가 솔루션이 커버하는 영역 이야</a:t>
             </a:r>
             <a:r>
-              <a:rPr lang="en-US" altLang="ko-KR" sz="2400" dirty="0" smtClean="0">
+              <a:rPr lang="en-US" altLang="ko-KR" sz="2400" dirty="0">
                 <a:latin typeface="리디바탕" panose="020B0600000101010101" pitchFamily="34" charset="-127"/>
                 <a:ea typeface="리디바탕" panose="020B0600000101010101" pitchFamily="34" charset="-127"/>
               </a:rPr>
@@ -10868,14 +10457,14 @@
           <a:p>
             <a:pPr algn="ctr"/>
             <a:r>
-              <a:rPr lang="ko-KR" altLang="en-US" sz="2400" dirty="0" smtClean="0">
+              <a:rPr lang="ko-KR" altLang="en-US" sz="2400" dirty="0">
                 <a:latin typeface="리디바탕" panose="020B0600000101010101" pitchFamily="34" charset="-127"/>
                 <a:ea typeface="리디바탕" panose="020B0600000101010101" pitchFamily="34" charset="-127"/>
               </a:rPr>
               <a:t>어디부터 내가 노가다 해야 하는 거야</a:t>
             </a:r>
             <a:r>
-              <a:rPr lang="en-US" altLang="ko-KR" sz="2400" dirty="0" smtClean="0">
+              <a:rPr lang="en-US" altLang="ko-KR" sz="2400" dirty="0">
                 <a:latin typeface="리디바탕" panose="020B0600000101010101" pitchFamily="34" charset="-127"/>
                 <a:ea typeface="리디바탕" panose="020B0600000101010101" pitchFamily="34" charset="-127"/>
               </a:rPr>
@@ -10898,13 +10487,6 @@
   <p:clrMapOvr>
     <a:masterClrMapping/>
   </p:clrMapOvr>
-  <p:timing>
-    <p:tnLst>
-      <p:par>
-        <p:cTn id="1" dur="indefinite" restart="never" nodeType="tmRoot"/>
-      </p:par>
-    </p:tnLst>
-  </p:timing>
 </p:sld>
 </file>
 
@@ -10949,7 +10531,7 @@
           <a:p>
             <a:pPr algn="ctr"/>
             <a:r>
-              <a:rPr lang="ko-KR" altLang="en-US" sz="2400" u="sng" dirty="0" smtClean="0">
+              <a:rPr lang="ko-KR" altLang="en-US" sz="2400" u="sng" dirty="0">
                 <a:solidFill>
                   <a:srgbClr val="FF0000"/>
                 </a:solidFill>
@@ -10989,42 +10571,42 @@
           <a:p>
             <a:pPr algn="ctr"/>
             <a:r>
-              <a:rPr lang="ko-KR" altLang="en-US" sz="2400" dirty="0" smtClean="0">
+              <a:rPr lang="ko-KR" altLang="en-US" sz="2400" dirty="0">
                 <a:latin typeface="리디바탕" panose="020B0600000101010101" pitchFamily="34" charset="-127"/>
                 <a:ea typeface="리디바탕" panose="020B0600000101010101" pitchFamily="34" charset="-127"/>
               </a:rPr>
               <a:t>솔루션이 제공하는 자동화의 범위</a:t>
             </a:r>
             <a:r>
-              <a:rPr lang="en-US" altLang="ko-KR" sz="2400" dirty="0" smtClean="0">
+              <a:rPr lang="en-US" altLang="ko-KR" sz="2400" dirty="0">
                 <a:latin typeface="리디바탕" panose="020B0600000101010101" pitchFamily="34" charset="-127"/>
                 <a:ea typeface="리디바탕" panose="020B0600000101010101" pitchFamily="34" charset="-127"/>
               </a:rPr>
               <a:t>(</a:t>
             </a:r>
             <a:r>
-              <a:rPr lang="ko-KR" altLang="en-US" sz="2400" dirty="0" smtClean="0">
+              <a:rPr lang="ko-KR" altLang="en-US" sz="2400" dirty="0">
                 <a:latin typeface="리디바탕" panose="020B0600000101010101" pitchFamily="34" charset="-127"/>
                 <a:ea typeface="리디바탕" panose="020B0600000101010101" pitchFamily="34" charset="-127"/>
               </a:rPr>
               <a:t>어디까지</a:t>
             </a:r>
             <a:r>
-              <a:rPr lang="en-US" altLang="ko-KR" sz="2400" dirty="0" smtClean="0">
+              <a:rPr lang="en-US" altLang="ko-KR" sz="2400" dirty="0">
                 <a:latin typeface="리디바탕" panose="020B0600000101010101" pitchFamily="34" charset="-127"/>
                 <a:ea typeface="리디바탕" panose="020B0600000101010101" pitchFamily="34" charset="-127"/>
               </a:rPr>
               <a:t>)</a:t>
             </a:r>
             <a:r>
-              <a:rPr lang="ko-KR" altLang="en-US" sz="2400" dirty="0" smtClean="0">
+              <a:rPr lang="ko-KR" altLang="en-US" sz="2400" dirty="0">
                 <a:latin typeface="리디바탕" panose="020B0600000101010101" pitchFamily="34" charset="-127"/>
                 <a:ea typeface="리디바탕" panose="020B0600000101010101" pitchFamily="34" charset="-127"/>
               </a:rPr>
               <a:t>의 범위는</a:t>
             </a:r>
             <a:r>
-              <a:rPr lang="en-US" altLang="ko-KR" sz="2400" dirty="0" smtClean="0">
+              <a:rPr lang="en-US" altLang="ko-KR" sz="2400" dirty="0">
                 <a:latin typeface="리디바탕" panose="020B0600000101010101" pitchFamily="34" charset="-127"/>
                 <a:ea typeface="리디바탕" panose="020B0600000101010101" pitchFamily="34" charset="-127"/>
               </a:rPr>
@@ -11033,7 +10615,7 @@
           </a:p>
           <a:p>
             <a:pPr algn="ctr"/>
-            <a:endParaRPr lang="en-US" altLang="ko-KR" sz="2400" dirty="0" smtClean="0">
+            <a:endParaRPr lang="en-US" altLang="ko-KR" sz="2400" dirty="0">
               <a:latin typeface="리디바탕" panose="020B0600000101010101" pitchFamily="34" charset="-127"/>
               <a:ea typeface="리디바탕" panose="020B0600000101010101" pitchFamily="34" charset="-127"/>
             </a:endParaRPr>
@@ -11041,27 +10623,27 @@
           <a:p>
             <a:pPr algn="ctr"/>
             <a:r>
-              <a:rPr lang="ko-KR" altLang="en-US" sz="2400" dirty="0" smtClean="0">
+              <a:rPr lang="ko-KR" altLang="en-US" sz="2400" dirty="0">
                 <a:latin typeface="리디바탕" panose="020B0600000101010101" pitchFamily="34" charset="-127"/>
                 <a:ea typeface="리디바탕" panose="020B0600000101010101" pitchFamily="34" charset="-127"/>
               </a:rPr>
               <a:t>솔루션 </a:t>
             </a:r>
             <a:r>
-              <a:rPr lang="ko-KR" altLang="en-US" sz="2400" dirty="0" err="1" smtClean="0">
+              <a:rPr lang="ko-KR" altLang="en-US" sz="2400" dirty="0" err="1">
                 <a:latin typeface="리디바탕" panose="020B0600000101010101" pitchFamily="34" charset="-127"/>
                 <a:ea typeface="리디바탕" panose="020B0600000101010101" pitchFamily="34" charset="-127"/>
               </a:rPr>
               <a:t>제공사</a:t>
             </a:r>
             <a:r>
-              <a:rPr lang="ko-KR" altLang="en-US" sz="2400" dirty="0" smtClean="0">
+              <a:rPr lang="ko-KR" altLang="en-US" sz="2400" dirty="0">
                 <a:latin typeface="리디바탕" panose="020B0600000101010101" pitchFamily="34" charset="-127"/>
                 <a:ea typeface="리디바탕" panose="020B0600000101010101" pitchFamily="34" charset="-127"/>
               </a:rPr>
               <a:t> 들이 경제적이득을 취할 수 있는 스케일에 속한 사람들의 요구사항 중</a:t>
             </a:r>
-            <a:endParaRPr lang="en-US" altLang="ko-KR" sz="2400" dirty="0" smtClean="0">
+            <a:endParaRPr lang="en-US" altLang="ko-KR" sz="2400" dirty="0">
               <a:latin typeface="리디바탕" panose="020B0600000101010101" pitchFamily="34" charset="-127"/>
               <a:ea typeface="리디바탕" panose="020B0600000101010101" pitchFamily="34" charset="-127"/>
             </a:endParaRPr>
@@ -11069,14 +10651,14 @@
           <a:p>
             <a:pPr algn="ctr"/>
             <a:r>
-              <a:rPr lang="ko-KR" altLang="en-US" sz="2400" dirty="0" smtClean="0">
+              <a:rPr lang="ko-KR" altLang="en-US" sz="2400" dirty="0">
                 <a:latin typeface="리디바탕" panose="020B0600000101010101" pitchFamily="34" charset="-127"/>
                 <a:ea typeface="리디바탕" panose="020B0600000101010101" pitchFamily="34" charset="-127"/>
               </a:rPr>
               <a:t>공통적인 부분들</a:t>
             </a:r>
             <a:r>
-              <a:rPr lang="en-US" altLang="ko-KR" sz="2400" dirty="0" smtClean="0">
+              <a:rPr lang="en-US" altLang="ko-KR" sz="2400" dirty="0">
                 <a:latin typeface="리디바탕" panose="020B0600000101010101" pitchFamily="34" charset="-127"/>
                 <a:ea typeface="리디바탕" panose="020B0600000101010101" pitchFamily="34" charset="-127"/>
               </a:rPr>
@@ -11086,13 +10668,13 @@
           <a:p>
             <a:pPr algn="ctr"/>
             <a:r>
-              <a:rPr lang="ko-KR" altLang="en-US" sz="2400" dirty="0" smtClean="0">
+              <a:rPr lang="ko-KR" altLang="en-US" sz="2400" dirty="0">
                 <a:latin typeface="리디바탕" panose="020B0600000101010101" pitchFamily="34" charset="-127"/>
                 <a:ea typeface="리디바탕" panose="020B0600000101010101" pitchFamily="34" charset="-127"/>
               </a:rPr>
               <a:t>그리고 이 부분을 개발하는 데 드는 비용의 곡선이 만나는 점</a:t>
             </a:r>
-            <a:endParaRPr lang="en-US" altLang="ko-KR" sz="2400" dirty="0" smtClean="0">
+            <a:endParaRPr lang="en-US" altLang="ko-KR" sz="2400" dirty="0">
               <a:latin typeface="리디바탕" panose="020B0600000101010101" pitchFamily="34" charset="-127"/>
               <a:ea typeface="리디바탕" panose="020B0600000101010101" pitchFamily="34" charset="-127"/>
             </a:endParaRPr>
@@ -11100,14 +10682,14 @@
           <a:p>
             <a:pPr algn="ctr"/>
             <a:r>
-              <a:rPr lang="ko-KR" altLang="en-US" sz="2400" dirty="0" smtClean="0">
+              <a:rPr lang="ko-KR" altLang="en-US" sz="2400" dirty="0">
                 <a:latin typeface="리디바탕" panose="020B0600000101010101" pitchFamily="34" charset="-127"/>
                 <a:ea typeface="리디바탕" panose="020B0600000101010101" pitchFamily="34" charset="-127"/>
               </a:rPr>
               <a:t>에 한하게 됩니다</a:t>
             </a:r>
             <a:r>
-              <a:rPr lang="en-US" altLang="ko-KR" sz="2400" dirty="0" smtClean="0">
+              <a:rPr lang="en-US" altLang="ko-KR" sz="2400" dirty="0">
                 <a:latin typeface="리디바탕" panose="020B0600000101010101" pitchFamily="34" charset="-127"/>
                 <a:ea typeface="리디바탕" panose="020B0600000101010101" pitchFamily="34" charset="-127"/>
               </a:rPr>
@@ -11130,13 +10712,6 @@
   <p:clrMapOvr>
     <a:masterClrMapping/>
   </p:clrMapOvr>
-  <p:timing>
-    <p:tnLst>
-      <p:par>
-        <p:cTn id="1" dur="indefinite" restart="never" nodeType="tmRoot"/>
-      </p:par>
-    </p:tnLst>
-  </p:timing>
 </p:sld>
 </file>
 
@@ -11191,13 +10766,6 @@
   <p:clrMapOvr>
     <a:masterClrMapping/>
   </p:clrMapOvr>
-  <p:timing>
-    <p:tnLst>
-      <p:par>
-        <p:cTn id="1" dur="indefinite" restart="never" nodeType="tmRoot"/>
-      </p:par>
-    </p:tnLst>
-  </p:timing>
 </p:sld>
 </file>
 
@@ -11252,13 +10820,6 @@
   <p:clrMapOvr>
     <a:masterClrMapping/>
   </p:clrMapOvr>
-  <p:timing>
-    <p:tnLst>
-      <p:par>
-        <p:cTn id="1" dur="indefinite" restart="never" nodeType="tmRoot"/>
-      </p:par>
-    </p:tnLst>
-  </p:timing>
 </p:sld>
 </file>
 
@@ -11521,4 +11082,10 @@
     </a:ext>
   </a:extLst>
 </a:theme>
+</file>
+
+<file path=docMetadata/LabelInfo.xml><?xml version="1.0" encoding="utf-8"?>
+<clbl:labelList xmlns:clbl="http://schemas.microsoft.com/office/2020/mipLabelMetadata">
+  <clbl:label id="{a11ee6e5-21a0-48c4-8af4-6cc1347f763e}" enabled="1" method="Standard" siteId="{a27ddcc1-bea5-4183-aa29-fd96d7612a1d}" contentBits="0" removed="0"/>
+</clbl:labelList>
 </file>